--- a/ДипломДокументы/Преддипломная практика/Razrabotka-programmnyh-komponentov-dlya-igry-fermerskogo-simulyatora.pptx
+++ b/ДипломДокументы/Преддипломная практика/Razrabotka-programmnyh-komponentov-dlya-igry-fermerskogo-simulyatora.pptx
@@ -4,8 +4,11 @@
   <p:sldMasterIdLst>
     <p:sldMasterId id="2147483648" r:id="rId1"/>
   </p:sldMasterIdLst>
+  <p:notesMasterIdLst>
+    <p:notesMasterId r:id="rId10"/>
+  </p:notesMasterIdLst>
   <p:sldIdLst>
-    <p:sldId id="256" r:id="rId2"/>
+    <p:sldId id="297" r:id="rId2"/>
     <p:sldId id="257" r:id="rId3"/>
     <p:sldId id="258" r:id="rId4"/>
     <p:sldId id="259" r:id="rId5"/>
@@ -14,9 +17,6 @@
     <p:sldId id="262" r:id="rId8"/>
     <p:sldId id="263" r:id="rId9"/>
   </p:sldIdLst>
-  <p:notesMasterIdLst>
-    <p:notesMasterId r:id="rId10"/>
-  </p:notesMasterIdLst>
   <p:sldSz cx="14630400" cy="8229600"/>
   <p:notesSz cx="8229600" cy="14630400"/>
   <p:defaultTextStyle>
@@ -111,6 +111,11 @@
       </a:defRPr>
     </a:lvl9pPr>
   </p:defaultTextStyle>
+  <p:extLst>
+    <p:ext uri="{EFAFB233-063F-42B5-8137-9DF3F51BA10A}">
+      <p15:sldGuideLst xmlns:p15="http://schemas.microsoft.com/office/powerpoint/2012/main"/>
+    </p:ext>
+  </p:extLst>
 </p:presentation>
 </file>
 
@@ -136,234 +141,10 @@
           <a:chExt cx="0" cy="0"/>
         </a:xfrm>
       </p:grpSpPr>
-      <p:sp>
-        <p:nvSpPr>
-          <p:cNvPr id="2" name="Header Placeholder 1"/>
-          <p:cNvSpPr>
-            <a:spLocks noGrp="1"/>
-          </p:cNvSpPr>
-          <p:nvPr>
-            <p:ph type="hdr" sz="quarter"/>
-          </p:nvPr>
-        </p:nvSpPr>
-        <p:spPr>
-          <a:xfrm>
-            <a:off x="0" y="0"/>
-            <a:ext cx="2971800" cy="458788"/>
-          </a:xfrm>
-          <a:prstGeom prst="rect">
-            <a:avLst/>
-          </a:prstGeom>
-        </p:spPr>
-        <p:txBody>
-          <a:bodyPr vert="horz" lIns="91440" tIns="45720" rIns="91440" bIns="45720" rtlCol="0"/>
-          <a:lstStyle>
-            <a:lvl1pPr algn="l">
-              <a:defRPr sz="1200"/>
-            </a:lvl1pPr>
-          </a:lstStyle>
-          <a:p>
-            <a:endParaRPr lang="en-US"/>
-          </a:p>
-        </p:txBody>
-      </p:sp>
-      <p:sp>
-        <p:nvSpPr>
-          <p:cNvPr id="3" name="Date Placeholder 2"/>
-          <p:cNvSpPr>
-            <a:spLocks noGrp="1"/>
-          </p:cNvSpPr>
-          <p:nvPr>
-            <p:ph type="dt" idx="1"/>
-          </p:nvPr>
-        </p:nvSpPr>
-        <p:spPr>
-          <a:xfrm>
-            <a:off x="3884613" y="0"/>
-            <a:ext cx="2971800" cy="458788"/>
-          </a:xfrm>
-          <a:prstGeom prst="rect">
-            <a:avLst/>
-          </a:prstGeom>
-        </p:spPr>
-        <p:txBody>
-          <a:bodyPr vert="horz" lIns="91440" tIns="45720" rIns="91440" bIns="45720" rtlCol="0"/>
-          <a:lstStyle>
-            <a:lvl1pPr algn="r">
-              <a:defRPr sz="1200"/>
-            </a:lvl1pPr>
-          </a:lstStyle>
-          <a:p>
-            <a:fld id="{5282F153-3F37-0F45-9E97-73ACFA13230C}" type="datetimeFigureOut">
-              <a:rPr lang="en-US"/>
-              <a:t>7/23/19</a:t>
-            </a:fld>
-            <a:endParaRPr lang="en-US"/>
-          </a:p>
-        </p:txBody>
-      </p:sp>
-      <p:sp>
-        <p:nvSpPr>
-          <p:cNvPr id="4" name="Slide Image Placeholder 3"/>
-          <p:cNvSpPr>
-            <a:spLocks noGrp="1" noRot="1" noChangeAspect="1"/>
-          </p:cNvSpPr>
-          <p:nvPr>
-            <p:ph type="sldImg" idx="2"/>
-          </p:nvPr>
-        </p:nvSpPr>
-        <p:spPr>
-          <a:xfrm>
-            <a:off x="685800" y="1143000"/>
-            <a:ext cx="5486400" cy="3086100"/>
-          </a:xfrm>
-          <a:prstGeom prst="rect">
-            <a:avLst/>
-          </a:prstGeom>
-          <a:noFill/>
-          <a:ln w="12700">
-            <a:solidFill>
-              <a:prstClr val="black"/>
-            </a:solidFill>
-          </a:ln>
-        </p:spPr>
-        <p:txBody>
-          <a:bodyPr vert="horz" lIns="91440" tIns="45720" rIns="91440" bIns="45720" rtlCol="0" anchor="ctr"/>
-          <a:lstStyle/>
-          <a:p>
-            <a:endParaRPr lang="en-US"/>
-          </a:p>
-        </p:txBody>
-      </p:sp>
-      <p:sp>
-        <p:nvSpPr>
-          <p:cNvPr id="5" name="Notes Placeholder 4"/>
-          <p:cNvSpPr>
-            <a:spLocks noGrp="1"/>
-          </p:cNvSpPr>
-          <p:nvPr>
-            <p:ph type="body" sz="quarter" idx="3"/>
-          </p:nvPr>
-        </p:nvSpPr>
-        <p:spPr>
-          <a:xfrm>
-            <a:off x="685800" y="4400550"/>
-            <a:ext cx="5486400" cy="3600450"/>
-          </a:xfrm>
-          <a:prstGeom prst="rect">
-            <a:avLst/>
-          </a:prstGeom>
-        </p:spPr>
-        <p:txBody>
-          <a:bodyPr vert="horz" lIns="91440" tIns="45720" rIns="91440" bIns="45720" rtlCol="0"/>
-          <a:lstStyle/>
-          <a:p>
-            <a:pPr lvl="0"/>
-            <a:r>
-              <a:rPr lang="en-US"/>
-              <a:t>Click to edit Master text styles</a:t>
-            </a:r>
-          </a:p>
-          <a:p>
-            <a:pPr lvl="1"/>
-            <a:r>
-              <a:rPr lang="en-US"/>
-              <a:t>Second level</a:t>
-            </a:r>
-          </a:p>
-          <a:p>
-            <a:pPr lvl="2"/>
-            <a:r>
-              <a:rPr lang="en-US"/>
-              <a:t>Third level</a:t>
-            </a:r>
-          </a:p>
-          <a:p>
-            <a:pPr lvl="3"/>
-            <a:r>
-              <a:rPr lang="en-US"/>
-              <a:t>Fourth level</a:t>
-            </a:r>
-          </a:p>
-          <a:p>
-            <a:pPr lvl="4"/>
-            <a:r>
-              <a:rPr lang="en-US"/>
-              <a:t>Fifth level</a:t>
-            </a:r>
-          </a:p>
-        </p:txBody>
-      </p:sp>
-      <p:sp>
-        <p:nvSpPr>
-          <p:cNvPr id="6" name="Footer Placeholder 5"/>
-          <p:cNvSpPr>
-            <a:spLocks noGrp="1"/>
-          </p:cNvSpPr>
-          <p:nvPr>
-            <p:ph type="ftr" sz="quarter" idx="4"/>
-          </p:nvPr>
-        </p:nvSpPr>
-        <p:spPr>
-          <a:xfrm>
-            <a:off x="0" y="8685213"/>
-            <a:ext cx="2971800" cy="458787"/>
-          </a:xfrm>
-          <a:prstGeom prst="rect">
-            <a:avLst/>
-          </a:prstGeom>
-        </p:spPr>
-        <p:txBody>
-          <a:bodyPr vert="horz" lIns="91440" tIns="45720" rIns="91440" bIns="45720" rtlCol="0" anchor="b"/>
-          <a:lstStyle>
-            <a:lvl1pPr algn="l">
-              <a:defRPr sz="1200"/>
-            </a:lvl1pPr>
-          </a:lstStyle>
-          <a:p>
-            <a:endParaRPr lang="en-US"/>
-          </a:p>
-        </p:txBody>
-      </p:sp>
-      <p:sp>
-        <p:nvSpPr>
-          <p:cNvPr id="7" name="Slide Number Placeholder 6"/>
-          <p:cNvSpPr>
-            <a:spLocks noGrp="1"/>
-          </p:cNvSpPr>
-          <p:nvPr>
-            <p:ph type="sldNum" sz="quarter" idx="5"/>
-          </p:nvPr>
-        </p:nvSpPr>
-        <p:spPr>
-          <a:xfrm>
-            <a:off x="3884613" y="8685213"/>
-            <a:ext cx="2971800" cy="458787"/>
-          </a:xfrm>
-          <a:prstGeom prst="rect">
-            <a:avLst/>
-          </a:prstGeom>
-        </p:spPr>
-        <p:txBody>
-          <a:bodyPr vert="horz" lIns="91440" tIns="45720" rIns="91440" bIns="45720" rtlCol="0" anchor="b"/>
-          <a:lstStyle>
-            <a:lvl1pPr algn="r">
-              <a:defRPr sz="1200"/>
-            </a:lvl1pPr>
-          </a:lstStyle>
-          <a:p>
-            <a:fld id="{CE5E9CC1-C706-0F49-92D6-E571CC5EEA8F}" type="slidenum">
-              <a:rPr lang="en-US"/>
-              <a:t>‹#›</a:t>
-            </a:fld>
-            <a:endParaRPr lang="en-US"/>
-          </a:p>
-        </p:txBody>
-      </p:sp>
     </p:spTree>
     <p:extLst>
       <p:ext uri="{BB962C8B-B14F-4D97-AF65-F5344CB8AC3E}">
-        <p14:creationId xmlns:p14="http://schemas.microsoft.com/office/powerpoint/2010/main" val="1024086991"/>
+        <p14:creationId xmlns:p14="http://schemas.microsoft.com/office/powerpoint/2010/main" val="2505957204"/>
       </p:ext>
     </p:extLst>
   </p:cSld>
@@ -464,11 +245,11 @@
 </file>
 
 <file path=ppt/notesSlides/notesSlide1.xml><?xml version="1.0" encoding="utf-8"?>
-<p:notes xmlns:a="http://schemas.openxmlformats.org/drawingml/2006/main" xmlns:r="http://schemas.openxmlformats.org/officeDocument/2006/relationships" xmlns:p="http://schemas.openxmlformats.org/presentationml/2006/main">
+<p:notes xmlns:a="http://schemas.openxmlformats.org/drawingml/2006/main" xmlns:r="http://schemas.openxmlformats.org/officeDocument/2006/relationships" xmlns:p="http://schemas.openxmlformats.org/presentationml/2006/main" showMasterSp="0" showMasterPhAnim="0">
   <p:cSld>
     <p:spTree>
       <p:nvGrpSpPr>
-        <p:cNvPr id="1" name=""/>
+        <p:cNvPr id="1" name="Shape 324"/>
         <p:cNvGrpSpPr/>
         <p:nvPr/>
       </p:nvGrpSpPr>
@@ -482,66 +263,87 @@
       </p:grpSpPr>
       <p:sp>
         <p:nvSpPr>
-          <p:cNvPr id="2" name="Slide Image Placeholder 1"/>
+          <p:cNvPr id="325" name="Google Shape;325;p:notes"/>
           <p:cNvSpPr>
             <a:spLocks noGrp="1" noRot="1" noChangeAspect="1"/>
           </p:cNvSpPr>
           <p:nvPr>
-            <p:ph type="sldImg"/>
+            <p:ph type="sldImg" idx="2"/>
           </p:nvPr>
         </p:nvSpPr>
-        <p:spPr/>
-      </p:sp>
-      <p:sp>
-        <p:nvSpPr>
-          <p:cNvPr id="3" name="Notes Placeholder 2"/>
-          <p:cNvSpPr>
+        <p:spPr>
+          <a:xfrm>
+            <a:off x="381000" y="685800"/>
+            <a:ext cx="6096000" cy="3429000"/>
+          </a:xfrm>
+          <a:custGeom>
+            <a:avLst/>
+            <a:gdLst/>
+            <a:ahLst/>
+            <a:cxnLst/>
+            <a:rect l="l" t="t" r="r" b="b"/>
+            <a:pathLst>
+              <a:path w="120000" h="120000" extrusionOk="0">
+                <a:moveTo>
+                  <a:pt x="0" y="0"/>
+                </a:moveTo>
+                <a:lnTo>
+                  <a:pt x="120000" y="0"/>
+                </a:lnTo>
+                <a:lnTo>
+                  <a:pt x="120000" y="120000"/>
+                </a:lnTo>
+                <a:lnTo>
+                  <a:pt x="0" y="120000"/>
+                </a:lnTo>
+                <a:close/>
+              </a:path>
+            </a:pathLst>
+          </a:custGeom>
+        </p:spPr>
+      </p:sp>
+      <p:sp>
+        <p:nvSpPr>
+          <p:cNvPr id="326" name="Google Shape;326;p:notes"/>
+          <p:cNvSpPr txBox="1">
             <a:spLocks noGrp="1"/>
           </p:cNvSpPr>
           <p:nvPr>
             <p:ph type="body" idx="1"/>
           </p:nvPr>
         </p:nvSpPr>
-        <p:spPr/>
+        <p:spPr>
+          <a:xfrm>
+            <a:off x="685800" y="4343400"/>
+            <a:ext cx="5486400" cy="4114800"/>
+          </a:xfrm>
+          <a:prstGeom prst="rect">
+            <a:avLst/>
+          </a:prstGeom>
+        </p:spPr>
         <p:txBody>
-          <a:bodyPr/>
+          <a:bodyPr spcFirstLastPara="1" wrap="square" lIns="91425" tIns="91425" rIns="91425" bIns="91425" anchor="t" anchorCtr="0">
+            <a:noAutofit/>
+          </a:bodyPr>
           <a:lstStyle/>
           <a:p>
-            <a:r>
-              <a:rPr lang="en-US" dirty="0"/>
-              <a:t/>
-            </a:r>
-            <a:endParaRPr lang="en-US" dirty="0"/>
-          </a:p>
-        </p:txBody>
-      </p:sp>
-      <p:sp>
-        <p:nvSpPr>
-          <p:cNvPr id="4" name="Slide Number Placeholder 3"/>
-          <p:cNvSpPr>
-            <a:spLocks noGrp="1"/>
-          </p:cNvSpPr>
-          <p:nvPr>
-            <p:ph type="sldNum" sz="quarter" idx="10"/>
-          </p:nvPr>
-        </p:nvSpPr>
-        <p:spPr/>
-        <p:txBody>
-          <a:bodyPr/>
-          <a:lstStyle/>
-          <a:p>
-            <a:fld id="{F7021451-1387-4CA6-816F-3879F97B5CBC}" type="slidenum">
-              <a:rPr lang="en-US"/>
-              <a:t>1</a:t>
-            </a:fld>
-            <a:endParaRPr lang="en-US"/>
+            <a:pPr marL="0" lvl="0" indent="0" algn="l" rtl="0">
+              <a:spcBef>
+                <a:spcPts val="0"/>
+              </a:spcBef>
+              <a:spcAft>
+                <a:spcPts val="0"/>
+              </a:spcAft>
+              <a:buNone/>
+            </a:pPr>
+            <a:endParaRPr dirty="0"/>
           </a:p>
         </p:txBody>
       </p:sp>
     </p:spTree>
     <p:extLst>
       <p:ext uri="{BB962C8B-B14F-4D97-AF65-F5344CB8AC3E}">
-        <p14:creationId xmlns:p14="http://schemas.microsoft.com/office/powerpoint/2010/main" val="1024086991"/>
+        <p14:creationId xmlns:p14="http://schemas.microsoft.com/office/powerpoint/2010/main" val="548162534"/>
       </p:ext>
     </p:extLst>
   </p:cSld>
@@ -595,10 +397,6 @@
           <a:bodyPr/>
           <a:lstStyle/>
           <a:p>
-            <a:r>
-              <a:rPr lang="en-US" dirty="0"/>
-              <a:t/>
-            </a:r>
             <a:endParaRPr lang="en-US" dirty="0"/>
           </a:p>
         </p:txBody>
@@ -683,10 +481,6 @@
           <a:bodyPr/>
           <a:lstStyle/>
           <a:p>
-            <a:r>
-              <a:rPr lang="en-US" dirty="0"/>
-              <a:t/>
-            </a:r>
             <a:endParaRPr lang="en-US" dirty="0"/>
           </a:p>
         </p:txBody>
@@ -771,10 +565,6 @@
           <a:bodyPr/>
           <a:lstStyle/>
           <a:p>
-            <a:r>
-              <a:rPr lang="en-US" dirty="0"/>
-              <a:t/>
-            </a:r>
             <a:endParaRPr lang="en-US" dirty="0"/>
           </a:p>
         </p:txBody>
@@ -859,10 +649,6 @@
           <a:bodyPr/>
           <a:lstStyle/>
           <a:p>
-            <a:r>
-              <a:rPr lang="en-US" dirty="0"/>
-              <a:t/>
-            </a:r>
             <a:endParaRPr lang="en-US" dirty="0"/>
           </a:p>
         </p:txBody>
@@ -947,10 +733,6 @@
           <a:bodyPr/>
           <a:lstStyle/>
           <a:p>
-            <a:r>
-              <a:rPr lang="en-US" dirty="0"/>
-              <a:t/>
-            </a:r>
             <a:endParaRPr lang="en-US" dirty="0"/>
           </a:p>
         </p:txBody>
@@ -1035,10 +817,6 @@
           <a:bodyPr/>
           <a:lstStyle/>
           <a:p>
-            <a:r>
-              <a:rPr lang="en-US" dirty="0"/>
-              <a:t/>
-            </a:r>
             <a:endParaRPr lang="en-US" dirty="0"/>
           </a:p>
         </p:txBody>
@@ -1123,10 +901,6 @@
           <a:bodyPr/>
           <a:lstStyle/>
           <a:p>
-            <a:r>
-              <a:rPr lang="en-US" dirty="0"/>
-              <a:t/>
-            </a:r>
             <a:endParaRPr lang="en-US" dirty="0"/>
           </a:p>
         </p:txBody>
@@ -1197,9 +971,710 @@
 </p:sldLayout>
 </file>
 
+<file path=ppt/slideLayouts/slideLayout2.xml><?xml version="1.0" encoding="utf-8"?>
+<p:sldLayout xmlns:a="http://schemas.openxmlformats.org/drawingml/2006/main" xmlns:r="http://schemas.openxmlformats.org/officeDocument/2006/relationships" xmlns:p="http://schemas.openxmlformats.org/presentationml/2006/main" matchingName="OPEN TITLE" type="title">
+  <p:cSld name="OPEN TITLE">
+    <p:spTree>
+      <p:nvGrpSpPr>
+        <p:cNvPr id="1" name="Shape 8"/>
+        <p:cNvGrpSpPr/>
+        <p:nvPr/>
+      </p:nvGrpSpPr>
+      <p:grpSpPr>
+        <a:xfrm>
+          <a:off x="0" y="0"/>
+          <a:ext cx="0" cy="0"/>
+          <a:chOff x="0" y="0"/>
+          <a:chExt cx="0" cy="0"/>
+        </a:xfrm>
+      </p:grpSpPr>
+      <p:grpSp>
+        <p:nvGrpSpPr>
+          <p:cNvPr id="9" name="Google Shape;9;p2"/>
+          <p:cNvGrpSpPr/>
+          <p:nvPr/>
+        </p:nvGrpSpPr>
+        <p:grpSpPr>
+          <a:xfrm>
+            <a:off x="-19923" y="496440"/>
+            <a:ext cx="14689280" cy="7261280"/>
+            <a:chOff x="-12452" y="310275"/>
+            <a:chExt cx="9180800" cy="4538300"/>
+          </a:xfrm>
+        </p:grpSpPr>
+        <p:cxnSp>
+          <p:nvCxnSpPr>
+            <p:cNvPr id="10" name="Google Shape;10;p2"/>
+            <p:cNvCxnSpPr/>
+            <p:nvPr/>
+          </p:nvCxnSpPr>
+          <p:spPr>
+            <a:xfrm>
+              <a:off x="-552" y="4023430"/>
+              <a:ext cx="9168900" cy="0"/>
+            </a:xfrm>
+            <a:prstGeom prst="straightConnector1">
+              <a:avLst/>
+            </a:prstGeom>
+            <a:noFill/>
+            <a:ln w="9525" cap="flat" cmpd="sng">
+              <a:solidFill>
+                <a:schemeClr val="lt2"/>
+              </a:solidFill>
+              <a:prstDash val="solid"/>
+              <a:round/>
+              <a:headEnd type="none" w="med" len="med"/>
+              <a:tailEnd type="none" w="med" len="med"/>
+            </a:ln>
+          </p:spPr>
+        </p:cxnSp>
+        <p:cxnSp>
+          <p:nvCxnSpPr>
+            <p:cNvPr id="11" name="Google Shape;11;p2"/>
+            <p:cNvCxnSpPr/>
+            <p:nvPr/>
+          </p:nvCxnSpPr>
+          <p:spPr>
+            <a:xfrm>
+              <a:off x="-12452" y="310275"/>
+              <a:ext cx="9168900" cy="0"/>
+            </a:xfrm>
+            <a:prstGeom prst="straightConnector1">
+              <a:avLst/>
+            </a:prstGeom>
+            <a:noFill/>
+            <a:ln w="9525" cap="flat" cmpd="sng">
+              <a:solidFill>
+                <a:schemeClr val="lt2"/>
+              </a:solidFill>
+              <a:prstDash val="solid"/>
+              <a:round/>
+              <a:headEnd type="none" w="med" len="med"/>
+              <a:tailEnd type="none" w="med" len="med"/>
+            </a:ln>
+          </p:spPr>
+        </p:cxnSp>
+        <p:cxnSp>
+          <p:nvCxnSpPr>
+            <p:cNvPr id="12" name="Google Shape;12;p2"/>
+            <p:cNvCxnSpPr/>
+            <p:nvPr/>
+          </p:nvCxnSpPr>
+          <p:spPr>
+            <a:xfrm>
+              <a:off x="-552" y="722848"/>
+              <a:ext cx="9168900" cy="0"/>
+            </a:xfrm>
+            <a:prstGeom prst="straightConnector1">
+              <a:avLst/>
+            </a:prstGeom>
+            <a:noFill/>
+            <a:ln w="9525" cap="flat" cmpd="sng">
+              <a:solidFill>
+                <a:schemeClr val="lt2"/>
+              </a:solidFill>
+              <a:prstDash val="solid"/>
+              <a:round/>
+              <a:headEnd type="none" w="med" len="med"/>
+              <a:tailEnd type="none" w="med" len="med"/>
+            </a:ln>
+          </p:spPr>
+        </p:cxnSp>
+        <p:cxnSp>
+          <p:nvCxnSpPr>
+            <p:cNvPr id="13" name="Google Shape;13;p2"/>
+            <p:cNvCxnSpPr/>
+            <p:nvPr/>
+          </p:nvCxnSpPr>
+          <p:spPr>
+            <a:xfrm>
+              <a:off x="-552" y="1135420"/>
+              <a:ext cx="9168900" cy="0"/>
+            </a:xfrm>
+            <a:prstGeom prst="straightConnector1">
+              <a:avLst/>
+            </a:prstGeom>
+            <a:noFill/>
+            <a:ln w="9525" cap="flat" cmpd="sng">
+              <a:solidFill>
+                <a:schemeClr val="lt2"/>
+              </a:solidFill>
+              <a:prstDash val="solid"/>
+              <a:round/>
+              <a:headEnd type="none" w="med" len="med"/>
+              <a:tailEnd type="none" w="med" len="med"/>
+            </a:ln>
+          </p:spPr>
+        </p:cxnSp>
+        <p:cxnSp>
+          <p:nvCxnSpPr>
+            <p:cNvPr id="14" name="Google Shape;14;p2"/>
+            <p:cNvCxnSpPr/>
+            <p:nvPr/>
+          </p:nvCxnSpPr>
+          <p:spPr>
+            <a:xfrm>
+              <a:off x="-552" y="1547993"/>
+              <a:ext cx="9168900" cy="0"/>
+            </a:xfrm>
+            <a:prstGeom prst="straightConnector1">
+              <a:avLst/>
+            </a:prstGeom>
+            <a:noFill/>
+            <a:ln w="9525" cap="flat" cmpd="sng">
+              <a:solidFill>
+                <a:schemeClr val="lt2"/>
+              </a:solidFill>
+              <a:prstDash val="solid"/>
+              <a:round/>
+              <a:headEnd type="none" w="med" len="med"/>
+              <a:tailEnd type="none" w="med" len="med"/>
+            </a:ln>
+          </p:spPr>
+        </p:cxnSp>
+        <p:cxnSp>
+          <p:nvCxnSpPr>
+            <p:cNvPr id="15" name="Google Shape;15;p2"/>
+            <p:cNvCxnSpPr/>
+            <p:nvPr/>
+          </p:nvCxnSpPr>
+          <p:spPr>
+            <a:xfrm>
+              <a:off x="-552" y="1960566"/>
+              <a:ext cx="9168900" cy="0"/>
+            </a:xfrm>
+            <a:prstGeom prst="straightConnector1">
+              <a:avLst/>
+            </a:prstGeom>
+            <a:noFill/>
+            <a:ln w="9525" cap="flat" cmpd="sng">
+              <a:solidFill>
+                <a:schemeClr val="lt2"/>
+              </a:solidFill>
+              <a:prstDash val="solid"/>
+              <a:round/>
+              <a:headEnd type="none" w="med" len="med"/>
+              <a:tailEnd type="none" w="med" len="med"/>
+            </a:ln>
+          </p:spPr>
+        </p:cxnSp>
+        <p:cxnSp>
+          <p:nvCxnSpPr>
+            <p:cNvPr id="16" name="Google Shape;16;p2"/>
+            <p:cNvCxnSpPr/>
+            <p:nvPr/>
+          </p:nvCxnSpPr>
+          <p:spPr>
+            <a:xfrm>
+              <a:off x="-552" y="2373139"/>
+              <a:ext cx="9168900" cy="0"/>
+            </a:xfrm>
+            <a:prstGeom prst="straightConnector1">
+              <a:avLst/>
+            </a:prstGeom>
+            <a:noFill/>
+            <a:ln w="9525" cap="flat" cmpd="sng">
+              <a:solidFill>
+                <a:schemeClr val="lt2"/>
+              </a:solidFill>
+              <a:prstDash val="solid"/>
+              <a:round/>
+              <a:headEnd type="none" w="med" len="med"/>
+              <a:tailEnd type="none" w="med" len="med"/>
+            </a:ln>
+          </p:spPr>
+        </p:cxnSp>
+        <p:cxnSp>
+          <p:nvCxnSpPr>
+            <p:cNvPr id="17" name="Google Shape;17;p2"/>
+            <p:cNvCxnSpPr/>
+            <p:nvPr/>
+          </p:nvCxnSpPr>
+          <p:spPr>
+            <a:xfrm>
+              <a:off x="-552" y="2785711"/>
+              <a:ext cx="9168900" cy="0"/>
+            </a:xfrm>
+            <a:prstGeom prst="straightConnector1">
+              <a:avLst/>
+            </a:prstGeom>
+            <a:noFill/>
+            <a:ln w="9525" cap="flat" cmpd="sng">
+              <a:solidFill>
+                <a:schemeClr val="lt2"/>
+              </a:solidFill>
+              <a:prstDash val="solid"/>
+              <a:round/>
+              <a:headEnd type="none" w="med" len="med"/>
+              <a:tailEnd type="none" w="med" len="med"/>
+            </a:ln>
+          </p:spPr>
+        </p:cxnSp>
+        <p:cxnSp>
+          <p:nvCxnSpPr>
+            <p:cNvPr id="18" name="Google Shape;18;p2"/>
+            <p:cNvCxnSpPr/>
+            <p:nvPr/>
+          </p:nvCxnSpPr>
+          <p:spPr>
+            <a:xfrm>
+              <a:off x="-552" y="3198284"/>
+              <a:ext cx="9168900" cy="0"/>
+            </a:xfrm>
+            <a:prstGeom prst="straightConnector1">
+              <a:avLst/>
+            </a:prstGeom>
+            <a:noFill/>
+            <a:ln w="9525" cap="flat" cmpd="sng">
+              <a:solidFill>
+                <a:schemeClr val="lt2"/>
+              </a:solidFill>
+              <a:prstDash val="solid"/>
+              <a:round/>
+              <a:headEnd type="none" w="med" len="med"/>
+              <a:tailEnd type="none" w="med" len="med"/>
+            </a:ln>
+          </p:spPr>
+        </p:cxnSp>
+        <p:cxnSp>
+          <p:nvCxnSpPr>
+            <p:cNvPr id="19" name="Google Shape;19;p2"/>
+            <p:cNvCxnSpPr/>
+            <p:nvPr/>
+          </p:nvCxnSpPr>
+          <p:spPr>
+            <a:xfrm>
+              <a:off x="-552" y="3610857"/>
+              <a:ext cx="9168900" cy="0"/>
+            </a:xfrm>
+            <a:prstGeom prst="straightConnector1">
+              <a:avLst/>
+            </a:prstGeom>
+            <a:noFill/>
+            <a:ln w="9525" cap="flat" cmpd="sng">
+              <a:solidFill>
+                <a:schemeClr val="lt2"/>
+              </a:solidFill>
+              <a:prstDash val="solid"/>
+              <a:round/>
+              <a:headEnd type="none" w="med" len="med"/>
+              <a:tailEnd type="none" w="med" len="med"/>
+            </a:ln>
+          </p:spPr>
+        </p:cxnSp>
+        <p:cxnSp>
+          <p:nvCxnSpPr>
+            <p:cNvPr id="20" name="Google Shape;20;p2"/>
+            <p:cNvCxnSpPr/>
+            <p:nvPr/>
+          </p:nvCxnSpPr>
+          <p:spPr>
+            <a:xfrm>
+              <a:off x="-552" y="4436002"/>
+              <a:ext cx="9168900" cy="0"/>
+            </a:xfrm>
+            <a:prstGeom prst="straightConnector1">
+              <a:avLst/>
+            </a:prstGeom>
+            <a:noFill/>
+            <a:ln w="9525" cap="flat" cmpd="sng">
+              <a:solidFill>
+                <a:schemeClr val="lt2"/>
+              </a:solidFill>
+              <a:prstDash val="solid"/>
+              <a:round/>
+              <a:headEnd type="none" w="med" len="med"/>
+              <a:tailEnd type="none" w="med" len="med"/>
+            </a:ln>
+          </p:spPr>
+        </p:cxnSp>
+        <p:cxnSp>
+          <p:nvCxnSpPr>
+            <p:cNvPr id="21" name="Google Shape;21;p2"/>
+            <p:cNvCxnSpPr/>
+            <p:nvPr/>
+          </p:nvCxnSpPr>
+          <p:spPr>
+            <a:xfrm>
+              <a:off x="-552" y="4848575"/>
+              <a:ext cx="9168900" cy="0"/>
+            </a:xfrm>
+            <a:prstGeom prst="straightConnector1">
+              <a:avLst/>
+            </a:prstGeom>
+            <a:noFill/>
+            <a:ln w="9525" cap="flat" cmpd="sng">
+              <a:solidFill>
+                <a:schemeClr val="lt2"/>
+              </a:solidFill>
+              <a:prstDash val="solid"/>
+              <a:round/>
+              <a:headEnd type="none" w="med" len="med"/>
+              <a:tailEnd type="none" w="med" len="med"/>
+            </a:ln>
+          </p:spPr>
+        </p:cxnSp>
+      </p:grpSp>
+      <p:sp>
+        <p:nvSpPr>
+          <p:cNvPr id="22" name="Google Shape;22;p2"/>
+          <p:cNvSpPr txBox="1">
+            <a:spLocks noGrp="1"/>
+          </p:cNvSpPr>
+          <p:nvPr>
+            <p:ph type="ctrTitle"/>
+          </p:nvPr>
+        </p:nvSpPr>
+        <p:spPr>
+          <a:xfrm>
+            <a:off x="498720" y="2316480"/>
+            <a:ext cx="13632960" cy="2330400"/>
+          </a:xfrm>
+          <a:prstGeom prst="rect">
+            <a:avLst/>
+          </a:prstGeom>
+        </p:spPr>
+        <p:txBody>
+          <a:bodyPr spcFirstLastPara="1" wrap="square" lIns="91425" tIns="91425" rIns="91425" bIns="91425" anchor="b" anchorCtr="0">
+            <a:noAutofit/>
+          </a:bodyPr>
+          <a:lstStyle>
+            <a:lvl1pPr lvl="0" algn="ctr">
+              <a:spcBef>
+                <a:spcPts val="0"/>
+              </a:spcBef>
+              <a:spcAft>
+                <a:spcPts val="0"/>
+              </a:spcAft>
+              <a:buSzPts val="3600"/>
+              <a:buFont typeface="Permanent Marker"/>
+              <a:buNone/>
+              <a:defRPr sz="5760">
+                <a:latin typeface="Permanent Marker"/>
+                <a:ea typeface="Permanent Marker"/>
+                <a:cs typeface="Permanent Marker"/>
+                <a:sym typeface="Permanent Marker"/>
+              </a:defRPr>
+            </a:lvl1pPr>
+            <a:lvl2pPr lvl="1" algn="ctr">
+              <a:spcBef>
+                <a:spcPts val="0"/>
+              </a:spcBef>
+              <a:spcAft>
+                <a:spcPts val="0"/>
+              </a:spcAft>
+              <a:buSzPts val="5200"/>
+              <a:buFont typeface="Permanent Marker"/>
+              <a:buNone/>
+              <a:defRPr sz="8320">
+                <a:latin typeface="Permanent Marker"/>
+                <a:ea typeface="Permanent Marker"/>
+                <a:cs typeface="Permanent Marker"/>
+                <a:sym typeface="Permanent Marker"/>
+              </a:defRPr>
+            </a:lvl2pPr>
+            <a:lvl3pPr lvl="2" algn="ctr">
+              <a:spcBef>
+                <a:spcPts val="0"/>
+              </a:spcBef>
+              <a:spcAft>
+                <a:spcPts val="0"/>
+              </a:spcAft>
+              <a:buSzPts val="5200"/>
+              <a:buFont typeface="Permanent Marker"/>
+              <a:buNone/>
+              <a:defRPr sz="8320">
+                <a:latin typeface="Permanent Marker"/>
+                <a:ea typeface="Permanent Marker"/>
+                <a:cs typeface="Permanent Marker"/>
+                <a:sym typeface="Permanent Marker"/>
+              </a:defRPr>
+            </a:lvl3pPr>
+            <a:lvl4pPr lvl="3" algn="ctr">
+              <a:spcBef>
+                <a:spcPts val="0"/>
+              </a:spcBef>
+              <a:spcAft>
+                <a:spcPts val="0"/>
+              </a:spcAft>
+              <a:buSzPts val="5200"/>
+              <a:buFont typeface="Permanent Marker"/>
+              <a:buNone/>
+              <a:defRPr sz="8320">
+                <a:latin typeface="Permanent Marker"/>
+                <a:ea typeface="Permanent Marker"/>
+                <a:cs typeface="Permanent Marker"/>
+                <a:sym typeface="Permanent Marker"/>
+              </a:defRPr>
+            </a:lvl4pPr>
+            <a:lvl5pPr lvl="4" algn="ctr">
+              <a:spcBef>
+                <a:spcPts val="0"/>
+              </a:spcBef>
+              <a:spcAft>
+                <a:spcPts val="0"/>
+              </a:spcAft>
+              <a:buSzPts val="5200"/>
+              <a:buFont typeface="Permanent Marker"/>
+              <a:buNone/>
+              <a:defRPr sz="8320">
+                <a:latin typeface="Permanent Marker"/>
+                <a:ea typeface="Permanent Marker"/>
+                <a:cs typeface="Permanent Marker"/>
+                <a:sym typeface="Permanent Marker"/>
+              </a:defRPr>
+            </a:lvl5pPr>
+            <a:lvl6pPr lvl="5" algn="ctr">
+              <a:spcBef>
+                <a:spcPts val="0"/>
+              </a:spcBef>
+              <a:spcAft>
+                <a:spcPts val="0"/>
+              </a:spcAft>
+              <a:buSzPts val="5200"/>
+              <a:buFont typeface="Permanent Marker"/>
+              <a:buNone/>
+              <a:defRPr sz="8320">
+                <a:latin typeface="Permanent Marker"/>
+                <a:ea typeface="Permanent Marker"/>
+                <a:cs typeface="Permanent Marker"/>
+                <a:sym typeface="Permanent Marker"/>
+              </a:defRPr>
+            </a:lvl6pPr>
+            <a:lvl7pPr lvl="6" algn="ctr">
+              <a:spcBef>
+                <a:spcPts val="0"/>
+              </a:spcBef>
+              <a:spcAft>
+                <a:spcPts val="0"/>
+              </a:spcAft>
+              <a:buSzPts val="5200"/>
+              <a:buFont typeface="Permanent Marker"/>
+              <a:buNone/>
+              <a:defRPr sz="8320">
+                <a:latin typeface="Permanent Marker"/>
+                <a:ea typeface="Permanent Marker"/>
+                <a:cs typeface="Permanent Marker"/>
+                <a:sym typeface="Permanent Marker"/>
+              </a:defRPr>
+            </a:lvl7pPr>
+            <a:lvl8pPr lvl="7" algn="ctr">
+              <a:spcBef>
+                <a:spcPts val="0"/>
+              </a:spcBef>
+              <a:spcAft>
+                <a:spcPts val="0"/>
+              </a:spcAft>
+              <a:buSzPts val="5200"/>
+              <a:buFont typeface="Permanent Marker"/>
+              <a:buNone/>
+              <a:defRPr sz="8320">
+                <a:latin typeface="Permanent Marker"/>
+                <a:ea typeface="Permanent Marker"/>
+                <a:cs typeface="Permanent Marker"/>
+                <a:sym typeface="Permanent Marker"/>
+              </a:defRPr>
+            </a:lvl8pPr>
+            <a:lvl9pPr lvl="8" algn="ctr">
+              <a:spcBef>
+                <a:spcPts val="0"/>
+              </a:spcBef>
+              <a:spcAft>
+                <a:spcPts val="0"/>
+              </a:spcAft>
+              <a:buSzPts val="5200"/>
+              <a:buFont typeface="Permanent Marker"/>
+              <a:buNone/>
+              <a:defRPr sz="8320">
+                <a:latin typeface="Permanent Marker"/>
+                <a:ea typeface="Permanent Marker"/>
+                <a:cs typeface="Permanent Marker"/>
+                <a:sym typeface="Permanent Marker"/>
+              </a:defRPr>
+            </a:lvl9pPr>
+          </a:lstStyle>
+          <a:p>
+            <a:endParaRPr/>
+          </a:p>
+        </p:txBody>
+      </p:sp>
+      <p:sp>
+        <p:nvSpPr>
+          <p:cNvPr id="23" name="Google Shape;23;p2"/>
+          <p:cNvSpPr txBox="1">
+            <a:spLocks noGrp="1"/>
+          </p:cNvSpPr>
+          <p:nvPr>
+            <p:ph type="subTitle" idx="1"/>
+          </p:nvPr>
+        </p:nvSpPr>
+        <p:spPr>
+          <a:xfrm>
+            <a:off x="498720" y="4619840"/>
+            <a:ext cx="13632960" cy="1268160"/>
+          </a:xfrm>
+          <a:prstGeom prst="rect">
+            <a:avLst/>
+          </a:prstGeom>
+        </p:spPr>
+        <p:txBody>
+          <a:bodyPr spcFirstLastPara="1" wrap="square" lIns="91425" tIns="91425" rIns="91425" bIns="91425" anchor="t" anchorCtr="0">
+            <a:noAutofit/>
+          </a:bodyPr>
+          <a:lstStyle>
+            <a:lvl1pPr lvl="0" algn="ctr">
+              <a:lnSpc>
+                <a:spcPct val="100000"/>
+              </a:lnSpc>
+              <a:spcBef>
+                <a:spcPts val="0"/>
+              </a:spcBef>
+              <a:spcAft>
+                <a:spcPts val="0"/>
+              </a:spcAft>
+              <a:buSzPts val="1100"/>
+              <a:buNone/>
+              <a:defRPr/>
+            </a:lvl1pPr>
+            <a:lvl2pPr lvl="1" algn="ctr">
+              <a:lnSpc>
+                <a:spcPct val="100000"/>
+              </a:lnSpc>
+              <a:spcBef>
+                <a:spcPts val="0"/>
+              </a:spcBef>
+              <a:spcAft>
+                <a:spcPts val="0"/>
+              </a:spcAft>
+              <a:buSzPts val="1100"/>
+              <a:buNone/>
+              <a:defRPr/>
+            </a:lvl2pPr>
+            <a:lvl3pPr lvl="2" algn="ctr">
+              <a:lnSpc>
+                <a:spcPct val="100000"/>
+              </a:lnSpc>
+              <a:spcBef>
+                <a:spcPts val="0"/>
+              </a:spcBef>
+              <a:spcAft>
+                <a:spcPts val="0"/>
+              </a:spcAft>
+              <a:buSzPts val="1100"/>
+              <a:buNone/>
+              <a:defRPr/>
+            </a:lvl3pPr>
+            <a:lvl4pPr lvl="3" algn="ctr">
+              <a:lnSpc>
+                <a:spcPct val="100000"/>
+              </a:lnSpc>
+              <a:spcBef>
+                <a:spcPts val="0"/>
+              </a:spcBef>
+              <a:spcAft>
+                <a:spcPts val="0"/>
+              </a:spcAft>
+              <a:buSzPts val="1100"/>
+              <a:buNone/>
+              <a:defRPr/>
+            </a:lvl4pPr>
+            <a:lvl5pPr lvl="4" algn="ctr">
+              <a:lnSpc>
+                <a:spcPct val="100000"/>
+              </a:lnSpc>
+              <a:spcBef>
+                <a:spcPts val="0"/>
+              </a:spcBef>
+              <a:spcAft>
+                <a:spcPts val="0"/>
+              </a:spcAft>
+              <a:buSzPts val="1100"/>
+              <a:buNone/>
+              <a:defRPr/>
+            </a:lvl5pPr>
+            <a:lvl6pPr lvl="5" algn="ctr">
+              <a:lnSpc>
+                <a:spcPct val="100000"/>
+              </a:lnSpc>
+              <a:spcBef>
+                <a:spcPts val="0"/>
+              </a:spcBef>
+              <a:spcAft>
+                <a:spcPts val="0"/>
+              </a:spcAft>
+              <a:buSzPts val="1100"/>
+              <a:buNone/>
+              <a:defRPr/>
+            </a:lvl6pPr>
+            <a:lvl7pPr lvl="6" algn="ctr">
+              <a:lnSpc>
+                <a:spcPct val="100000"/>
+              </a:lnSpc>
+              <a:spcBef>
+                <a:spcPts val="0"/>
+              </a:spcBef>
+              <a:spcAft>
+                <a:spcPts val="0"/>
+              </a:spcAft>
+              <a:buSzPts val="1100"/>
+              <a:buNone/>
+              <a:defRPr/>
+            </a:lvl7pPr>
+            <a:lvl8pPr lvl="7" algn="ctr">
+              <a:lnSpc>
+                <a:spcPct val="100000"/>
+              </a:lnSpc>
+              <a:spcBef>
+                <a:spcPts val="0"/>
+              </a:spcBef>
+              <a:spcAft>
+                <a:spcPts val="0"/>
+              </a:spcAft>
+              <a:buSzPts val="1100"/>
+              <a:buNone/>
+              <a:defRPr/>
+            </a:lvl8pPr>
+            <a:lvl9pPr lvl="8" algn="ctr">
+              <a:lnSpc>
+                <a:spcPct val="100000"/>
+              </a:lnSpc>
+              <a:spcBef>
+                <a:spcPts val="0"/>
+              </a:spcBef>
+              <a:spcAft>
+                <a:spcPts val="0"/>
+              </a:spcAft>
+              <a:buSzPts val="1100"/>
+              <a:buNone/>
+              <a:defRPr/>
+            </a:lvl9pPr>
+          </a:lstStyle>
+          <a:p>
+            <a:endParaRPr/>
+          </a:p>
+        </p:txBody>
+      </p:sp>
+    </p:spTree>
+    <p:extLst>
+      <p:ext uri="{BB962C8B-B14F-4D97-AF65-F5344CB8AC3E}">
+        <p14:creationId xmlns:p14="http://schemas.microsoft.com/office/powerpoint/2010/main" val="57397892"/>
+      </p:ext>
+    </p:extLst>
+  </p:cSld>
+  <p:clrMapOvr>
+    <a:masterClrMapping/>
+  </p:clrMapOvr>
+</p:sldLayout>
+</file>
+
 <file path=ppt/slideMasters/slideMaster1.xml><?xml version="1.0" encoding="utf-8"?>
 <p:sldMaster xmlns:a="http://schemas.openxmlformats.org/drawingml/2006/main" xmlns:r="http://schemas.openxmlformats.org/officeDocument/2006/relationships" xmlns:p="http://schemas.openxmlformats.org/presentationml/2006/main">
   <p:cSld>
+    <p:bg>
+      <p:bgRef idx="1001">
+        <a:schemeClr val="bg1"/>
+      </p:bgRef>
+    </p:bg>
     <p:spTree>
       <p:nvGrpSpPr>
         <p:cNvPr id="1" name=""/>
@@ -1219,6 +1694,7 @@
   <p:clrMap bg1="lt1" tx1="dk1" bg2="lt2" tx2="dk2" accent1="accent1" accent2="accent2" accent3="accent3" accent4="accent4" accent5="accent5" accent6="accent6" hlink="hlink" folHlink="folHlink"/>
   <p:sldLayoutIdLst>
     <p:sldLayoutId id="2147483649" r:id="rId1"/>
+    <p:sldLayoutId id="2147483650" r:id="rId2"/>
   </p:sldLayoutIdLst>
   <p:hf sldNum="0" hdr="0" ftr="0" dt="0"/>
   <p:txStyles>
@@ -1476,10 +1952,10 @@
 
 <file path=ppt/slides/slide1.xml><?xml version="1.0" encoding="utf-8"?>
 <p:sld xmlns:a="http://schemas.openxmlformats.org/drawingml/2006/main" xmlns:r="http://schemas.openxmlformats.org/officeDocument/2006/relationships" xmlns:p="http://schemas.openxmlformats.org/presentationml/2006/main">
-  <p:cSld name="Slide 1">
+  <p:cSld>
     <p:spTree>
       <p:nvGrpSpPr>
-        <p:cNvPr id="1" name=""/>
+        <p:cNvPr id="1" name="Shape 327"/>
         <p:cNvGrpSpPr/>
         <p:nvPr/>
       </p:nvGrpSpPr>
@@ -1491,181 +1967,4443 @@
           <a:chExt cx="0" cy="0"/>
         </a:xfrm>
       </p:grpSpPr>
-      <p:sp>
-        <p:nvSpPr>
-          <p:cNvPr id="2" name="Shape 0"/>
-          <p:cNvSpPr/>
-          <p:nvPr/>
-        </p:nvSpPr>
-        <p:spPr>
-          <a:xfrm>
-            <a:off x="0" y="0"/>
-            <a:ext cx="14630400" cy="8229600"/>
-          </a:xfrm>
-          <a:prstGeom prst="rect">
-            <a:avLst/>
-          </a:prstGeom>
-          <a:solidFill>
-            <a:srgbClr val="F6F4F4"/>
-          </a:solidFill>
-          <a:ln/>
-        </p:spPr>
-      </p:sp>
-      <p:sp>
-        <p:nvSpPr>
-          <p:cNvPr id="3" name="Shape 1"/>
-          <p:cNvSpPr/>
-          <p:nvPr/>
-        </p:nvSpPr>
-        <p:spPr>
-          <a:xfrm>
-            <a:off x="0" y="0"/>
-            <a:ext cx="14630400" cy="8229600"/>
-          </a:xfrm>
-          <a:prstGeom prst="rect">
-            <a:avLst/>
-          </a:prstGeom>
-          <a:solidFill>
-            <a:srgbClr val="FFFFFF"/>
-          </a:solidFill>
-          <a:ln/>
-        </p:spPr>
-      </p:sp>
-      <p:pic>
-        <p:nvPicPr>
-          <p:cNvPr id="4" name="Image 0" descr="preencoded.png">    </p:cNvPr>
-          <p:cNvPicPr>
-            <a:picLocks noChangeAspect="1"/>
-          </p:cNvPicPr>
-          <p:nvPr/>
-        </p:nvPicPr>
-        <p:blipFill>
-          <a:blip r:embed="rId1"/>
-          <a:stretch>
-            <a:fillRect/>
-          </a:stretch>
-        </p:blipFill>
-        <p:spPr>
-          <a:xfrm>
-            <a:off x="-7620" y="0"/>
-            <a:ext cx="5486400" cy="8229600"/>
-          </a:xfrm>
-          <a:prstGeom prst="rect">
-            <a:avLst/>
-          </a:prstGeom>
-        </p:spPr>
-      </p:pic>
-      <p:sp>
-        <p:nvSpPr>
-          <p:cNvPr id="5" name="Text 2"/>
-          <p:cNvSpPr/>
-          <p:nvPr/>
-        </p:nvSpPr>
-        <p:spPr>
-          <a:xfrm>
-            <a:off x="6319599" y="841772"/>
-            <a:ext cx="7477601" cy="4791075"/>
+      <p:grpSp>
+        <p:nvGrpSpPr>
+          <p:cNvPr id="444" name="Google Shape;444;p23"/>
+          <p:cNvGrpSpPr/>
+          <p:nvPr/>
+        </p:nvGrpSpPr>
+        <p:grpSpPr>
+          <a:xfrm>
+            <a:off x="3363142" y="8610493"/>
+            <a:ext cx="621344" cy="796021"/>
+            <a:chOff x="1344284" y="3702273"/>
+            <a:chExt cx="388340" cy="497513"/>
+          </a:xfrm>
+        </p:grpSpPr>
+        <p:sp>
+          <p:nvSpPr>
+            <p:cNvPr id="445" name="Google Shape;445;p23"/>
+            <p:cNvSpPr/>
+            <p:nvPr/>
+          </p:nvSpPr>
+          <p:spPr>
+            <a:xfrm>
+              <a:off x="1344284" y="3702273"/>
+              <a:ext cx="388340" cy="424411"/>
+            </a:xfrm>
+            <a:custGeom>
+              <a:avLst/>
+              <a:gdLst/>
+              <a:ahLst/>
+              <a:cxnLst/>
+              <a:rect l="l" t="t" r="r" b="b"/>
+              <a:pathLst>
+                <a:path w="11735" h="12825" extrusionOk="0">
+                  <a:moveTo>
+                    <a:pt x="6265" y="646"/>
+                  </a:moveTo>
+                  <a:lnTo>
+                    <a:pt x="6265" y="646"/>
+                  </a:lnTo>
+                  <a:cubicBezTo>
+                    <a:pt x="6997" y="1145"/>
+                    <a:pt x="8079" y="1255"/>
+                    <a:pt x="8938" y="1255"/>
+                  </a:cubicBezTo>
+                  <a:cubicBezTo>
+                    <a:pt x="8987" y="1255"/>
+                    <a:pt x="9034" y="1255"/>
+                    <a:pt x="9081" y="1254"/>
+                  </a:cubicBezTo>
+                  <a:cubicBezTo>
+                    <a:pt x="9625" y="1245"/>
+                    <a:pt x="10362" y="1245"/>
+                    <a:pt x="10834" y="928"/>
+                  </a:cubicBezTo>
+                  <a:lnTo>
+                    <a:pt x="10834" y="928"/>
+                  </a:lnTo>
+                  <a:cubicBezTo>
+                    <a:pt x="10726" y="1991"/>
+                    <a:pt x="10794" y="3126"/>
+                    <a:pt x="10987" y="4158"/>
+                  </a:cubicBezTo>
+                  <a:cubicBezTo>
+                    <a:pt x="10075" y="4333"/>
+                    <a:pt x="9240" y="4434"/>
+                    <a:pt x="8391" y="4434"/>
+                  </a:cubicBezTo>
+                  <a:cubicBezTo>
+                    <a:pt x="7802" y="4434"/>
+                    <a:pt x="7207" y="4385"/>
+                    <a:pt x="6574" y="4279"/>
+                  </a:cubicBezTo>
+                  <a:cubicBezTo>
+                    <a:pt x="6570" y="3032"/>
+                    <a:pt x="6478" y="1805"/>
+                    <a:pt x="6265" y="646"/>
+                  </a:cubicBezTo>
+                  <a:close/>
+                  <a:moveTo>
+                    <a:pt x="3259" y="8331"/>
+                  </a:moveTo>
+                  <a:cubicBezTo>
+                    <a:pt x="3552" y="8331"/>
+                    <a:pt x="3834" y="8376"/>
+                    <a:pt x="4078" y="8471"/>
+                  </a:cubicBezTo>
+                  <a:cubicBezTo>
+                    <a:pt x="4791" y="8748"/>
+                    <a:pt x="4891" y="9519"/>
+                    <a:pt x="5279" y="10096"/>
+                  </a:cubicBezTo>
+                  <a:cubicBezTo>
+                    <a:pt x="5228" y="10531"/>
+                    <a:pt x="5179" y="10966"/>
+                    <a:pt x="5130" y="11402"/>
+                  </a:cubicBezTo>
+                  <a:cubicBezTo>
+                    <a:pt x="5130" y="11404"/>
+                    <a:pt x="5128" y="11405"/>
+                    <a:pt x="5127" y="11407"/>
+                  </a:cubicBezTo>
+                  <a:cubicBezTo>
+                    <a:pt x="4771" y="11966"/>
+                    <a:pt x="4202" y="12197"/>
+                    <a:pt x="3596" y="12197"/>
+                  </a:cubicBezTo>
+                  <a:cubicBezTo>
+                    <a:pt x="1936" y="12197"/>
+                    <a:pt x="1" y="10465"/>
+                    <a:pt x="1407" y="9016"/>
+                  </a:cubicBezTo>
+                  <a:cubicBezTo>
+                    <a:pt x="1831" y="8579"/>
+                    <a:pt x="2573" y="8331"/>
+                    <a:pt x="3259" y="8331"/>
+                  </a:cubicBezTo>
+                  <a:close/>
+                  <a:moveTo>
+                    <a:pt x="10884" y="0"/>
+                  </a:moveTo>
+                  <a:cubicBezTo>
+                    <a:pt x="10805" y="0"/>
+                    <a:pt x="10728" y="30"/>
+                    <a:pt x="10668" y="99"/>
+                  </a:cubicBezTo>
+                  <a:cubicBezTo>
+                    <a:pt x="10329" y="494"/>
+                    <a:pt x="9664" y="581"/>
+                    <a:pt x="9050" y="581"/>
+                  </a:cubicBezTo>
+                  <a:cubicBezTo>
+                    <a:pt x="8765" y="581"/>
+                    <a:pt x="8491" y="562"/>
+                    <a:pt x="8265" y="546"/>
+                  </a:cubicBezTo>
+                  <a:cubicBezTo>
+                    <a:pt x="7524" y="496"/>
+                    <a:pt x="6808" y="205"/>
+                    <a:pt x="6075" y="205"/>
+                  </a:cubicBezTo>
+                  <a:cubicBezTo>
+                    <a:pt x="6067" y="205"/>
+                    <a:pt x="6060" y="205"/>
+                    <a:pt x="6052" y="205"/>
+                  </a:cubicBezTo>
+                  <a:cubicBezTo>
+                    <a:pt x="5960" y="205"/>
+                    <a:pt x="5913" y="308"/>
+                    <a:pt x="5955" y="381"/>
+                  </a:cubicBezTo>
+                  <a:cubicBezTo>
+                    <a:pt x="5885" y="415"/>
+                    <a:pt x="5838" y="484"/>
+                    <a:pt x="5828" y="560"/>
+                  </a:cubicBezTo>
+                  <a:cubicBezTo>
+                    <a:pt x="5638" y="2415"/>
+                    <a:pt x="5763" y="4302"/>
+                    <a:pt x="5658" y="6164"/>
+                  </a:cubicBezTo>
+                  <a:cubicBezTo>
+                    <a:pt x="5606" y="7083"/>
+                    <a:pt x="5516" y="7996"/>
+                    <a:pt x="5415" y="8909"/>
+                  </a:cubicBezTo>
+                  <a:cubicBezTo>
+                    <a:pt x="5294" y="8623"/>
+                    <a:pt x="5147" y="8353"/>
+                    <a:pt x="4905" y="8145"/>
+                  </a:cubicBezTo>
+                  <a:cubicBezTo>
+                    <a:pt x="4469" y="7769"/>
+                    <a:pt x="3857" y="7654"/>
+                    <a:pt x="3293" y="7654"/>
+                  </a:cubicBezTo>
+                  <a:cubicBezTo>
+                    <a:pt x="3253" y="7654"/>
+                    <a:pt x="3213" y="7655"/>
+                    <a:pt x="3173" y="7656"/>
+                  </a:cubicBezTo>
+                  <a:cubicBezTo>
+                    <a:pt x="1886" y="7693"/>
+                    <a:pt x="475" y="8316"/>
+                    <a:pt x="276" y="9724"/>
+                  </a:cubicBezTo>
+                  <a:cubicBezTo>
+                    <a:pt x="77" y="11122"/>
+                    <a:pt x="1111" y="12298"/>
+                    <a:pt x="2395" y="12677"/>
+                  </a:cubicBezTo>
+                  <a:cubicBezTo>
+                    <a:pt x="2711" y="12769"/>
+                    <a:pt x="3072" y="12824"/>
+                    <a:pt x="3435" y="12824"/>
+                  </a:cubicBezTo>
+                  <a:cubicBezTo>
+                    <a:pt x="4162" y="12824"/>
+                    <a:pt x="4896" y="12605"/>
+                    <a:pt x="5294" y="12035"/>
+                  </a:cubicBezTo>
+                  <a:cubicBezTo>
+                    <a:pt x="5340" y="12052"/>
+                    <a:pt x="5389" y="12061"/>
+                    <a:pt x="5438" y="12061"/>
+                  </a:cubicBezTo>
+                  <a:cubicBezTo>
+                    <a:pt x="5580" y="12061"/>
+                    <a:pt x="5717" y="11988"/>
+                    <a:pt x="5750" y="11825"/>
+                  </a:cubicBezTo>
+                  <a:cubicBezTo>
+                    <a:pt x="6193" y="9633"/>
+                    <a:pt x="6539" y="7180"/>
+                    <a:pt x="6574" y="4783"/>
+                  </a:cubicBezTo>
+                  <a:cubicBezTo>
+                    <a:pt x="7334" y="5024"/>
+                    <a:pt x="8165" y="5154"/>
+                    <a:pt x="8990" y="5154"/>
+                  </a:cubicBezTo>
+                  <a:cubicBezTo>
+                    <a:pt x="9861" y="5154"/>
+                    <a:pt x="10725" y="5009"/>
+                    <a:pt x="11492" y="4694"/>
+                  </a:cubicBezTo>
+                  <a:cubicBezTo>
+                    <a:pt x="11678" y="4617"/>
+                    <a:pt x="11734" y="4443"/>
+                    <a:pt x="11694" y="4300"/>
+                  </a:cubicBezTo>
+                  <a:cubicBezTo>
+                    <a:pt x="11694" y="4297"/>
+                    <a:pt x="11696" y="4296"/>
+                    <a:pt x="11696" y="4293"/>
+                  </a:cubicBezTo>
+                  <a:cubicBezTo>
+                    <a:pt x="11639" y="2969"/>
+                    <a:pt x="11544" y="1574"/>
+                    <a:pt x="11342" y="265"/>
+                  </a:cubicBezTo>
+                  <a:cubicBezTo>
+                    <a:pt x="11327" y="165"/>
+                    <a:pt x="11238" y="115"/>
+                    <a:pt x="11146" y="112"/>
+                  </a:cubicBezTo>
+                  <a:cubicBezTo>
+                    <a:pt x="11076" y="44"/>
+                    <a:pt x="10979" y="0"/>
+                    <a:pt x="10884" y="0"/>
+                  </a:cubicBezTo>
+                  <a:close/>
+                </a:path>
+              </a:pathLst>
+            </a:custGeom>
+            <a:solidFill>
+              <a:srgbClr val="000000"/>
+            </a:solidFill>
+            <a:ln>
+              <a:noFill/>
+            </a:ln>
+          </p:spPr>
+          <p:txBody>
+            <a:bodyPr spcFirstLastPara="1" wrap="square" lIns="146280" tIns="146280" rIns="146280" bIns="146280" anchor="ctr" anchorCtr="0">
+              <a:noAutofit/>
+            </a:bodyPr>
+            <a:lstStyle/>
+            <a:p>
+              <a:endParaRPr sz="2880"/>
+            </a:p>
+          </p:txBody>
+        </p:sp>
+        <p:sp>
+          <p:nvSpPr>
+            <p:cNvPr id="446" name="Google Shape;446;p23"/>
+            <p:cNvSpPr/>
+            <p:nvPr/>
+          </p:nvSpPr>
+          <p:spPr>
+            <a:xfrm>
+              <a:off x="1494921" y="4110304"/>
+              <a:ext cx="98450" cy="66549"/>
+            </a:xfrm>
+            <a:custGeom>
+              <a:avLst/>
+              <a:gdLst/>
+              <a:ahLst/>
+              <a:cxnLst/>
+              <a:rect l="l" t="t" r="r" b="b"/>
+              <a:pathLst>
+                <a:path w="2975" h="2011" extrusionOk="0">
+                  <a:moveTo>
+                    <a:pt x="2740" y="1"/>
+                  </a:moveTo>
+                  <a:cubicBezTo>
+                    <a:pt x="2683" y="1"/>
+                    <a:pt x="2629" y="27"/>
+                    <a:pt x="2601" y="91"/>
+                  </a:cubicBezTo>
+                  <a:cubicBezTo>
+                    <a:pt x="2171" y="1101"/>
+                    <a:pt x="1336" y="1789"/>
+                    <a:pt x="213" y="1789"/>
+                  </a:cubicBezTo>
+                  <a:cubicBezTo>
+                    <a:pt x="189" y="1789"/>
+                    <a:pt x="165" y="1789"/>
+                    <a:pt x="140" y="1788"/>
+                  </a:cubicBezTo>
+                  <a:cubicBezTo>
+                    <a:pt x="138" y="1788"/>
+                    <a:pt x="137" y="1788"/>
+                    <a:pt x="135" y="1788"/>
+                  </a:cubicBezTo>
+                  <a:cubicBezTo>
+                    <a:pt x="1" y="1788"/>
+                    <a:pt x="4" y="1993"/>
+                    <a:pt x="140" y="2004"/>
+                  </a:cubicBezTo>
+                  <a:cubicBezTo>
+                    <a:pt x="201" y="2008"/>
+                    <a:pt x="262" y="2010"/>
+                    <a:pt x="323" y="2010"/>
+                  </a:cubicBezTo>
+                  <a:cubicBezTo>
+                    <a:pt x="1440" y="2010"/>
+                    <a:pt x="2568" y="1315"/>
+                    <a:pt x="2932" y="230"/>
+                  </a:cubicBezTo>
+                  <a:cubicBezTo>
+                    <a:pt x="2975" y="103"/>
+                    <a:pt x="2852" y="1"/>
+                    <a:pt x="2740" y="1"/>
+                  </a:cubicBezTo>
+                  <a:close/>
+                </a:path>
+              </a:pathLst>
+            </a:custGeom>
+            <a:solidFill>
+              <a:srgbClr val="000000"/>
+            </a:solidFill>
+            <a:ln>
+              <a:noFill/>
+            </a:ln>
+          </p:spPr>
+          <p:txBody>
+            <a:bodyPr spcFirstLastPara="1" wrap="square" lIns="146280" tIns="146280" rIns="146280" bIns="146280" anchor="ctr" anchorCtr="0">
+              <a:noAutofit/>
+            </a:bodyPr>
+            <a:lstStyle/>
+            <a:p>
+              <a:endParaRPr sz="2880"/>
+            </a:p>
+          </p:txBody>
+        </p:sp>
+        <p:sp>
+          <p:nvSpPr>
+            <p:cNvPr id="447" name="Google Shape;447;p23"/>
+            <p:cNvSpPr/>
+            <p:nvPr/>
+          </p:nvSpPr>
+          <p:spPr>
+            <a:xfrm>
+              <a:off x="1556539" y="4135587"/>
+              <a:ext cx="72936" cy="64199"/>
+            </a:xfrm>
+            <a:custGeom>
+              <a:avLst/>
+              <a:gdLst/>
+              <a:ahLst/>
+              <a:cxnLst/>
+              <a:rect l="l" t="t" r="r" b="b"/>
+              <a:pathLst>
+                <a:path w="2204" h="1940" extrusionOk="0">
+                  <a:moveTo>
+                    <a:pt x="1968" y="0"/>
+                  </a:moveTo>
+                  <a:cubicBezTo>
+                    <a:pt x="1911" y="0"/>
+                    <a:pt x="1856" y="28"/>
+                    <a:pt x="1827" y="93"/>
+                  </a:cubicBezTo>
+                  <a:cubicBezTo>
+                    <a:pt x="1477" y="854"/>
+                    <a:pt x="992" y="1425"/>
+                    <a:pt x="159" y="1667"/>
+                  </a:cubicBezTo>
+                  <a:cubicBezTo>
+                    <a:pt x="0" y="1714"/>
+                    <a:pt x="50" y="1940"/>
+                    <a:pt x="195" y="1940"/>
+                  </a:cubicBezTo>
+                  <a:cubicBezTo>
+                    <a:pt x="207" y="1940"/>
+                    <a:pt x="219" y="1938"/>
+                    <a:pt x="232" y="1935"/>
+                  </a:cubicBezTo>
+                  <a:cubicBezTo>
+                    <a:pt x="1073" y="1725"/>
+                    <a:pt x="1899" y="1085"/>
+                    <a:pt x="2164" y="235"/>
+                  </a:cubicBezTo>
+                  <a:cubicBezTo>
+                    <a:pt x="2203" y="105"/>
+                    <a:pt x="2081" y="0"/>
+                    <a:pt x="1968" y="0"/>
+                  </a:cubicBezTo>
+                  <a:close/>
+                </a:path>
+              </a:pathLst>
+            </a:custGeom>
+            <a:solidFill>
+              <a:srgbClr val="000000"/>
+            </a:solidFill>
+            <a:ln>
+              <a:noFill/>
+            </a:ln>
+          </p:spPr>
+          <p:txBody>
+            <a:bodyPr spcFirstLastPara="1" wrap="square" lIns="146280" tIns="146280" rIns="146280" bIns="146280" anchor="ctr" anchorCtr="0">
+              <a:noAutofit/>
+            </a:bodyPr>
+            <a:lstStyle/>
+            <a:p>
+              <a:endParaRPr sz="2880"/>
+            </a:p>
+          </p:txBody>
+        </p:sp>
+      </p:grpSp>
+      <p:grpSp>
+        <p:nvGrpSpPr>
+          <p:cNvPr id="475" name="Google Shape;475;p23"/>
+          <p:cNvGrpSpPr/>
+          <p:nvPr/>
+        </p:nvGrpSpPr>
+        <p:grpSpPr>
+          <a:xfrm>
+            <a:off x="4441246" y="8756736"/>
+            <a:ext cx="1018138" cy="982080"/>
+            <a:chOff x="2661531" y="4759645"/>
+            <a:chExt cx="636336" cy="613800"/>
+          </a:xfrm>
+        </p:grpSpPr>
+        <p:sp>
+          <p:nvSpPr>
+            <p:cNvPr id="476" name="Google Shape;476;p23"/>
+            <p:cNvSpPr/>
+            <p:nvPr/>
+          </p:nvSpPr>
+          <p:spPr>
+            <a:xfrm>
+              <a:off x="2661531" y="4759645"/>
+              <a:ext cx="526601" cy="606916"/>
+            </a:xfrm>
+            <a:custGeom>
+              <a:avLst/>
+              <a:gdLst/>
+              <a:ahLst/>
+              <a:cxnLst/>
+              <a:rect l="l" t="t" r="r" b="b"/>
+              <a:pathLst>
+                <a:path w="15913" h="18340" extrusionOk="0">
+                  <a:moveTo>
+                    <a:pt x="6413" y="0"/>
+                  </a:moveTo>
+                  <a:cubicBezTo>
+                    <a:pt x="3152" y="0"/>
+                    <a:pt x="187" y="3584"/>
+                    <a:pt x="8" y="6636"/>
+                  </a:cubicBezTo>
+                  <a:cubicBezTo>
+                    <a:pt x="0" y="6771"/>
+                    <a:pt x="101" y="6850"/>
+                    <a:pt x="211" y="6866"/>
+                  </a:cubicBezTo>
+                  <a:cubicBezTo>
+                    <a:pt x="201" y="6993"/>
+                    <a:pt x="279" y="7111"/>
+                    <a:pt x="400" y="7148"/>
+                  </a:cubicBezTo>
+                  <a:cubicBezTo>
+                    <a:pt x="1273" y="7460"/>
+                    <a:pt x="2126" y="7825"/>
+                    <a:pt x="2955" y="8241"/>
+                  </a:cubicBezTo>
+                  <a:cubicBezTo>
+                    <a:pt x="3001" y="8265"/>
+                    <a:pt x="3051" y="8277"/>
+                    <a:pt x="3102" y="8277"/>
+                  </a:cubicBezTo>
+                  <a:cubicBezTo>
+                    <a:pt x="3129" y="8277"/>
+                    <a:pt x="3156" y="8274"/>
+                    <a:pt x="3183" y="8267"/>
+                  </a:cubicBezTo>
+                  <a:cubicBezTo>
+                    <a:pt x="3189" y="8267"/>
+                    <a:pt x="3197" y="8266"/>
+                    <a:pt x="3203" y="8264"/>
+                  </a:cubicBezTo>
+                  <a:cubicBezTo>
+                    <a:pt x="3212" y="8263"/>
+                    <a:pt x="3221" y="8261"/>
+                    <a:pt x="3229" y="8258"/>
+                  </a:cubicBezTo>
+                  <a:cubicBezTo>
+                    <a:pt x="3262" y="8249"/>
+                    <a:pt x="3292" y="8232"/>
+                    <a:pt x="3314" y="8207"/>
+                  </a:cubicBezTo>
+                  <a:cubicBezTo>
+                    <a:pt x="3457" y="8097"/>
+                    <a:pt x="3515" y="7889"/>
+                    <a:pt x="3391" y="7742"/>
+                  </a:cubicBezTo>
+                  <a:cubicBezTo>
+                    <a:pt x="3504" y="7207"/>
+                    <a:pt x="3934" y="6799"/>
+                    <a:pt x="4420" y="6799"/>
+                  </a:cubicBezTo>
+                  <a:cubicBezTo>
+                    <a:pt x="4657" y="6799"/>
+                    <a:pt x="4908" y="6896"/>
+                    <a:pt x="5142" y="7122"/>
+                  </a:cubicBezTo>
+                  <a:cubicBezTo>
+                    <a:pt x="5918" y="7869"/>
+                    <a:pt x="5341" y="8874"/>
+                    <a:pt x="4532" y="9252"/>
+                  </a:cubicBezTo>
+                  <a:cubicBezTo>
+                    <a:pt x="4245" y="9386"/>
+                    <a:pt x="4400" y="9844"/>
+                    <a:pt x="4678" y="9844"/>
+                  </a:cubicBezTo>
+                  <a:cubicBezTo>
+                    <a:pt x="4692" y="9844"/>
+                    <a:pt x="4706" y="9843"/>
+                    <a:pt x="4720" y="9840"/>
+                  </a:cubicBezTo>
+                  <a:cubicBezTo>
+                    <a:pt x="4757" y="9926"/>
+                    <a:pt x="4835" y="9995"/>
+                    <a:pt x="4964" y="9998"/>
+                  </a:cubicBezTo>
+                  <a:cubicBezTo>
+                    <a:pt x="6431" y="10041"/>
+                    <a:pt x="8444" y="9995"/>
+                    <a:pt x="9286" y="11477"/>
+                  </a:cubicBezTo>
+                  <a:cubicBezTo>
+                    <a:pt x="9770" y="12332"/>
+                    <a:pt x="9545" y="13398"/>
+                    <a:pt x="8580" y="13769"/>
+                  </a:cubicBezTo>
+                  <a:cubicBezTo>
+                    <a:pt x="8352" y="13857"/>
+                    <a:pt x="8124" y="13891"/>
+                    <a:pt x="7898" y="13891"/>
+                  </a:cubicBezTo>
+                  <a:cubicBezTo>
+                    <a:pt x="7418" y="13891"/>
+                    <a:pt x="6943" y="13735"/>
+                    <a:pt x="6473" y="13606"/>
+                  </a:cubicBezTo>
+                  <a:cubicBezTo>
+                    <a:pt x="6422" y="13539"/>
+                    <a:pt x="6339" y="13500"/>
+                    <a:pt x="6260" y="13500"/>
+                  </a:cubicBezTo>
+                  <a:cubicBezTo>
+                    <a:pt x="6218" y="13500"/>
+                    <a:pt x="6178" y="13511"/>
+                    <a:pt x="6143" y="13534"/>
+                  </a:cubicBezTo>
+                  <a:cubicBezTo>
+                    <a:pt x="6141" y="13534"/>
+                    <a:pt x="6139" y="13534"/>
+                    <a:pt x="6137" y="13534"/>
+                  </a:cubicBezTo>
+                  <a:cubicBezTo>
+                    <a:pt x="5853" y="13534"/>
+                    <a:pt x="5704" y="13916"/>
+                    <a:pt x="5966" y="14087"/>
+                  </a:cubicBezTo>
+                  <a:cubicBezTo>
+                    <a:pt x="5774" y="14971"/>
+                    <a:pt x="5564" y="15826"/>
+                    <a:pt x="5203" y="16669"/>
+                  </a:cubicBezTo>
+                  <a:cubicBezTo>
+                    <a:pt x="5083" y="16949"/>
+                    <a:pt x="5323" y="17206"/>
+                    <a:pt x="5547" y="17206"/>
+                  </a:cubicBezTo>
+                  <a:cubicBezTo>
+                    <a:pt x="5649" y="17206"/>
+                    <a:pt x="5747" y="17152"/>
+                    <a:pt x="5806" y="17023"/>
+                  </a:cubicBezTo>
+                  <a:cubicBezTo>
+                    <a:pt x="6188" y="16190"/>
+                    <a:pt x="6467" y="15276"/>
+                    <a:pt x="6519" y="14352"/>
+                  </a:cubicBezTo>
+                  <a:cubicBezTo>
+                    <a:pt x="6914" y="14498"/>
+                    <a:pt x="7342" y="14573"/>
+                    <a:pt x="7763" y="14573"/>
+                  </a:cubicBezTo>
+                  <a:cubicBezTo>
+                    <a:pt x="9133" y="14573"/>
+                    <a:pt x="10422" y="13785"/>
+                    <a:pt x="10236" y="12128"/>
+                  </a:cubicBezTo>
+                  <a:cubicBezTo>
+                    <a:pt x="9988" y="9922"/>
+                    <a:pt x="7659" y="9417"/>
+                    <a:pt x="5755" y="9417"/>
+                  </a:cubicBezTo>
+                  <a:cubicBezTo>
+                    <a:pt x="5643" y="9417"/>
+                    <a:pt x="5533" y="9419"/>
+                    <a:pt x="5425" y="9422"/>
+                  </a:cubicBezTo>
+                  <a:cubicBezTo>
+                    <a:pt x="6254" y="8661"/>
+                    <a:pt x="6416" y="7293"/>
+                    <a:pt x="5382" y="6533"/>
+                  </a:cubicBezTo>
+                  <a:cubicBezTo>
+                    <a:pt x="5109" y="6333"/>
+                    <a:pt x="4787" y="6243"/>
+                    <a:pt x="4465" y="6243"/>
+                  </a:cubicBezTo>
+                  <a:cubicBezTo>
+                    <a:pt x="3720" y="6243"/>
+                    <a:pt x="2979" y="6729"/>
+                    <a:pt x="2873" y="7448"/>
+                  </a:cubicBezTo>
+                  <a:cubicBezTo>
+                    <a:pt x="2135" y="7085"/>
+                    <a:pt x="1342" y="6792"/>
+                    <a:pt x="547" y="6615"/>
+                  </a:cubicBezTo>
+                  <a:cubicBezTo>
+                    <a:pt x="532" y="6612"/>
+                    <a:pt x="515" y="6612"/>
+                    <a:pt x="498" y="6612"/>
+                  </a:cubicBezTo>
+                  <a:cubicBezTo>
+                    <a:pt x="1111" y="4218"/>
+                    <a:pt x="3050" y="1378"/>
+                    <a:pt x="5607" y="877"/>
+                  </a:cubicBezTo>
+                  <a:cubicBezTo>
+                    <a:pt x="5875" y="825"/>
+                    <a:pt x="6145" y="799"/>
+                    <a:pt x="6411" y="799"/>
+                  </a:cubicBezTo>
+                  <a:cubicBezTo>
+                    <a:pt x="7774" y="799"/>
+                    <a:pt x="9054" y="1485"/>
+                    <a:pt x="9596" y="2830"/>
+                  </a:cubicBezTo>
+                  <a:cubicBezTo>
+                    <a:pt x="10308" y="4591"/>
+                    <a:pt x="9268" y="5867"/>
+                    <a:pt x="8167" y="7111"/>
+                  </a:cubicBezTo>
+                  <a:cubicBezTo>
+                    <a:pt x="7938" y="7370"/>
+                    <a:pt x="8171" y="7715"/>
+                    <a:pt x="8432" y="7715"/>
+                  </a:cubicBezTo>
+                  <a:cubicBezTo>
+                    <a:pt x="8447" y="7715"/>
+                    <a:pt x="8462" y="7714"/>
+                    <a:pt x="8477" y="7711"/>
+                  </a:cubicBezTo>
+                  <a:cubicBezTo>
+                    <a:pt x="8493" y="7714"/>
+                    <a:pt x="8508" y="7716"/>
+                    <a:pt x="8524" y="7716"/>
+                  </a:cubicBezTo>
+                  <a:cubicBezTo>
+                    <a:pt x="8546" y="7716"/>
+                    <a:pt x="8569" y="7712"/>
+                    <a:pt x="8591" y="7705"/>
+                  </a:cubicBezTo>
+                  <a:cubicBezTo>
+                    <a:pt x="9118" y="7540"/>
+                    <a:pt x="9645" y="7462"/>
+                    <a:pt x="10156" y="7462"/>
+                  </a:cubicBezTo>
+                  <a:cubicBezTo>
+                    <a:pt x="13306" y="7462"/>
+                    <a:pt x="15848" y="10406"/>
+                    <a:pt x="14279" y="13740"/>
+                  </a:cubicBezTo>
+                  <a:cubicBezTo>
+                    <a:pt x="13035" y="16386"/>
+                    <a:pt x="10978" y="17479"/>
+                    <a:pt x="8514" y="17479"/>
+                  </a:cubicBezTo>
+                  <a:cubicBezTo>
+                    <a:pt x="7742" y="17479"/>
+                    <a:pt x="6929" y="17371"/>
+                    <a:pt x="6088" y="17170"/>
+                  </a:cubicBezTo>
+                  <a:cubicBezTo>
+                    <a:pt x="6055" y="17162"/>
+                    <a:pt x="6023" y="17159"/>
+                    <a:pt x="5993" y="17159"/>
+                  </a:cubicBezTo>
+                  <a:cubicBezTo>
+                    <a:pt x="5609" y="17159"/>
+                    <a:pt x="5475" y="17754"/>
+                    <a:pt x="5894" y="17872"/>
+                  </a:cubicBezTo>
+                  <a:cubicBezTo>
+                    <a:pt x="6868" y="18146"/>
+                    <a:pt x="7898" y="18339"/>
+                    <a:pt x="8910" y="18339"/>
+                  </a:cubicBezTo>
+                  <a:cubicBezTo>
+                    <a:pt x="10134" y="18339"/>
+                    <a:pt x="11331" y="18057"/>
+                    <a:pt x="12371" y="17291"/>
+                  </a:cubicBezTo>
+                  <a:cubicBezTo>
+                    <a:pt x="13878" y="16184"/>
+                    <a:pt x="15236" y="14273"/>
+                    <a:pt x="15488" y="12395"/>
+                  </a:cubicBezTo>
+                  <a:cubicBezTo>
+                    <a:pt x="15913" y="9217"/>
+                    <a:pt x="13365" y="6756"/>
+                    <a:pt x="10508" y="6756"/>
+                  </a:cubicBezTo>
+                  <a:cubicBezTo>
+                    <a:pt x="10101" y="6756"/>
+                    <a:pt x="9688" y="6805"/>
+                    <a:pt x="9277" y="6910"/>
+                  </a:cubicBezTo>
+                  <a:cubicBezTo>
+                    <a:pt x="10125" y="5875"/>
+                    <a:pt x="10775" y="4712"/>
+                    <a:pt x="10510" y="3302"/>
+                  </a:cubicBezTo>
+                  <a:cubicBezTo>
+                    <a:pt x="10208" y="1689"/>
+                    <a:pt x="8934" y="442"/>
+                    <a:pt x="7341" y="99"/>
+                  </a:cubicBezTo>
+                  <a:cubicBezTo>
+                    <a:pt x="7030" y="32"/>
+                    <a:pt x="6720" y="0"/>
+                    <a:pt x="6413" y="0"/>
+                  </a:cubicBezTo>
+                  <a:close/>
+                </a:path>
+              </a:pathLst>
+            </a:custGeom>
+            <a:solidFill>
+              <a:srgbClr val="000000"/>
+            </a:solidFill>
+            <a:ln>
+              <a:noFill/>
+            </a:ln>
+          </p:spPr>
+          <p:txBody>
+            <a:bodyPr spcFirstLastPara="1" wrap="square" lIns="146280" tIns="146280" rIns="146280" bIns="146280" anchor="ctr" anchorCtr="0">
+              <a:noAutofit/>
+            </a:bodyPr>
+            <a:lstStyle/>
+            <a:p>
+              <a:endParaRPr sz="2880"/>
+            </a:p>
+          </p:txBody>
+        </p:sp>
+        <p:sp>
+          <p:nvSpPr>
+            <p:cNvPr id="477" name="Google Shape;477;p23"/>
+            <p:cNvSpPr/>
+            <p:nvPr/>
+          </p:nvSpPr>
+          <p:spPr>
+            <a:xfrm>
+              <a:off x="3141173" y="5288794"/>
+              <a:ext cx="74193" cy="84651"/>
+            </a:xfrm>
+            <a:custGeom>
+              <a:avLst/>
+              <a:gdLst/>
+              <a:ahLst/>
+              <a:cxnLst/>
+              <a:rect l="l" t="t" r="r" b="b"/>
+              <a:pathLst>
+                <a:path w="2242" h="2558" extrusionOk="0">
+                  <a:moveTo>
+                    <a:pt x="2065" y="0"/>
+                  </a:moveTo>
+                  <a:cubicBezTo>
+                    <a:pt x="1994" y="0"/>
+                    <a:pt x="1922" y="37"/>
+                    <a:pt x="1902" y="117"/>
+                  </a:cubicBezTo>
+                  <a:cubicBezTo>
+                    <a:pt x="1658" y="1076"/>
+                    <a:pt x="1098" y="1886"/>
+                    <a:pt x="156" y="2265"/>
+                  </a:cubicBezTo>
+                  <a:cubicBezTo>
+                    <a:pt x="1" y="2326"/>
+                    <a:pt x="40" y="2558"/>
+                    <a:pt x="181" y="2558"/>
+                  </a:cubicBezTo>
+                  <a:cubicBezTo>
+                    <a:pt x="197" y="2558"/>
+                    <a:pt x="215" y="2555"/>
+                    <a:pt x="234" y="2548"/>
+                  </a:cubicBezTo>
+                  <a:cubicBezTo>
+                    <a:pt x="1274" y="2177"/>
+                    <a:pt x="2104" y="1280"/>
+                    <a:pt x="2230" y="162"/>
+                  </a:cubicBezTo>
+                  <a:cubicBezTo>
+                    <a:pt x="2241" y="58"/>
+                    <a:pt x="2154" y="0"/>
+                    <a:pt x="2065" y="0"/>
+                  </a:cubicBezTo>
+                  <a:close/>
+                </a:path>
+              </a:pathLst>
+            </a:custGeom>
+            <a:solidFill>
+              <a:srgbClr val="000000"/>
+            </a:solidFill>
+            <a:ln>
+              <a:noFill/>
+            </a:ln>
+          </p:spPr>
+          <p:txBody>
+            <a:bodyPr spcFirstLastPara="1" wrap="square" lIns="146280" tIns="146280" rIns="146280" bIns="146280" anchor="ctr" anchorCtr="0">
+              <a:noAutofit/>
+            </a:bodyPr>
+            <a:lstStyle/>
+            <a:p>
+              <a:endParaRPr sz="2880"/>
+            </a:p>
+          </p:txBody>
+        </p:sp>
+        <p:sp>
+          <p:nvSpPr>
+            <p:cNvPr id="478" name="Google Shape;478;p23"/>
+            <p:cNvSpPr/>
+            <p:nvPr/>
+          </p:nvSpPr>
+          <p:spPr>
+            <a:xfrm>
+              <a:off x="3220761" y="5295379"/>
+              <a:ext cx="77106" cy="76973"/>
+            </a:xfrm>
+            <a:custGeom>
+              <a:avLst/>
+              <a:gdLst/>
+              <a:ahLst/>
+              <a:cxnLst/>
+              <a:rect l="l" t="t" r="r" b="b"/>
+              <a:pathLst>
+                <a:path w="2330" h="2326" extrusionOk="0">
+                  <a:moveTo>
+                    <a:pt x="2062" y="1"/>
+                  </a:moveTo>
+                  <a:cubicBezTo>
+                    <a:pt x="2001" y="1"/>
+                    <a:pt x="1940" y="29"/>
+                    <a:pt x="1898" y="96"/>
+                  </a:cubicBezTo>
+                  <a:cubicBezTo>
+                    <a:pt x="1413" y="862"/>
+                    <a:pt x="852" y="1507"/>
+                    <a:pt x="123" y="2049"/>
+                  </a:cubicBezTo>
+                  <a:cubicBezTo>
+                    <a:pt x="0" y="2141"/>
+                    <a:pt x="70" y="2325"/>
+                    <a:pt x="193" y="2325"/>
+                  </a:cubicBezTo>
+                  <a:cubicBezTo>
+                    <a:pt x="217" y="2325"/>
+                    <a:pt x="243" y="2318"/>
+                    <a:pt x="270" y="2302"/>
+                  </a:cubicBezTo>
+                  <a:cubicBezTo>
+                    <a:pt x="1073" y="1813"/>
+                    <a:pt x="1780" y="1118"/>
+                    <a:pt x="2241" y="297"/>
+                  </a:cubicBezTo>
+                  <a:cubicBezTo>
+                    <a:pt x="2329" y="141"/>
+                    <a:pt x="2197" y="1"/>
+                    <a:pt x="2062" y="1"/>
+                  </a:cubicBezTo>
+                  <a:close/>
+                </a:path>
+              </a:pathLst>
+            </a:custGeom>
+            <a:solidFill>
+              <a:srgbClr val="000000"/>
+            </a:solidFill>
+            <a:ln>
+              <a:noFill/>
+            </a:ln>
+          </p:spPr>
+          <p:txBody>
+            <a:bodyPr spcFirstLastPara="1" wrap="square" lIns="146280" tIns="146280" rIns="146280" bIns="146280" anchor="ctr" anchorCtr="0">
+              <a:noAutofit/>
+            </a:bodyPr>
+            <a:lstStyle/>
+            <a:p>
+              <a:endParaRPr sz="2880"/>
+            </a:p>
+          </p:txBody>
+        </p:sp>
+      </p:grpSp>
+      <p:grpSp>
+        <p:nvGrpSpPr>
+          <p:cNvPr id="489" name="Google Shape;489;p23"/>
+          <p:cNvGrpSpPr/>
+          <p:nvPr/>
+        </p:nvGrpSpPr>
+        <p:grpSpPr>
+          <a:xfrm>
+            <a:off x="6718949" y="9224638"/>
+            <a:ext cx="227782" cy="110821"/>
+            <a:chOff x="4756021" y="3831533"/>
+            <a:chExt cx="142364" cy="69263"/>
+          </a:xfrm>
+        </p:grpSpPr>
+        <p:sp>
+          <p:nvSpPr>
+            <p:cNvPr id="490" name="Google Shape;490;p23"/>
+            <p:cNvSpPr/>
+            <p:nvPr/>
+          </p:nvSpPr>
+          <p:spPr>
+            <a:xfrm>
+              <a:off x="4756021" y="3831533"/>
+              <a:ext cx="118802" cy="28923"/>
+            </a:xfrm>
+            <a:custGeom>
+              <a:avLst/>
+              <a:gdLst/>
+              <a:ahLst/>
+              <a:cxnLst/>
+              <a:rect l="l" t="t" r="r" b="b"/>
+              <a:pathLst>
+                <a:path w="3590" h="874" extrusionOk="0">
+                  <a:moveTo>
+                    <a:pt x="3290" y="1"/>
+                  </a:moveTo>
+                  <a:cubicBezTo>
+                    <a:pt x="3279" y="1"/>
+                    <a:pt x="3267" y="2"/>
+                    <a:pt x="3254" y="4"/>
+                  </a:cubicBezTo>
+                  <a:cubicBezTo>
+                    <a:pt x="2219" y="177"/>
+                    <a:pt x="1176" y="361"/>
+                    <a:pt x="151" y="587"/>
+                  </a:cubicBezTo>
+                  <a:cubicBezTo>
+                    <a:pt x="0" y="621"/>
+                    <a:pt x="24" y="873"/>
+                    <a:pt x="172" y="873"/>
+                  </a:cubicBezTo>
+                  <a:cubicBezTo>
+                    <a:pt x="178" y="873"/>
+                    <a:pt x="184" y="873"/>
+                    <a:pt x="189" y="872"/>
+                  </a:cubicBezTo>
+                  <a:cubicBezTo>
+                    <a:pt x="1246" y="741"/>
+                    <a:pt x="2308" y="564"/>
+                    <a:pt x="3357" y="378"/>
+                  </a:cubicBezTo>
+                  <a:cubicBezTo>
+                    <a:pt x="3589" y="335"/>
+                    <a:pt x="3507" y="1"/>
+                    <a:pt x="3290" y="1"/>
+                  </a:cubicBezTo>
+                  <a:close/>
+                </a:path>
+              </a:pathLst>
+            </a:custGeom>
+            <a:solidFill>
+              <a:srgbClr val="000000"/>
+            </a:solidFill>
+            <a:ln>
+              <a:noFill/>
+            </a:ln>
+          </p:spPr>
+          <p:txBody>
+            <a:bodyPr spcFirstLastPara="1" wrap="square" lIns="146280" tIns="146280" rIns="146280" bIns="146280" anchor="ctr" anchorCtr="0">
+              <a:noAutofit/>
+            </a:bodyPr>
+            <a:lstStyle/>
+            <a:p>
+              <a:endParaRPr sz="2880"/>
+            </a:p>
+          </p:txBody>
+        </p:sp>
+        <p:sp>
+          <p:nvSpPr>
+            <p:cNvPr id="491" name="Google Shape;491;p23"/>
+            <p:cNvSpPr/>
+            <p:nvPr/>
+          </p:nvSpPr>
+          <p:spPr>
+            <a:xfrm>
+              <a:off x="4801887" y="3872303"/>
+              <a:ext cx="96498" cy="28493"/>
+            </a:xfrm>
+            <a:custGeom>
+              <a:avLst/>
+              <a:gdLst/>
+              <a:ahLst/>
+              <a:cxnLst/>
+              <a:rect l="l" t="t" r="r" b="b"/>
+              <a:pathLst>
+                <a:path w="2916" h="861" extrusionOk="0">
+                  <a:moveTo>
+                    <a:pt x="2651" y="0"/>
+                  </a:moveTo>
+                  <a:cubicBezTo>
+                    <a:pt x="2622" y="0"/>
+                    <a:pt x="2591" y="8"/>
+                    <a:pt x="2559" y="26"/>
+                  </a:cubicBezTo>
+                  <a:cubicBezTo>
+                    <a:pt x="1994" y="348"/>
+                    <a:pt x="1400" y="522"/>
+                    <a:pt x="772" y="522"/>
+                  </a:cubicBezTo>
+                  <a:cubicBezTo>
+                    <a:pt x="611" y="522"/>
+                    <a:pt x="448" y="510"/>
+                    <a:pt x="283" y="487"/>
+                  </a:cubicBezTo>
+                  <a:cubicBezTo>
+                    <a:pt x="274" y="486"/>
+                    <a:pt x="266" y="485"/>
+                    <a:pt x="257" y="485"/>
+                  </a:cubicBezTo>
+                  <a:cubicBezTo>
+                    <a:pt x="76" y="485"/>
+                    <a:pt x="1" y="760"/>
+                    <a:pt x="197" y="795"/>
+                  </a:cubicBezTo>
+                  <a:cubicBezTo>
+                    <a:pt x="430" y="838"/>
+                    <a:pt x="664" y="860"/>
+                    <a:pt x="896" y="860"/>
+                  </a:cubicBezTo>
+                  <a:cubicBezTo>
+                    <a:pt x="1543" y="860"/>
+                    <a:pt x="2180" y="691"/>
+                    <a:pt x="2744" y="345"/>
+                  </a:cubicBezTo>
+                  <a:cubicBezTo>
+                    <a:pt x="2915" y="240"/>
+                    <a:pt x="2812" y="0"/>
+                    <a:pt x="2651" y="0"/>
+                  </a:cubicBezTo>
+                  <a:close/>
+                </a:path>
+              </a:pathLst>
+            </a:custGeom>
+            <a:solidFill>
+              <a:srgbClr val="000000"/>
+            </a:solidFill>
+            <a:ln>
+              <a:noFill/>
+            </a:ln>
+          </p:spPr>
+          <p:txBody>
+            <a:bodyPr spcFirstLastPara="1" wrap="square" lIns="146280" tIns="146280" rIns="146280" bIns="146280" anchor="ctr" anchorCtr="0">
+              <a:noAutofit/>
+            </a:bodyPr>
+            <a:lstStyle/>
+            <a:p>
+              <a:endParaRPr sz="2880"/>
+            </a:p>
+          </p:txBody>
+        </p:sp>
+      </p:grpSp>
+      <p:grpSp>
+        <p:nvGrpSpPr>
+          <p:cNvPr id="492" name="Google Shape;492;p23"/>
+          <p:cNvGrpSpPr/>
+          <p:nvPr/>
+        </p:nvGrpSpPr>
+        <p:grpSpPr>
+          <a:xfrm>
+            <a:off x="6701422" y="8411198"/>
+            <a:ext cx="946392" cy="1132928"/>
+            <a:chOff x="4349976" y="4801904"/>
+            <a:chExt cx="591495" cy="708080"/>
+          </a:xfrm>
+        </p:grpSpPr>
+        <p:sp>
+          <p:nvSpPr>
+            <p:cNvPr id="493" name="Google Shape;493;p23"/>
+            <p:cNvSpPr/>
+            <p:nvPr/>
+          </p:nvSpPr>
+          <p:spPr>
+            <a:xfrm>
+              <a:off x="4349976" y="4903597"/>
+              <a:ext cx="591495" cy="606387"/>
+            </a:xfrm>
+            <a:custGeom>
+              <a:avLst/>
+              <a:gdLst/>
+              <a:ahLst/>
+              <a:cxnLst/>
+              <a:rect l="l" t="t" r="r" b="b"/>
+              <a:pathLst>
+                <a:path w="17874" h="18324" extrusionOk="0">
+                  <a:moveTo>
+                    <a:pt x="10896" y="776"/>
+                  </a:moveTo>
+                  <a:cubicBezTo>
+                    <a:pt x="13647" y="776"/>
+                    <a:pt x="15832" y="3106"/>
+                    <a:pt x="14867" y="5891"/>
+                  </a:cubicBezTo>
+                  <a:cubicBezTo>
+                    <a:pt x="13631" y="9465"/>
+                    <a:pt x="8479" y="10828"/>
+                    <a:pt x="5400" y="12215"/>
+                  </a:cubicBezTo>
+                  <a:cubicBezTo>
+                    <a:pt x="5191" y="12309"/>
+                    <a:pt x="5166" y="12500"/>
+                    <a:pt x="5240" y="12661"/>
+                  </a:cubicBezTo>
+                  <a:cubicBezTo>
+                    <a:pt x="5243" y="12742"/>
+                    <a:pt x="5282" y="12816"/>
+                    <a:pt x="5345" y="12865"/>
+                  </a:cubicBezTo>
+                  <a:cubicBezTo>
+                    <a:pt x="6742" y="13836"/>
+                    <a:pt x="8825" y="14304"/>
+                    <a:pt x="10496" y="14759"/>
+                  </a:cubicBezTo>
+                  <a:cubicBezTo>
+                    <a:pt x="9866" y="15596"/>
+                    <a:pt x="9298" y="16476"/>
+                    <a:pt x="8793" y="17392"/>
+                  </a:cubicBezTo>
+                  <a:cubicBezTo>
+                    <a:pt x="6381" y="16017"/>
+                    <a:pt x="3613" y="14332"/>
+                    <a:pt x="881" y="13787"/>
+                  </a:cubicBezTo>
+                  <a:cubicBezTo>
+                    <a:pt x="1280" y="13047"/>
+                    <a:pt x="1656" y="12312"/>
+                    <a:pt x="2143" y="11621"/>
+                  </a:cubicBezTo>
+                  <a:cubicBezTo>
+                    <a:pt x="2640" y="10913"/>
+                    <a:pt x="3235" y="10290"/>
+                    <a:pt x="3754" y="9604"/>
+                  </a:cubicBezTo>
+                  <a:cubicBezTo>
+                    <a:pt x="3811" y="9639"/>
+                    <a:pt x="3876" y="9657"/>
+                    <a:pt x="3942" y="9657"/>
+                  </a:cubicBezTo>
+                  <a:cubicBezTo>
+                    <a:pt x="3973" y="9657"/>
+                    <a:pt x="4005" y="9653"/>
+                    <a:pt x="4036" y="9645"/>
+                  </a:cubicBezTo>
+                  <a:lnTo>
+                    <a:pt x="4074" y="9636"/>
+                  </a:lnTo>
+                  <a:cubicBezTo>
+                    <a:pt x="4106" y="9627"/>
+                    <a:pt x="4137" y="9613"/>
+                    <a:pt x="4164" y="9596"/>
+                  </a:cubicBezTo>
+                  <a:cubicBezTo>
+                    <a:pt x="6305" y="9593"/>
+                    <a:pt x="12412" y="7547"/>
+                    <a:pt x="11396" y="4956"/>
+                  </a:cubicBezTo>
+                  <a:cubicBezTo>
+                    <a:pt x="11507" y="4137"/>
+                    <a:pt x="10764" y="3743"/>
+                    <a:pt x="9935" y="3743"/>
+                  </a:cubicBezTo>
+                  <a:cubicBezTo>
+                    <a:pt x="9183" y="3743"/>
+                    <a:pt x="8362" y="4068"/>
+                    <a:pt x="8045" y="4697"/>
+                  </a:cubicBezTo>
+                  <a:cubicBezTo>
+                    <a:pt x="7388" y="4302"/>
+                    <a:pt x="6733" y="3880"/>
+                    <a:pt x="6054" y="3527"/>
+                  </a:cubicBezTo>
+                  <a:cubicBezTo>
+                    <a:pt x="7168" y="1883"/>
+                    <a:pt x="8707" y="833"/>
+                    <a:pt x="10769" y="777"/>
+                  </a:cubicBezTo>
+                  <a:cubicBezTo>
+                    <a:pt x="10811" y="776"/>
+                    <a:pt x="10854" y="776"/>
+                    <a:pt x="10896" y="776"/>
+                  </a:cubicBezTo>
+                  <a:close/>
+                  <a:moveTo>
+                    <a:pt x="10742" y="0"/>
+                  </a:moveTo>
+                  <a:cubicBezTo>
+                    <a:pt x="8458" y="0"/>
+                    <a:pt x="6146" y="1179"/>
+                    <a:pt x="5520" y="3435"/>
+                  </a:cubicBezTo>
+                  <a:cubicBezTo>
+                    <a:pt x="5497" y="3508"/>
+                    <a:pt x="5512" y="3588"/>
+                    <a:pt x="5560" y="3648"/>
+                  </a:cubicBezTo>
+                  <a:cubicBezTo>
+                    <a:pt x="5550" y="3720"/>
+                    <a:pt x="5575" y="3793"/>
+                    <a:pt x="5627" y="3847"/>
+                  </a:cubicBezTo>
+                  <a:cubicBezTo>
+                    <a:pt x="6263" y="4518"/>
+                    <a:pt x="7126" y="5063"/>
+                    <a:pt x="7943" y="5490"/>
+                  </a:cubicBezTo>
+                  <a:cubicBezTo>
+                    <a:pt x="8004" y="5522"/>
+                    <a:pt x="8064" y="5536"/>
+                    <a:pt x="8120" y="5536"/>
+                  </a:cubicBezTo>
+                  <a:cubicBezTo>
+                    <a:pt x="8375" y="5536"/>
+                    <a:pt x="8556" y="5246"/>
+                    <a:pt x="8457" y="5021"/>
+                  </a:cubicBezTo>
+                  <a:cubicBezTo>
+                    <a:pt x="8788" y="4729"/>
+                    <a:pt x="9067" y="4443"/>
+                    <a:pt x="9546" y="4341"/>
+                  </a:cubicBezTo>
+                  <a:cubicBezTo>
+                    <a:pt x="9645" y="4321"/>
+                    <a:pt x="9749" y="4310"/>
+                    <a:pt x="9855" y="4310"/>
+                  </a:cubicBezTo>
+                  <a:cubicBezTo>
+                    <a:pt x="10334" y="4310"/>
+                    <a:pt x="10834" y="4533"/>
+                    <a:pt x="10860" y="5075"/>
+                  </a:cubicBezTo>
+                  <a:cubicBezTo>
+                    <a:pt x="10862" y="5139"/>
+                    <a:pt x="10888" y="5201"/>
+                    <a:pt x="10934" y="5245"/>
+                  </a:cubicBezTo>
+                  <a:cubicBezTo>
+                    <a:pt x="10703" y="7295"/>
+                    <a:pt x="5913" y="8841"/>
+                    <a:pt x="4138" y="8841"/>
+                  </a:cubicBezTo>
+                  <a:cubicBezTo>
+                    <a:pt x="4068" y="8841"/>
+                    <a:pt x="4002" y="8839"/>
+                    <a:pt x="3941" y="8834"/>
+                  </a:cubicBezTo>
+                  <a:cubicBezTo>
+                    <a:pt x="3933" y="8833"/>
+                    <a:pt x="3926" y="8833"/>
+                    <a:pt x="3918" y="8833"/>
+                  </a:cubicBezTo>
+                  <a:cubicBezTo>
+                    <a:pt x="3768" y="8833"/>
+                    <a:pt x="3615" y="8963"/>
+                    <a:pt x="3573" y="9111"/>
+                  </a:cubicBezTo>
+                  <a:cubicBezTo>
+                    <a:pt x="3546" y="9115"/>
+                    <a:pt x="3520" y="9126"/>
+                    <a:pt x="3497" y="9141"/>
+                  </a:cubicBezTo>
+                  <a:cubicBezTo>
+                    <a:pt x="1983" y="10139"/>
+                    <a:pt x="720" y="12039"/>
+                    <a:pt x="96" y="13716"/>
+                  </a:cubicBezTo>
+                  <a:cubicBezTo>
+                    <a:pt x="0" y="13974"/>
+                    <a:pt x="234" y="14168"/>
+                    <a:pt x="463" y="14168"/>
+                  </a:cubicBezTo>
+                  <a:cubicBezTo>
+                    <a:pt x="514" y="14168"/>
+                    <a:pt x="564" y="14158"/>
+                    <a:pt x="611" y="14137"/>
+                  </a:cubicBezTo>
+                  <a:cubicBezTo>
+                    <a:pt x="1849" y="14931"/>
+                    <a:pt x="3305" y="15441"/>
+                    <a:pt x="4625" y="16084"/>
+                  </a:cubicBezTo>
+                  <a:cubicBezTo>
+                    <a:pt x="6030" y="16769"/>
+                    <a:pt x="7408" y="17498"/>
+                    <a:pt x="8764" y="18270"/>
+                  </a:cubicBezTo>
+                  <a:cubicBezTo>
+                    <a:pt x="8830" y="18307"/>
+                    <a:pt x="8894" y="18323"/>
+                    <a:pt x="8956" y="18323"/>
+                  </a:cubicBezTo>
+                  <a:cubicBezTo>
+                    <a:pt x="9242" y="18323"/>
+                    <a:pt x="9447" y="17963"/>
+                    <a:pt x="9289" y="17723"/>
+                  </a:cubicBezTo>
+                  <a:cubicBezTo>
+                    <a:pt x="9971" y="16859"/>
+                    <a:pt x="10625" y="15922"/>
+                    <a:pt x="11155" y="14977"/>
+                  </a:cubicBezTo>
+                  <a:cubicBezTo>
+                    <a:pt x="11200" y="14893"/>
+                    <a:pt x="11205" y="14791"/>
+                    <a:pt x="11165" y="14704"/>
+                  </a:cubicBezTo>
+                  <a:cubicBezTo>
+                    <a:pt x="11303" y="14513"/>
+                    <a:pt x="11274" y="14190"/>
+                    <a:pt x="10977" y="14098"/>
+                  </a:cubicBezTo>
+                  <a:cubicBezTo>
+                    <a:pt x="10004" y="13799"/>
+                    <a:pt x="9027" y="13508"/>
+                    <a:pt x="8061" y="13188"/>
+                  </a:cubicBezTo>
+                  <a:cubicBezTo>
+                    <a:pt x="7512" y="13006"/>
+                    <a:pt x="6963" y="12782"/>
+                    <a:pt x="6404" y="12618"/>
+                  </a:cubicBezTo>
+                  <a:cubicBezTo>
+                    <a:pt x="10288" y="10950"/>
+                    <a:pt x="17874" y="8164"/>
+                    <a:pt x="15520" y="2761"/>
+                  </a:cubicBezTo>
+                  <a:cubicBezTo>
+                    <a:pt x="14708" y="898"/>
+                    <a:pt x="12735" y="0"/>
+                    <a:pt x="10742" y="0"/>
+                  </a:cubicBezTo>
+                  <a:close/>
+                </a:path>
+              </a:pathLst>
+            </a:custGeom>
+            <a:solidFill>
+              <a:srgbClr val="000000"/>
+            </a:solidFill>
+            <a:ln>
+              <a:noFill/>
+            </a:ln>
+          </p:spPr>
+          <p:txBody>
+            <a:bodyPr spcFirstLastPara="1" wrap="square" lIns="146280" tIns="146280" rIns="146280" bIns="146280" anchor="ctr" anchorCtr="0">
+              <a:noAutofit/>
+            </a:bodyPr>
+            <a:lstStyle/>
+            <a:p>
+              <a:endParaRPr sz="2880"/>
+            </a:p>
+          </p:txBody>
+        </p:sp>
+        <p:sp>
+          <p:nvSpPr>
+            <p:cNvPr id="494" name="Google Shape;494;p23"/>
+            <p:cNvSpPr/>
+            <p:nvPr/>
+          </p:nvSpPr>
+          <p:spPr>
+            <a:xfrm>
+              <a:off x="4533971" y="4859452"/>
+              <a:ext cx="92626" cy="57482"/>
+            </a:xfrm>
+            <a:custGeom>
+              <a:avLst/>
+              <a:gdLst/>
+              <a:ahLst/>
+              <a:cxnLst/>
+              <a:rect l="l" t="t" r="r" b="b"/>
+              <a:pathLst>
+                <a:path w="2799" h="1737" extrusionOk="0">
+                  <a:moveTo>
+                    <a:pt x="2576" y="1"/>
+                  </a:moveTo>
+                  <a:cubicBezTo>
+                    <a:pt x="2572" y="1"/>
+                    <a:pt x="2569" y="1"/>
+                    <a:pt x="2565" y="1"/>
+                  </a:cubicBezTo>
+                  <a:cubicBezTo>
+                    <a:pt x="1547" y="58"/>
+                    <a:pt x="598" y="695"/>
+                    <a:pt x="64" y="1545"/>
+                  </a:cubicBezTo>
+                  <a:cubicBezTo>
+                    <a:pt x="0" y="1648"/>
+                    <a:pt x="87" y="1737"/>
+                    <a:pt x="180" y="1737"/>
+                  </a:cubicBezTo>
+                  <a:cubicBezTo>
+                    <a:pt x="220" y="1737"/>
+                    <a:pt x="262" y="1720"/>
+                    <a:pt x="292" y="1680"/>
+                  </a:cubicBezTo>
+                  <a:cubicBezTo>
+                    <a:pt x="882" y="894"/>
+                    <a:pt x="1663" y="509"/>
+                    <a:pt x="2611" y="341"/>
+                  </a:cubicBezTo>
+                  <a:cubicBezTo>
+                    <a:pt x="2799" y="308"/>
+                    <a:pt x="2761" y="1"/>
+                    <a:pt x="2576" y="1"/>
+                  </a:cubicBezTo>
+                  <a:close/>
+                </a:path>
+              </a:pathLst>
+            </a:custGeom>
+            <a:solidFill>
+              <a:srgbClr val="000000"/>
+            </a:solidFill>
+            <a:ln>
+              <a:noFill/>
+            </a:ln>
+          </p:spPr>
+          <p:txBody>
+            <a:bodyPr spcFirstLastPara="1" wrap="square" lIns="146280" tIns="146280" rIns="146280" bIns="146280" anchor="ctr" anchorCtr="0">
+              <a:noAutofit/>
+            </a:bodyPr>
+            <a:lstStyle/>
+            <a:p>
+              <a:endParaRPr sz="2880"/>
+            </a:p>
+          </p:txBody>
+        </p:sp>
+        <p:sp>
+          <p:nvSpPr>
+            <p:cNvPr id="495" name="Google Shape;495;p23"/>
+            <p:cNvSpPr/>
+            <p:nvPr/>
+          </p:nvSpPr>
+          <p:spPr>
+            <a:xfrm>
+              <a:off x="4548134" y="4801904"/>
+              <a:ext cx="94777" cy="51823"/>
+            </a:xfrm>
+            <a:custGeom>
+              <a:avLst/>
+              <a:gdLst/>
+              <a:ahLst/>
+              <a:cxnLst/>
+              <a:rect l="l" t="t" r="r" b="b"/>
+              <a:pathLst>
+                <a:path w="2864" h="1566" extrusionOk="0">
+                  <a:moveTo>
+                    <a:pt x="2592" y="0"/>
+                  </a:moveTo>
+                  <a:cubicBezTo>
+                    <a:pt x="2565" y="0"/>
+                    <a:pt x="2537" y="7"/>
+                    <a:pt x="2508" y="21"/>
+                  </a:cubicBezTo>
+                  <a:cubicBezTo>
+                    <a:pt x="1707" y="420"/>
+                    <a:pt x="919" y="853"/>
+                    <a:pt x="143" y="1297"/>
+                  </a:cubicBezTo>
+                  <a:cubicBezTo>
+                    <a:pt x="1" y="1378"/>
+                    <a:pt x="88" y="1565"/>
+                    <a:pt x="221" y="1565"/>
+                  </a:cubicBezTo>
+                  <a:cubicBezTo>
+                    <a:pt x="243" y="1565"/>
+                    <a:pt x="266" y="1560"/>
+                    <a:pt x="290" y="1548"/>
+                  </a:cubicBezTo>
+                  <a:cubicBezTo>
+                    <a:pt x="1097" y="1163"/>
+                    <a:pt x="1904" y="761"/>
+                    <a:pt x="2688" y="331"/>
+                  </a:cubicBezTo>
+                  <a:cubicBezTo>
+                    <a:pt x="2863" y="235"/>
+                    <a:pt x="2755" y="0"/>
+                    <a:pt x="2592" y="0"/>
+                  </a:cubicBezTo>
+                  <a:close/>
+                </a:path>
+              </a:pathLst>
+            </a:custGeom>
+            <a:solidFill>
+              <a:srgbClr val="000000"/>
+            </a:solidFill>
+            <a:ln>
+              <a:noFill/>
+            </a:ln>
+          </p:spPr>
+          <p:txBody>
+            <a:bodyPr spcFirstLastPara="1" wrap="square" lIns="146280" tIns="146280" rIns="146280" bIns="146280" anchor="ctr" anchorCtr="0">
+              <a:noAutofit/>
+            </a:bodyPr>
+            <a:lstStyle/>
+            <a:p>
+              <a:endParaRPr sz="2880"/>
+            </a:p>
+          </p:txBody>
+        </p:sp>
+      </p:grpSp>
+      <p:grpSp>
+        <p:nvGrpSpPr>
+          <p:cNvPr id="496" name="Google Shape;496;p23"/>
+          <p:cNvGrpSpPr/>
+          <p:nvPr/>
+        </p:nvGrpSpPr>
+        <p:grpSpPr>
+          <a:xfrm>
+            <a:off x="8929190" y="9152443"/>
+            <a:ext cx="236202" cy="163979"/>
+            <a:chOff x="5630954" y="5096427"/>
+            <a:chExt cx="147626" cy="102487"/>
+          </a:xfrm>
+        </p:grpSpPr>
+        <p:sp>
+          <p:nvSpPr>
+            <p:cNvPr id="497" name="Google Shape;497;p23"/>
+            <p:cNvSpPr/>
+            <p:nvPr/>
+          </p:nvSpPr>
+          <p:spPr>
+            <a:xfrm>
+              <a:off x="5630954" y="5129023"/>
+              <a:ext cx="86173" cy="60195"/>
+            </a:xfrm>
+            <a:custGeom>
+              <a:avLst/>
+              <a:gdLst/>
+              <a:ahLst/>
+              <a:cxnLst/>
+              <a:rect l="l" t="t" r="r" b="b"/>
+              <a:pathLst>
+                <a:path w="2604" h="1819" extrusionOk="0">
+                  <a:moveTo>
+                    <a:pt x="2344" y="1"/>
+                  </a:moveTo>
+                  <a:cubicBezTo>
+                    <a:pt x="2285" y="1"/>
+                    <a:pt x="2225" y="25"/>
+                    <a:pt x="2181" y="83"/>
+                  </a:cubicBezTo>
+                  <a:cubicBezTo>
+                    <a:pt x="1645" y="776"/>
+                    <a:pt x="1019" y="1286"/>
+                    <a:pt x="164" y="1535"/>
+                  </a:cubicBezTo>
+                  <a:cubicBezTo>
+                    <a:pt x="0" y="1583"/>
+                    <a:pt x="50" y="1818"/>
+                    <a:pt x="201" y="1818"/>
+                  </a:cubicBezTo>
+                  <a:cubicBezTo>
+                    <a:pt x="214" y="1818"/>
+                    <a:pt x="227" y="1817"/>
+                    <a:pt x="241" y="1813"/>
+                  </a:cubicBezTo>
+                  <a:cubicBezTo>
+                    <a:pt x="1137" y="1588"/>
+                    <a:pt x="2001" y="1060"/>
+                    <a:pt x="2509" y="274"/>
+                  </a:cubicBezTo>
+                  <a:cubicBezTo>
+                    <a:pt x="2604" y="127"/>
+                    <a:pt x="2478" y="1"/>
+                    <a:pt x="2344" y="1"/>
+                  </a:cubicBezTo>
+                  <a:close/>
+                </a:path>
+              </a:pathLst>
+            </a:custGeom>
+            <a:solidFill>
+              <a:srgbClr val="000000"/>
+            </a:solidFill>
+            <a:ln>
+              <a:noFill/>
+            </a:ln>
+          </p:spPr>
+          <p:txBody>
+            <a:bodyPr spcFirstLastPara="1" wrap="square" lIns="146280" tIns="146280" rIns="146280" bIns="146280" anchor="ctr" anchorCtr="0">
+              <a:noAutofit/>
+            </a:bodyPr>
+            <a:lstStyle/>
+            <a:p>
+              <a:endParaRPr sz="2880"/>
+            </a:p>
+          </p:txBody>
+        </p:sp>
+        <p:sp>
+          <p:nvSpPr>
+            <p:cNvPr id="498" name="Google Shape;498;p23"/>
+            <p:cNvSpPr/>
+            <p:nvPr/>
+          </p:nvSpPr>
+          <p:spPr>
+            <a:xfrm>
+              <a:off x="5696146" y="5096427"/>
+              <a:ext cx="82433" cy="102487"/>
+            </a:xfrm>
+            <a:custGeom>
+              <a:avLst/>
+              <a:gdLst/>
+              <a:ahLst/>
+              <a:cxnLst/>
+              <a:rect l="l" t="t" r="r" b="b"/>
+              <a:pathLst>
+                <a:path w="2491" h="3097" extrusionOk="0">
+                  <a:moveTo>
+                    <a:pt x="2244" y="0"/>
+                  </a:moveTo>
+                  <a:cubicBezTo>
+                    <a:pt x="2166" y="0"/>
+                    <a:pt x="2093" y="45"/>
+                    <a:pt x="2072" y="149"/>
+                  </a:cubicBezTo>
+                  <a:cubicBezTo>
+                    <a:pt x="1823" y="1340"/>
+                    <a:pt x="1156" y="2212"/>
+                    <a:pt x="119" y="2827"/>
+                  </a:cubicBezTo>
+                  <a:cubicBezTo>
+                    <a:pt x="1" y="2897"/>
+                    <a:pt x="58" y="3096"/>
+                    <a:pt x="180" y="3096"/>
+                  </a:cubicBezTo>
+                  <a:cubicBezTo>
+                    <a:pt x="195" y="3096"/>
+                    <a:pt x="211" y="3093"/>
+                    <a:pt x="228" y="3086"/>
+                  </a:cubicBezTo>
+                  <a:cubicBezTo>
+                    <a:pt x="1397" y="2619"/>
+                    <a:pt x="2268" y="1492"/>
+                    <a:pt x="2466" y="256"/>
+                  </a:cubicBezTo>
+                  <a:cubicBezTo>
+                    <a:pt x="2491" y="103"/>
+                    <a:pt x="2362" y="0"/>
+                    <a:pt x="2244" y="0"/>
+                  </a:cubicBezTo>
+                  <a:close/>
+                </a:path>
+              </a:pathLst>
+            </a:custGeom>
+            <a:solidFill>
+              <a:srgbClr val="000000"/>
+            </a:solidFill>
+            <a:ln>
+              <a:noFill/>
+            </a:ln>
+          </p:spPr>
+          <p:txBody>
+            <a:bodyPr spcFirstLastPara="1" wrap="square" lIns="146280" tIns="146280" rIns="146280" bIns="146280" anchor="ctr" anchorCtr="0">
+              <a:noAutofit/>
+            </a:bodyPr>
+            <a:lstStyle/>
+            <a:p>
+              <a:endParaRPr sz="2880"/>
+            </a:p>
+          </p:txBody>
+        </p:sp>
+      </p:grpSp>
+      <p:grpSp>
+        <p:nvGrpSpPr>
+          <p:cNvPr id="503" name="Google Shape;503;p23"/>
+          <p:cNvGrpSpPr/>
+          <p:nvPr/>
+        </p:nvGrpSpPr>
+        <p:grpSpPr>
+          <a:xfrm>
+            <a:off x="8519550" y="8712738"/>
+            <a:ext cx="116750" cy="183466"/>
+            <a:chOff x="6416107" y="3473604"/>
+            <a:chExt cx="72969" cy="114666"/>
+          </a:xfrm>
+        </p:grpSpPr>
+        <p:sp>
+          <p:nvSpPr>
+            <p:cNvPr id="504" name="Google Shape;504;p23"/>
+            <p:cNvSpPr/>
+            <p:nvPr/>
+          </p:nvSpPr>
+          <p:spPr>
+            <a:xfrm>
+              <a:off x="6416107" y="3473604"/>
+              <a:ext cx="23827" cy="114666"/>
+            </a:xfrm>
+            <a:custGeom>
+              <a:avLst/>
+              <a:gdLst/>
+              <a:ahLst/>
+              <a:cxnLst/>
+              <a:rect l="l" t="t" r="r" b="b"/>
+              <a:pathLst>
+                <a:path w="720" h="3465" extrusionOk="0">
+                  <a:moveTo>
+                    <a:pt x="486" y="1"/>
+                  </a:moveTo>
+                  <a:cubicBezTo>
+                    <a:pt x="411" y="1"/>
+                    <a:pt x="339" y="43"/>
+                    <a:pt x="313" y="142"/>
+                  </a:cubicBezTo>
+                  <a:cubicBezTo>
+                    <a:pt x="43" y="1168"/>
+                    <a:pt x="0" y="2272"/>
+                    <a:pt x="129" y="3321"/>
+                  </a:cubicBezTo>
+                  <a:cubicBezTo>
+                    <a:pt x="140" y="3415"/>
+                    <a:pt x="218" y="3464"/>
+                    <a:pt x="292" y="3464"/>
+                  </a:cubicBezTo>
+                  <a:cubicBezTo>
+                    <a:pt x="364" y="3464"/>
+                    <a:pt x="431" y="3418"/>
+                    <a:pt x="427" y="3321"/>
+                  </a:cubicBezTo>
+                  <a:cubicBezTo>
+                    <a:pt x="385" y="2271"/>
+                    <a:pt x="492" y="1277"/>
+                    <a:pt x="691" y="246"/>
+                  </a:cubicBezTo>
+                  <a:cubicBezTo>
+                    <a:pt x="720" y="98"/>
+                    <a:pt x="600" y="1"/>
+                    <a:pt x="486" y="1"/>
+                  </a:cubicBezTo>
+                  <a:close/>
+                </a:path>
+              </a:pathLst>
+            </a:custGeom>
+            <a:solidFill>
+              <a:srgbClr val="000000"/>
+            </a:solidFill>
+            <a:ln>
+              <a:noFill/>
+            </a:ln>
+          </p:spPr>
+          <p:txBody>
+            <a:bodyPr spcFirstLastPara="1" wrap="square" lIns="146280" tIns="146280" rIns="146280" bIns="146280" anchor="ctr" anchorCtr="0">
+              <a:noAutofit/>
+            </a:bodyPr>
+            <a:lstStyle/>
+            <a:p>
+              <a:endParaRPr sz="2880"/>
+            </a:p>
+          </p:txBody>
+        </p:sp>
+        <p:sp>
+          <p:nvSpPr>
+            <p:cNvPr id="505" name="Google Shape;505;p23"/>
+            <p:cNvSpPr/>
+            <p:nvPr/>
+          </p:nvSpPr>
+          <p:spPr>
+            <a:xfrm>
+              <a:off x="6450457" y="3497199"/>
+              <a:ext cx="38619" cy="67641"/>
+            </a:xfrm>
+            <a:custGeom>
+              <a:avLst/>
+              <a:gdLst/>
+              <a:ahLst/>
+              <a:cxnLst/>
+              <a:rect l="l" t="t" r="r" b="b"/>
+              <a:pathLst>
+                <a:path w="1167" h="2044" extrusionOk="0">
+                  <a:moveTo>
+                    <a:pt x="898" y="1"/>
+                  </a:moveTo>
+                  <a:cubicBezTo>
+                    <a:pt x="833" y="1"/>
+                    <a:pt x="771" y="31"/>
+                    <a:pt x="739" y="101"/>
+                  </a:cubicBezTo>
+                  <a:cubicBezTo>
+                    <a:pt x="475" y="663"/>
+                    <a:pt x="249" y="1260"/>
+                    <a:pt x="40" y="1845"/>
+                  </a:cubicBezTo>
+                  <a:cubicBezTo>
+                    <a:pt x="1" y="1956"/>
+                    <a:pt x="105" y="2044"/>
+                    <a:pt x="203" y="2044"/>
+                  </a:cubicBezTo>
+                  <a:cubicBezTo>
+                    <a:pt x="254" y="2044"/>
+                    <a:pt x="302" y="2021"/>
+                    <a:pt x="330" y="1966"/>
+                  </a:cubicBezTo>
+                  <a:cubicBezTo>
+                    <a:pt x="609" y="1412"/>
+                    <a:pt x="884" y="838"/>
+                    <a:pt x="1111" y="259"/>
+                  </a:cubicBezTo>
+                  <a:cubicBezTo>
+                    <a:pt x="1167" y="116"/>
+                    <a:pt x="1027" y="1"/>
+                    <a:pt x="898" y="1"/>
+                  </a:cubicBezTo>
+                  <a:close/>
+                </a:path>
+              </a:pathLst>
+            </a:custGeom>
+            <a:solidFill>
+              <a:srgbClr val="000000"/>
+            </a:solidFill>
+            <a:ln>
+              <a:noFill/>
+            </a:ln>
+          </p:spPr>
+          <p:txBody>
+            <a:bodyPr spcFirstLastPara="1" wrap="square" lIns="146280" tIns="146280" rIns="146280" bIns="146280" anchor="ctr" anchorCtr="0">
+              <a:noAutofit/>
+            </a:bodyPr>
+            <a:lstStyle/>
+            <a:p>
+              <a:endParaRPr sz="2880" dirty="0"/>
+            </a:p>
+          </p:txBody>
+        </p:sp>
+      </p:grpSp>
+      <p:grpSp>
+        <p:nvGrpSpPr>
+          <p:cNvPr id="506" name="Google Shape;506;p23"/>
+          <p:cNvGrpSpPr/>
+          <p:nvPr/>
+        </p:nvGrpSpPr>
+        <p:grpSpPr>
+          <a:xfrm>
+            <a:off x="9206302" y="8747074"/>
+            <a:ext cx="1614597" cy="2102354"/>
+            <a:chOff x="6151764" y="3887194"/>
+            <a:chExt cx="1009123" cy="1313971"/>
+          </a:xfrm>
+        </p:grpSpPr>
+        <p:grpSp>
+          <p:nvGrpSpPr>
+            <p:cNvPr id="507" name="Google Shape;507;p23"/>
+            <p:cNvGrpSpPr/>
+            <p:nvPr/>
+          </p:nvGrpSpPr>
+          <p:grpSpPr>
+            <a:xfrm>
+              <a:off x="6151764" y="3887194"/>
+              <a:ext cx="1009123" cy="1235674"/>
+              <a:chOff x="6151764" y="3887194"/>
+              <a:chExt cx="1009123" cy="1235674"/>
+            </a:xfrm>
+          </p:grpSpPr>
+          <p:sp>
+            <p:nvSpPr>
+              <p:cNvPr id="508" name="Google Shape;508;p23"/>
+              <p:cNvSpPr/>
+              <p:nvPr/>
+            </p:nvSpPr>
+            <p:spPr>
+              <a:xfrm>
+                <a:off x="6268944" y="4616950"/>
+                <a:ext cx="769136" cy="427754"/>
+              </a:xfrm>
+              <a:custGeom>
+                <a:avLst/>
+                <a:gdLst/>
+                <a:ahLst/>
+                <a:cxnLst/>
+                <a:rect l="l" t="t" r="r" b="b"/>
+                <a:pathLst>
+                  <a:path w="23242" h="12926" extrusionOk="0">
+                    <a:moveTo>
+                      <a:pt x="5836" y="1"/>
+                    </a:moveTo>
+                    <a:cubicBezTo>
+                      <a:pt x="5564" y="1"/>
+                      <a:pt x="5291" y="80"/>
+                      <a:pt x="5020" y="261"/>
+                    </a:cubicBezTo>
+                    <a:cubicBezTo>
+                      <a:pt x="3508" y="584"/>
+                      <a:pt x="2128" y="1170"/>
+                      <a:pt x="823" y="2111"/>
+                    </a:cubicBezTo>
+                    <a:cubicBezTo>
+                      <a:pt x="248" y="2526"/>
+                      <a:pt x="1" y="3626"/>
+                      <a:pt x="823" y="3979"/>
+                    </a:cubicBezTo>
+                    <a:cubicBezTo>
+                      <a:pt x="1047" y="4076"/>
+                      <a:pt x="1248" y="4171"/>
+                      <a:pt x="1439" y="4272"/>
+                    </a:cubicBezTo>
+                    <a:cubicBezTo>
+                      <a:pt x="1511" y="4473"/>
+                      <a:pt x="1647" y="4662"/>
+                      <a:pt x="1862" y="4816"/>
+                    </a:cubicBezTo>
+                    <a:cubicBezTo>
+                      <a:pt x="2156" y="5025"/>
+                      <a:pt x="2312" y="5122"/>
+                      <a:pt x="2528" y="5194"/>
+                    </a:cubicBezTo>
+                    <a:lnTo>
+                      <a:pt x="4132" y="6102"/>
+                    </a:lnTo>
+                    <a:cubicBezTo>
+                      <a:pt x="4139" y="6117"/>
+                      <a:pt x="4145" y="6133"/>
+                      <a:pt x="4153" y="6148"/>
+                    </a:cubicBezTo>
+                    <a:cubicBezTo>
+                      <a:pt x="4701" y="7067"/>
+                      <a:pt x="6029" y="7311"/>
+                      <a:pt x="6954" y="7692"/>
+                    </a:cubicBezTo>
+                    <a:lnTo>
+                      <a:pt x="11909" y="9743"/>
+                    </a:lnTo>
+                    <a:cubicBezTo>
+                      <a:pt x="15066" y="11051"/>
+                      <a:pt x="18201" y="12411"/>
+                      <a:pt x="21606" y="12913"/>
+                    </a:cubicBezTo>
+                    <a:cubicBezTo>
+                      <a:pt x="21663" y="12921"/>
+                      <a:pt x="21721" y="12926"/>
+                      <a:pt x="21781" y="12926"/>
+                    </a:cubicBezTo>
+                    <a:cubicBezTo>
+                      <a:pt x="22468" y="12926"/>
+                      <a:pt x="23241" y="12375"/>
+                      <a:pt x="22938" y="11582"/>
+                    </a:cubicBezTo>
+                    <a:cubicBezTo>
+                      <a:pt x="22396" y="10164"/>
+                      <a:pt x="21993" y="8095"/>
+                      <a:pt x="21024" y="6850"/>
+                    </a:cubicBezTo>
+                    <a:cubicBezTo>
+                      <a:pt x="20993" y="6713"/>
+                      <a:pt x="20952" y="6578"/>
+                      <a:pt x="20899" y="6450"/>
+                    </a:cubicBezTo>
+                    <a:cubicBezTo>
+                      <a:pt x="20695" y="5950"/>
+                      <a:pt x="20248" y="5734"/>
+                      <a:pt x="19812" y="5734"/>
+                    </a:cubicBezTo>
+                    <a:cubicBezTo>
+                      <a:pt x="19659" y="5734"/>
+                      <a:pt x="19507" y="5761"/>
+                      <a:pt x="19368" y="5811"/>
+                    </a:cubicBezTo>
+                    <a:cubicBezTo>
+                      <a:pt x="19238" y="5791"/>
+                      <a:pt x="19103" y="5781"/>
+                      <a:pt x="18962" y="5781"/>
+                    </a:cubicBezTo>
+                    <a:cubicBezTo>
+                      <a:pt x="18729" y="5781"/>
+                      <a:pt x="18480" y="5809"/>
+                      <a:pt x="18212" y="5869"/>
+                    </a:cubicBezTo>
+                    <a:cubicBezTo>
+                      <a:pt x="17343" y="6070"/>
+                      <a:pt x="16458" y="6180"/>
+                      <a:pt x="15566" y="6203"/>
+                    </a:cubicBezTo>
+                    <a:cubicBezTo>
+                      <a:pt x="15242" y="6024"/>
+                      <a:pt x="14954" y="5897"/>
+                      <a:pt x="14828" y="5852"/>
+                    </a:cubicBezTo>
+                    <a:cubicBezTo>
+                      <a:pt x="13246" y="5313"/>
+                      <a:pt x="11770" y="5353"/>
+                      <a:pt x="10399" y="4240"/>
+                    </a:cubicBezTo>
+                    <a:cubicBezTo>
+                      <a:pt x="9653" y="3633"/>
+                      <a:pt x="8558" y="1743"/>
+                      <a:pt x="7348" y="702"/>
+                    </a:cubicBezTo>
+                    <a:cubicBezTo>
+                      <a:pt x="7250" y="329"/>
+                      <a:pt x="6969" y="34"/>
+                      <a:pt x="6495" y="34"/>
+                    </a:cubicBezTo>
+                    <a:cubicBezTo>
+                      <a:pt x="6451" y="34"/>
+                      <a:pt x="6405" y="36"/>
+                      <a:pt x="6357" y="42"/>
+                    </a:cubicBezTo>
+                    <a:cubicBezTo>
+                      <a:pt x="6317" y="46"/>
+                      <a:pt x="6279" y="52"/>
+                      <a:pt x="6241" y="57"/>
+                    </a:cubicBezTo>
+                    <a:cubicBezTo>
+                      <a:pt x="6106" y="20"/>
+                      <a:pt x="5971" y="1"/>
+                      <a:pt x="5836" y="1"/>
+                    </a:cubicBezTo>
+                    <a:close/>
+                  </a:path>
+                </a:pathLst>
+              </a:custGeom>
+              <a:solidFill>
+                <a:srgbClr val="A6DFDA"/>
+              </a:solidFill>
+              <a:ln>
+                <a:noFill/>
+              </a:ln>
+            </p:spPr>
+            <p:txBody>
+              <a:bodyPr spcFirstLastPara="1" wrap="square" lIns="146280" tIns="146280" rIns="146280" bIns="146280" anchor="ctr" anchorCtr="0">
+                <a:noAutofit/>
+              </a:bodyPr>
+              <a:lstStyle/>
+              <a:p>
+                <a:endParaRPr sz="2880"/>
+              </a:p>
+            </p:txBody>
+          </p:sp>
+          <p:sp>
+            <p:nvSpPr>
+              <p:cNvPr id="509" name="Google Shape;509;p23"/>
+              <p:cNvSpPr/>
+              <p:nvPr/>
+            </p:nvSpPr>
+            <p:spPr>
+              <a:xfrm>
+                <a:off x="6842073" y="4193896"/>
+                <a:ext cx="185550" cy="96994"/>
+              </a:xfrm>
+              <a:custGeom>
+                <a:avLst/>
+                <a:gdLst/>
+                <a:ahLst/>
+                <a:cxnLst/>
+                <a:rect l="l" t="t" r="r" b="b"/>
+                <a:pathLst>
+                  <a:path w="5607" h="2931" extrusionOk="0">
+                    <a:moveTo>
+                      <a:pt x="293" y="0"/>
+                    </a:moveTo>
+                    <a:cubicBezTo>
+                      <a:pt x="148" y="0"/>
+                      <a:pt x="0" y="161"/>
+                      <a:pt x="105" y="302"/>
+                    </a:cubicBezTo>
+                    <a:cubicBezTo>
+                      <a:pt x="1312" y="1913"/>
+                      <a:pt x="3179" y="2912"/>
+                      <a:pt x="5207" y="2930"/>
+                    </a:cubicBezTo>
+                    <a:cubicBezTo>
+                      <a:pt x="5209" y="2930"/>
+                      <a:pt x="5210" y="2930"/>
+                      <a:pt x="5212" y="2930"/>
+                    </a:cubicBezTo>
+                    <a:cubicBezTo>
+                      <a:pt x="5607" y="2930"/>
+                      <a:pt x="5596" y="2345"/>
+                      <a:pt x="5207" y="2316"/>
+                    </a:cubicBezTo>
+                    <a:cubicBezTo>
+                      <a:pt x="3332" y="2173"/>
+                      <a:pt x="1720" y="1431"/>
+                      <a:pt x="424" y="57"/>
+                    </a:cubicBezTo>
+                    <a:cubicBezTo>
+                      <a:pt x="386" y="17"/>
+                      <a:pt x="340" y="0"/>
+                      <a:pt x="293" y="0"/>
+                    </a:cubicBezTo>
+                    <a:close/>
+                  </a:path>
+                </a:pathLst>
+              </a:custGeom>
+              <a:solidFill>
+                <a:srgbClr val="000000"/>
+              </a:solidFill>
+              <a:ln>
+                <a:noFill/>
+              </a:ln>
+            </p:spPr>
+            <p:txBody>
+              <a:bodyPr spcFirstLastPara="1" wrap="square" lIns="146280" tIns="146280" rIns="146280" bIns="146280" anchor="ctr" anchorCtr="0">
+                <a:noAutofit/>
+              </a:bodyPr>
+              <a:lstStyle/>
+              <a:p>
+                <a:endParaRPr sz="2880"/>
+              </a:p>
+            </p:txBody>
+          </p:sp>
+          <p:sp>
+            <p:nvSpPr>
+              <p:cNvPr id="510" name="Google Shape;510;p23"/>
+              <p:cNvSpPr/>
+              <p:nvPr/>
+            </p:nvSpPr>
+            <p:spPr>
+              <a:xfrm>
+                <a:off x="6151764" y="4124236"/>
+                <a:ext cx="1009123" cy="998632"/>
+              </a:xfrm>
+              <a:custGeom>
+                <a:avLst/>
+                <a:gdLst/>
+                <a:ahLst/>
+                <a:cxnLst/>
+                <a:rect l="l" t="t" r="r" b="b"/>
+                <a:pathLst>
+                  <a:path w="30494" h="30177" extrusionOk="0">
+                    <a:moveTo>
+                      <a:pt x="20913" y="661"/>
+                    </a:moveTo>
+                    <a:cubicBezTo>
+                      <a:pt x="23466" y="1350"/>
+                      <a:pt x="30493" y="3243"/>
+                      <a:pt x="27949" y="5730"/>
+                    </a:cubicBezTo>
+                    <a:cubicBezTo>
+                      <a:pt x="27373" y="5991"/>
+                      <a:pt x="26834" y="6082"/>
+                      <a:pt x="26185" y="6082"/>
+                    </a:cubicBezTo>
+                    <a:cubicBezTo>
+                      <a:pt x="26158" y="6082"/>
+                      <a:pt x="26131" y="6081"/>
+                      <a:pt x="26104" y="6081"/>
+                    </a:cubicBezTo>
+                    <a:cubicBezTo>
+                      <a:pt x="26103" y="6081"/>
+                      <a:pt x="26102" y="6081"/>
+                      <a:pt x="26101" y="6081"/>
+                    </a:cubicBezTo>
+                    <a:cubicBezTo>
+                      <a:pt x="25968" y="6081"/>
+                      <a:pt x="25825" y="6182"/>
+                      <a:pt x="25796" y="6315"/>
+                    </a:cubicBezTo>
+                    <a:cubicBezTo>
+                      <a:pt x="25791" y="6335"/>
+                      <a:pt x="25788" y="6354"/>
+                      <a:pt x="25787" y="6374"/>
+                    </a:cubicBezTo>
+                    <a:cubicBezTo>
+                      <a:pt x="25729" y="6378"/>
+                      <a:pt x="25676" y="6404"/>
+                      <a:pt x="25638" y="6447"/>
+                    </a:cubicBezTo>
+                    <a:cubicBezTo>
+                      <a:pt x="23831" y="8467"/>
+                      <a:pt x="22717" y="11105"/>
+                      <a:pt x="22230" y="13753"/>
+                    </a:cubicBezTo>
+                    <a:cubicBezTo>
+                      <a:pt x="22184" y="14001"/>
+                      <a:pt x="22379" y="14165"/>
+                      <a:pt x="22572" y="14182"/>
+                    </a:cubicBezTo>
+                    <a:cubicBezTo>
+                      <a:pt x="23518" y="16375"/>
+                      <a:pt x="24601" y="18508"/>
+                      <a:pt x="25606" y="20674"/>
+                    </a:cubicBezTo>
+                    <a:cubicBezTo>
+                      <a:pt x="26692" y="23017"/>
+                      <a:pt x="28188" y="25508"/>
+                      <a:pt x="28271" y="28136"/>
+                    </a:cubicBezTo>
+                    <a:cubicBezTo>
+                      <a:pt x="28256" y="28159"/>
+                      <a:pt x="28245" y="28183"/>
+                      <a:pt x="28237" y="28209"/>
+                    </a:cubicBezTo>
+                    <a:cubicBezTo>
+                      <a:pt x="28054" y="29117"/>
+                      <a:pt x="27316" y="29418"/>
+                      <a:pt x="26393" y="29418"/>
+                    </a:cubicBezTo>
+                    <a:cubicBezTo>
+                      <a:pt x="24843" y="29418"/>
+                      <a:pt x="22773" y="28568"/>
+                      <a:pt x="21949" y="28324"/>
+                    </a:cubicBezTo>
+                    <a:cubicBezTo>
+                      <a:pt x="20247" y="27819"/>
+                      <a:pt x="18559" y="27266"/>
+                      <a:pt x="16888" y="26664"/>
+                    </a:cubicBezTo>
+                    <a:cubicBezTo>
+                      <a:pt x="13370" y="25404"/>
+                      <a:pt x="9903" y="23955"/>
+                      <a:pt x="6570" y="22258"/>
+                    </a:cubicBezTo>
+                    <a:cubicBezTo>
+                      <a:pt x="4873" y="21392"/>
+                      <a:pt x="1805" y="19839"/>
+                      <a:pt x="2406" y="17406"/>
+                    </a:cubicBezTo>
+                    <a:cubicBezTo>
+                      <a:pt x="2851" y="15598"/>
+                      <a:pt x="5097" y="14839"/>
+                      <a:pt x="6640" y="14316"/>
+                    </a:cubicBezTo>
+                    <a:cubicBezTo>
+                      <a:pt x="10082" y="13152"/>
+                      <a:pt x="13591" y="12596"/>
+                      <a:pt x="17142" y="11913"/>
+                    </a:cubicBezTo>
+                    <a:cubicBezTo>
+                      <a:pt x="17277" y="11887"/>
+                      <a:pt x="17342" y="11782"/>
+                      <a:pt x="17351" y="11668"/>
+                    </a:cubicBezTo>
+                    <a:cubicBezTo>
+                      <a:pt x="17360" y="11658"/>
+                      <a:pt x="17369" y="11645"/>
+                      <a:pt x="17377" y="11633"/>
+                    </a:cubicBezTo>
+                    <a:cubicBezTo>
+                      <a:pt x="18470" y="9343"/>
+                      <a:pt x="19709" y="7064"/>
+                      <a:pt x="20572" y="4675"/>
+                    </a:cubicBezTo>
+                    <a:cubicBezTo>
+                      <a:pt x="20616" y="4553"/>
+                      <a:pt x="20553" y="4458"/>
+                      <a:pt x="20460" y="4410"/>
+                    </a:cubicBezTo>
+                    <a:cubicBezTo>
+                      <a:pt x="20569" y="4323"/>
+                      <a:pt x="20615" y="4168"/>
+                      <a:pt x="20480" y="4053"/>
+                    </a:cubicBezTo>
+                    <a:cubicBezTo>
+                      <a:pt x="19901" y="3560"/>
+                      <a:pt x="19247" y="2978"/>
+                      <a:pt x="19186" y="2159"/>
+                    </a:cubicBezTo>
+                    <a:cubicBezTo>
+                      <a:pt x="19121" y="1278"/>
+                      <a:pt x="19809" y="697"/>
+                      <a:pt x="20617" y="697"/>
+                    </a:cubicBezTo>
+                    <a:cubicBezTo>
+                      <a:pt x="20666" y="697"/>
+                      <a:pt x="20716" y="699"/>
+                      <a:pt x="20766" y="704"/>
+                    </a:cubicBezTo>
+                    <a:cubicBezTo>
+                      <a:pt x="20772" y="704"/>
+                      <a:pt x="20778" y="705"/>
+                      <a:pt x="20784" y="705"/>
+                    </a:cubicBezTo>
+                    <a:cubicBezTo>
+                      <a:pt x="20830" y="705"/>
+                      <a:pt x="20875" y="689"/>
+                      <a:pt x="20913" y="661"/>
+                    </a:cubicBezTo>
+                    <a:close/>
+                    <a:moveTo>
+                      <a:pt x="20320" y="0"/>
+                    </a:moveTo>
+                    <a:cubicBezTo>
+                      <a:pt x="20248" y="0"/>
+                      <a:pt x="20179" y="31"/>
+                      <a:pt x="20132" y="88"/>
+                    </a:cubicBezTo>
+                    <a:cubicBezTo>
+                      <a:pt x="19409" y="180"/>
+                      <a:pt x="18771" y="832"/>
+                      <a:pt x="18590" y="1557"/>
+                    </a:cubicBezTo>
+                    <a:cubicBezTo>
+                      <a:pt x="18294" y="2736"/>
+                      <a:pt x="19156" y="3934"/>
+                      <a:pt x="20169" y="4448"/>
+                    </a:cubicBezTo>
+                    <a:cubicBezTo>
+                      <a:pt x="20154" y="4461"/>
+                      <a:pt x="20141" y="4474"/>
+                      <a:pt x="20131" y="4490"/>
+                    </a:cubicBezTo>
+                    <a:cubicBezTo>
+                      <a:pt x="18824" y="6637"/>
+                      <a:pt x="17838" y="9006"/>
+                      <a:pt x="16752" y="11269"/>
+                    </a:cubicBezTo>
+                    <a:cubicBezTo>
+                      <a:pt x="16741" y="11295"/>
+                      <a:pt x="16735" y="11322"/>
+                      <a:pt x="16730" y="11351"/>
+                    </a:cubicBezTo>
+                    <a:cubicBezTo>
+                      <a:pt x="14237" y="11498"/>
+                      <a:pt x="11747" y="12050"/>
+                      <a:pt x="9344" y="12698"/>
+                    </a:cubicBezTo>
+                    <a:cubicBezTo>
+                      <a:pt x="7327" y="13240"/>
+                      <a:pt x="5038" y="13770"/>
+                      <a:pt x="3315" y="15018"/>
+                    </a:cubicBezTo>
+                    <a:cubicBezTo>
+                      <a:pt x="1" y="17416"/>
+                      <a:pt x="2407" y="20740"/>
+                      <a:pt x="5162" y="22288"/>
+                    </a:cubicBezTo>
+                    <a:cubicBezTo>
+                      <a:pt x="9564" y="24763"/>
+                      <a:pt x="14424" y="26664"/>
+                      <a:pt x="19213" y="28237"/>
+                    </a:cubicBezTo>
+                    <a:cubicBezTo>
+                      <a:pt x="21383" y="28949"/>
+                      <a:pt x="23835" y="29978"/>
+                      <a:pt x="26124" y="30162"/>
+                    </a:cubicBezTo>
+                    <a:cubicBezTo>
+                      <a:pt x="26240" y="30172"/>
+                      <a:pt x="26355" y="30176"/>
+                      <a:pt x="26468" y="30176"/>
+                    </a:cubicBezTo>
+                    <a:cubicBezTo>
+                      <a:pt x="27690" y="30176"/>
+                      <a:pt x="28701" y="29620"/>
+                      <a:pt x="28874" y="28298"/>
+                    </a:cubicBezTo>
+                    <a:cubicBezTo>
+                      <a:pt x="28874" y="28283"/>
+                      <a:pt x="28873" y="28268"/>
+                      <a:pt x="28870" y="28252"/>
+                    </a:cubicBezTo>
+                    <a:cubicBezTo>
+                      <a:pt x="29211" y="26036"/>
+                      <a:pt x="27842" y="23835"/>
+                      <a:pt x="26958" y="21881"/>
+                    </a:cubicBezTo>
+                    <a:cubicBezTo>
+                      <a:pt x="25729" y="19153"/>
+                      <a:pt x="24499" y="16393"/>
+                      <a:pt x="22993" y="13805"/>
+                    </a:cubicBezTo>
+                    <a:cubicBezTo>
+                      <a:pt x="22979" y="13785"/>
+                      <a:pt x="22964" y="13768"/>
+                      <a:pt x="22947" y="13751"/>
+                    </a:cubicBezTo>
+                    <a:cubicBezTo>
+                      <a:pt x="23514" y="11172"/>
+                      <a:pt x="24604" y="8970"/>
+                      <a:pt x="26046" y="6761"/>
+                    </a:cubicBezTo>
+                    <a:cubicBezTo>
+                      <a:pt x="26052" y="6747"/>
+                      <a:pt x="26058" y="6732"/>
+                      <a:pt x="26062" y="6717"/>
+                    </a:cubicBezTo>
+                    <a:cubicBezTo>
+                      <a:pt x="26247" y="6752"/>
+                      <a:pt x="26437" y="6769"/>
+                      <a:pt x="26630" y="6769"/>
+                    </a:cubicBezTo>
+                    <a:cubicBezTo>
+                      <a:pt x="27296" y="6769"/>
+                      <a:pt x="27985" y="6564"/>
+                      <a:pt x="28516" y="6196"/>
+                    </a:cubicBezTo>
+                    <a:cubicBezTo>
+                      <a:pt x="28648" y="6104"/>
+                      <a:pt x="28688" y="5972"/>
+                      <a:pt x="28665" y="5853"/>
+                    </a:cubicBezTo>
+                    <a:cubicBezTo>
+                      <a:pt x="29501" y="4984"/>
+                      <a:pt x="29098" y="3537"/>
+                      <a:pt x="28199" y="2744"/>
+                    </a:cubicBezTo>
+                    <a:cubicBezTo>
+                      <a:pt x="26234" y="1010"/>
+                      <a:pt x="22845" y="472"/>
+                      <a:pt x="20371" y="5"/>
+                    </a:cubicBezTo>
+                    <a:cubicBezTo>
+                      <a:pt x="20354" y="2"/>
+                      <a:pt x="20337" y="0"/>
+                      <a:pt x="20320" y="0"/>
+                    </a:cubicBezTo>
+                    <a:close/>
+                  </a:path>
+                </a:pathLst>
+              </a:custGeom>
+              <a:solidFill>
+                <a:srgbClr val="000000"/>
+              </a:solidFill>
+              <a:ln>
+                <a:noFill/>
+              </a:ln>
+            </p:spPr>
+            <p:txBody>
+              <a:bodyPr spcFirstLastPara="1" wrap="square" lIns="146280" tIns="146280" rIns="146280" bIns="146280" anchor="ctr" anchorCtr="0">
+                <a:noAutofit/>
+              </a:bodyPr>
+              <a:lstStyle/>
+              <a:p>
+                <a:endParaRPr sz="2880"/>
+              </a:p>
+            </p:txBody>
+          </p:sp>
+          <p:sp>
+            <p:nvSpPr>
+              <p:cNvPr id="511" name="Google Shape;511;p23"/>
+              <p:cNvSpPr/>
+              <p:nvPr/>
+            </p:nvSpPr>
+            <p:spPr>
+              <a:xfrm>
+                <a:off x="6248791" y="4604540"/>
+                <a:ext cx="800077" cy="458497"/>
+              </a:xfrm>
+              <a:custGeom>
+                <a:avLst/>
+                <a:gdLst/>
+                <a:ahLst/>
+                <a:cxnLst/>
+                <a:rect l="l" t="t" r="r" b="b"/>
+                <a:pathLst>
+                  <a:path w="24177" h="13855" extrusionOk="0">
+                    <a:moveTo>
+                      <a:pt x="6688" y="1"/>
+                    </a:moveTo>
+                    <a:cubicBezTo>
+                      <a:pt x="6683" y="1"/>
+                      <a:pt x="6678" y="1"/>
+                      <a:pt x="6672" y="2"/>
+                    </a:cubicBezTo>
+                    <a:cubicBezTo>
+                      <a:pt x="4874" y="130"/>
+                      <a:pt x="2805" y="671"/>
+                      <a:pt x="1348" y="1786"/>
+                    </a:cubicBezTo>
+                    <a:cubicBezTo>
+                      <a:pt x="501" y="2432"/>
+                      <a:pt x="0" y="3801"/>
+                      <a:pt x="1118" y="4446"/>
+                    </a:cubicBezTo>
+                    <a:cubicBezTo>
+                      <a:pt x="2284" y="6008"/>
+                      <a:pt x="4182" y="6874"/>
+                      <a:pt x="5900" y="7733"/>
+                    </a:cubicBezTo>
+                    <a:cubicBezTo>
+                      <a:pt x="8234" y="8902"/>
+                      <a:pt x="10616" y="9969"/>
+                      <a:pt x="13045" y="10937"/>
+                    </a:cubicBezTo>
+                    <a:cubicBezTo>
+                      <a:pt x="15616" y="11959"/>
+                      <a:pt x="18297" y="13040"/>
+                      <a:pt x="20995" y="13677"/>
+                    </a:cubicBezTo>
+                    <a:cubicBezTo>
+                      <a:pt x="21416" y="13776"/>
+                      <a:pt x="21860" y="13855"/>
+                      <a:pt x="22280" y="13855"/>
+                    </a:cubicBezTo>
+                    <a:cubicBezTo>
+                      <a:pt x="23022" y="13855"/>
+                      <a:pt x="23687" y="13609"/>
+                      <a:pt x="24010" y="12789"/>
+                    </a:cubicBezTo>
+                    <a:cubicBezTo>
+                      <a:pt x="24062" y="12656"/>
+                      <a:pt x="24013" y="12551"/>
+                      <a:pt x="23924" y="12489"/>
+                    </a:cubicBezTo>
+                    <a:cubicBezTo>
+                      <a:pt x="24177" y="11833"/>
+                      <a:pt x="24031" y="11158"/>
+                      <a:pt x="23699" y="10479"/>
+                    </a:cubicBezTo>
+                    <a:cubicBezTo>
+                      <a:pt x="22976" y="9001"/>
+                      <a:pt x="22207" y="7627"/>
+                      <a:pt x="21674" y="6056"/>
+                    </a:cubicBezTo>
+                    <a:cubicBezTo>
+                      <a:pt x="21614" y="5877"/>
+                      <a:pt x="21466" y="5803"/>
+                      <a:pt x="21318" y="5803"/>
+                    </a:cubicBezTo>
+                    <a:cubicBezTo>
+                      <a:pt x="21293" y="5803"/>
+                      <a:pt x="21267" y="5805"/>
+                      <a:pt x="21242" y="5809"/>
+                    </a:cubicBezTo>
+                    <a:cubicBezTo>
+                      <a:pt x="21182" y="5694"/>
+                      <a:pt x="21069" y="5602"/>
+                      <a:pt x="20917" y="5602"/>
+                    </a:cubicBezTo>
+                    <a:cubicBezTo>
+                      <a:pt x="20894" y="5602"/>
+                      <a:pt x="20870" y="5604"/>
+                      <a:pt x="20845" y="5609"/>
+                    </a:cubicBezTo>
+                    <a:cubicBezTo>
+                      <a:pt x="19366" y="5876"/>
+                      <a:pt x="17814" y="6136"/>
+                      <a:pt x="16286" y="6136"/>
+                    </a:cubicBezTo>
+                    <a:cubicBezTo>
+                      <a:pt x="14713" y="6136"/>
+                      <a:pt x="13167" y="5860"/>
+                      <a:pt x="11755" y="5034"/>
+                    </a:cubicBezTo>
+                    <a:cubicBezTo>
+                      <a:pt x="10527" y="4318"/>
+                      <a:pt x="9738" y="3339"/>
+                      <a:pt x="9024" y="2127"/>
+                    </a:cubicBezTo>
+                    <a:cubicBezTo>
+                      <a:pt x="8525" y="1277"/>
+                      <a:pt x="8106" y="608"/>
+                      <a:pt x="7282" y="55"/>
+                    </a:cubicBezTo>
+                    <a:cubicBezTo>
+                      <a:pt x="7243" y="29"/>
+                      <a:pt x="7202" y="18"/>
+                      <a:pt x="7163" y="18"/>
+                    </a:cubicBezTo>
+                    <a:cubicBezTo>
+                      <a:pt x="6971" y="18"/>
+                      <a:pt x="6809" y="289"/>
+                      <a:pt x="6984" y="441"/>
+                    </a:cubicBezTo>
+                    <a:cubicBezTo>
+                      <a:pt x="8078" y="1392"/>
+                      <a:pt x="8438" y="2789"/>
+                      <a:pt x="9311" y="3906"/>
+                    </a:cubicBezTo>
+                    <a:cubicBezTo>
+                      <a:pt x="10107" y="4926"/>
+                      <a:pt x="11199" y="5668"/>
+                      <a:pt x="12388" y="6159"/>
+                    </a:cubicBezTo>
+                    <a:cubicBezTo>
+                      <a:pt x="13685" y="6692"/>
+                      <a:pt x="15062" y="6899"/>
+                      <a:pt x="16451" y="6899"/>
+                    </a:cubicBezTo>
+                    <a:cubicBezTo>
+                      <a:pt x="17975" y="6899"/>
+                      <a:pt x="19514" y="6650"/>
+                      <a:pt x="20979" y="6312"/>
+                    </a:cubicBezTo>
+                    <a:cubicBezTo>
+                      <a:pt x="21296" y="7287"/>
+                      <a:pt x="21686" y="8237"/>
+                      <a:pt x="22146" y="9154"/>
+                    </a:cubicBezTo>
+                    <a:cubicBezTo>
+                      <a:pt x="22703" y="10259"/>
+                      <a:pt x="23757" y="11438"/>
+                      <a:pt x="23271" y="12741"/>
+                    </a:cubicBezTo>
+                    <a:cubicBezTo>
+                      <a:pt x="23268" y="12749"/>
+                      <a:pt x="23270" y="12754"/>
+                      <a:pt x="23268" y="12760"/>
+                    </a:cubicBezTo>
+                    <a:cubicBezTo>
+                      <a:pt x="22975" y="13021"/>
+                      <a:pt x="22555" y="13125"/>
+                      <a:pt x="22069" y="13125"/>
+                    </a:cubicBezTo>
+                    <a:cubicBezTo>
+                      <a:pt x="20505" y="13125"/>
+                      <a:pt x="18255" y="12056"/>
+                      <a:pt x="17343" y="11744"/>
+                    </a:cubicBezTo>
+                    <a:cubicBezTo>
+                      <a:pt x="15433" y="11089"/>
+                      <a:pt x="13546" y="10373"/>
+                      <a:pt x="11680" y="9597"/>
+                    </a:cubicBezTo>
+                    <a:cubicBezTo>
+                      <a:pt x="8102" y="8111"/>
+                      <a:pt x="3898" y="6584"/>
+                      <a:pt x="1146" y="3752"/>
+                    </a:cubicBezTo>
+                    <a:cubicBezTo>
+                      <a:pt x="248" y="2049"/>
+                      <a:pt x="5802" y="625"/>
+                      <a:pt x="6732" y="437"/>
+                    </a:cubicBezTo>
+                    <a:cubicBezTo>
+                      <a:pt x="6968" y="389"/>
+                      <a:pt x="6925" y="1"/>
+                      <a:pt x="6688" y="1"/>
+                    </a:cubicBezTo>
+                    <a:close/>
+                  </a:path>
+                </a:pathLst>
+              </a:custGeom>
+              <a:solidFill>
+                <a:srgbClr val="000000"/>
+              </a:solidFill>
+              <a:ln>
+                <a:noFill/>
+              </a:ln>
+            </p:spPr>
+            <p:txBody>
+              <a:bodyPr spcFirstLastPara="1" wrap="square" lIns="146280" tIns="146280" rIns="146280" bIns="146280" anchor="ctr" anchorCtr="0">
+                <a:noAutofit/>
+              </a:bodyPr>
+              <a:lstStyle/>
+              <a:p>
+                <a:endParaRPr sz="2880"/>
+              </a:p>
+            </p:txBody>
+          </p:sp>
+          <p:sp>
+            <p:nvSpPr>
+              <p:cNvPr id="512" name="Google Shape;512;p23"/>
+              <p:cNvSpPr/>
+              <p:nvPr/>
+            </p:nvSpPr>
+            <p:spPr>
+              <a:xfrm>
+                <a:off x="6738990" y="4680091"/>
+                <a:ext cx="94777" cy="84254"/>
+              </a:xfrm>
+              <a:custGeom>
+                <a:avLst/>
+                <a:gdLst/>
+                <a:ahLst/>
+                <a:cxnLst/>
+                <a:rect l="l" t="t" r="r" b="b"/>
+                <a:pathLst>
+                  <a:path w="2864" h="2546" extrusionOk="0">
+                    <a:moveTo>
+                      <a:pt x="1280" y="572"/>
+                    </a:moveTo>
+                    <a:cubicBezTo>
+                      <a:pt x="1669" y="635"/>
+                      <a:pt x="2090" y="753"/>
+                      <a:pt x="2216" y="1166"/>
+                    </a:cubicBezTo>
+                    <a:cubicBezTo>
+                      <a:pt x="2364" y="1661"/>
+                      <a:pt x="1814" y="1955"/>
+                      <a:pt x="1398" y="1964"/>
+                    </a:cubicBezTo>
+                    <a:cubicBezTo>
+                      <a:pt x="1389" y="1964"/>
+                      <a:pt x="1380" y="1964"/>
+                      <a:pt x="1371" y="1964"/>
+                    </a:cubicBezTo>
+                    <a:cubicBezTo>
+                      <a:pt x="1032" y="1964"/>
+                      <a:pt x="630" y="1794"/>
+                      <a:pt x="569" y="1425"/>
+                    </a:cubicBezTo>
+                    <a:cubicBezTo>
+                      <a:pt x="502" y="1019"/>
+                      <a:pt x="785" y="756"/>
+                      <a:pt x="1148" y="681"/>
+                    </a:cubicBezTo>
+                    <a:cubicBezTo>
+                      <a:pt x="1208" y="668"/>
+                      <a:pt x="1257" y="629"/>
+                      <a:pt x="1280" y="572"/>
+                    </a:cubicBezTo>
+                    <a:close/>
+                    <a:moveTo>
+                      <a:pt x="1176" y="1"/>
+                    </a:moveTo>
+                    <a:cubicBezTo>
+                      <a:pt x="1152" y="1"/>
+                      <a:pt x="1129" y="1"/>
+                      <a:pt x="1105" y="2"/>
+                    </a:cubicBezTo>
+                    <a:cubicBezTo>
+                      <a:pt x="961" y="8"/>
+                      <a:pt x="865" y="132"/>
+                      <a:pt x="843" y="259"/>
+                    </a:cubicBezTo>
+                    <a:cubicBezTo>
+                      <a:pt x="358" y="336"/>
+                      <a:pt x="1" y="883"/>
+                      <a:pt x="1" y="1365"/>
+                    </a:cubicBezTo>
+                    <a:cubicBezTo>
+                      <a:pt x="2" y="2082"/>
+                      <a:pt x="684" y="2528"/>
+                      <a:pt x="1343" y="2545"/>
+                    </a:cubicBezTo>
+                    <a:cubicBezTo>
+                      <a:pt x="1355" y="2545"/>
+                      <a:pt x="1367" y="2545"/>
+                      <a:pt x="1379" y="2545"/>
+                    </a:cubicBezTo>
+                    <a:cubicBezTo>
+                      <a:pt x="2039" y="2545"/>
+                      <a:pt x="2794" y="2104"/>
+                      <a:pt x="2825" y="1387"/>
+                    </a:cubicBezTo>
+                    <a:cubicBezTo>
+                      <a:pt x="2864" y="496"/>
+                      <a:pt x="1967" y="1"/>
+                      <a:pt x="1176" y="1"/>
+                    </a:cubicBezTo>
+                    <a:close/>
+                  </a:path>
+                </a:pathLst>
+              </a:custGeom>
+              <a:solidFill>
+                <a:srgbClr val="000000"/>
+              </a:solidFill>
+              <a:ln>
+                <a:noFill/>
+              </a:ln>
+            </p:spPr>
+            <p:txBody>
+              <a:bodyPr spcFirstLastPara="1" wrap="square" lIns="146280" tIns="146280" rIns="146280" bIns="146280" anchor="ctr" anchorCtr="0">
+                <a:noAutofit/>
+              </a:bodyPr>
+              <a:lstStyle/>
+              <a:p>
+                <a:endParaRPr sz="2880"/>
+              </a:p>
+            </p:txBody>
+          </p:sp>
+          <p:sp>
+            <p:nvSpPr>
+              <p:cNvPr id="513" name="Google Shape;513;p23"/>
+              <p:cNvSpPr/>
+              <p:nvPr/>
+            </p:nvSpPr>
+            <p:spPr>
+              <a:xfrm>
+                <a:off x="6721815" y="4540804"/>
+                <a:ext cx="93817" cy="77999"/>
+              </a:xfrm>
+              <a:custGeom>
+                <a:avLst/>
+                <a:gdLst/>
+                <a:ahLst/>
+                <a:cxnLst/>
+                <a:rect l="l" t="t" r="r" b="b"/>
+                <a:pathLst>
+                  <a:path w="2835" h="2357" extrusionOk="0">
+                    <a:moveTo>
+                      <a:pt x="1503" y="510"/>
+                    </a:moveTo>
+                    <a:cubicBezTo>
+                      <a:pt x="1749" y="510"/>
+                      <a:pt x="1990" y="652"/>
+                      <a:pt x="2061" y="920"/>
+                    </a:cubicBezTo>
+                    <a:cubicBezTo>
+                      <a:pt x="2176" y="1353"/>
+                      <a:pt x="1810" y="1804"/>
+                      <a:pt x="1382" y="1854"/>
+                    </a:cubicBezTo>
+                    <a:cubicBezTo>
+                      <a:pt x="1354" y="1857"/>
+                      <a:pt x="1324" y="1859"/>
+                      <a:pt x="1295" y="1859"/>
+                    </a:cubicBezTo>
+                    <a:cubicBezTo>
+                      <a:pt x="967" y="1859"/>
+                      <a:pt x="603" y="1659"/>
+                      <a:pt x="520" y="1329"/>
+                    </a:cubicBezTo>
+                    <a:cubicBezTo>
+                      <a:pt x="448" y="1039"/>
+                      <a:pt x="578" y="785"/>
+                      <a:pt x="788" y="621"/>
+                    </a:cubicBezTo>
+                    <a:cubicBezTo>
+                      <a:pt x="833" y="667"/>
+                      <a:pt x="895" y="696"/>
+                      <a:pt x="963" y="696"/>
+                    </a:cubicBezTo>
+                    <a:cubicBezTo>
+                      <a:pt x="1016" y="696"/>
+                      <a:pt x="1073" y="678"/>
+                      <a:pt x="1126" y="636"/>
+                    </a:cubicBezTo>
+                    <a:cubicBezTo>
+                      <a:pt x="1236" y="552"/>
+                      <a:pt x="1371" y="510"/>
+                      <a:pt x="1503" y="510"/>
+                    </a:cubicBezTo>
+                    <a:close/>
+                    <a:moveTo>
+                      <a:pt x="1482" y="1"/>
+                    </a:moveTo>
+                    <a:cubicBezTo>
+                      <a:pt x="1298" y="1"/>
+                      <a:pt x="1117" y="48"/>
+                      <a:pt x="964" y="151"/>
+                    </a:cubicBezTo>
+                    <a:cubicBezTo>
+                      <a:pt x="407" y="209"/>
+                      <a:pt x="1" y="797"/>
+                      <a:pt x="67" y="1358"/>
+                    </a:cubicBezTo>
+                    <a:cubicBezTo>
+                      <a:pt x="139" y="1971"/>
+                      <a:pt x="743" y="2356"/>
+                      <a:pt x="1330" y="2356"/>
+                    </a:cubicBezTo>
+                    <a:cubicBezTo>
+                      <a:pt x="1434" y="2356"/>
+                      <a:pt x="1537" y="2344"/>
+                      <a:pt x="1636" y="2320"/>
+                    </a:cubicBezTo>
+                    <a:cubicBezTo>
+                      <a:pt x="2349" y="2142"/>
+                      <a:pt x="2834" y="1254"/>
+                      <a:pt x="2479" y="575"/>
+                    </a:cubicBezTo>
+                    <a:cubicBezTo>
+                      <a:pt x="2295" y="222"/>
+                      <a:pt x="1881" y="1"/>
+                      <a:pt x="1482" y="1"/>
+                    </a:cubicBezTo>
+                    <a:close/>
+                  </a:path>
+                </a:pathLst>
+              </a:custGeom>
+              <a:solidFill>
+                <a:srgbClr val="000000"/>
+              </a:solidFill>
+              <a:ln>
+                <a:noFill/>
+              </a:ln>
+            </p:spPr>
+            <p:txBody>
+              <a:bodyPr spcFirstLastPara="1" wrap="square" lIns="146280" tIns="146280" rIns="146280" bIns="146280" anchor="ctr" anchorCtr="0">
+                <a:noAutofit/>
+              </a:bodyPr>
+              <a:lstStyle/>
+              <a:p>
+                <a:endParaRPr sz="2880"/>
+              </a:p>
+            </p:txBody>
+          </p:sp>
+          <p:sp>
+            <p:nvSpPr>
+              <p:cNvPr id="514" name="Google Shape;514;p23"/>
+              <p:cNvSpPr/>
+              <p:nvPr/>
+            </p:nvSpPr>
+            <p:spPr>
+              <a:xfrm>
+                <a:off x="6838367" y="4387487"/>
+                <a:ext cx="70652" cy="67211"/>
+              </a:xfrm>
+              <a:custGeom>
+                <a:avLst/>
+                <a:gdLst/>
+                <a:ahLst/>
+                <a:cxnLst/>
+                <a:rect l="l" t="t" r="r" b="b"/>
+                <a:pathLst>
+                  <a:path w="2135" h="2031" extrusionOk="0">
+                    <a:moveTo>
+                      <a:pt x="807" y="423"/>
+                    </a:moveTo>
+                    <a:cubicBezTo>
+                      <a:pt x="831" y="453"/>
+                      <a:pt x="864" y="476"/>
+                      <a:pt x="899" y="488"/>
+                    </a:cubicBezTo>
+                    <a:cubicBezTo>
+                      <a:pt x="1050" y="543"/>
+                      <a:pt x="1196" y="520"/>
+                      <a:pt x="1332" y="626"/>
+                    </a:cubicBezTo>
+                    <a:cubicBezTo>
+                      <a:pt x="1459" y="727"/>
+                      <a:pt x="1547" y="869"/>
+                      <a:pt x="1574" y="1030"/>
+                    </a:cubicBezTo>
+                    <a:cubicBezTo>
+                      <a:pt x="1625" y="1357"/>
+                      <a:pt x="1336" y="1556"/>
+                      <a:pt x="1040" y="1556"/>
+                    </a:cubicBezTo>
+                    <a:cubicBezTo>
+                      <a:pt x="1031" y="1556"/>
+                      <a:pt x="1023" y="1556"/>
+                      <a:pt x="1014" y="1555"/>
+                    </a:cubicBezTo>
+                    <a:cubicBezTo>
+                      <a:pt x="687" y="1542"/>
+                      <a:pt x="427" y="1315"/>
+                      <a:pt x="462" y="972"/>
+                    </a:cubicBezTo>
+                    <a:cubicBezTo>
+                      <a:pt x="490" y="710"/>
+                      <a:pt x="625" y="549"/>
+                      <a:pt x="807" y="423"/>
+                    </a:cubicBezTo>
+                    <a:close/>
+                    <a:moveTo>
+                      <a:pt x="924" y="1"/>
+                    </a:moveTo>
+                    <a:cubicBezTo>
+                      <a:pt x="422" y="1"/>
+                      <a:pt x="28" y="572"/>
+                      <a:pt x="15" y="1039"/>
+                    </a:cubicBezTo>
+                    <a:cubicBezTo>
+                      <a:pt x="0" y="1612"/>
+                      <a:pt x="489" y="2031"/>
+                      <a:pt x="1041" y="2031"/>
+                    </a:cubicBezTo>
+                    <a:cubicBezTo>
+                      <a:pt x="1053" y="2031"/>
+                      <a:pt x="1065" y="2031"/>
+                      <a:pt x="1077" y="2030"/>
+                    </a:cubicBezTo>
+                    <a:cubicBezTo>
+                      <a:pt x="1649" y="2012"/>
+                      <a:pt x="2135" y="1563"/>
+                      <a:pt x="2049" y="967"/>
+                    </a:cubicBezTo>
+                    <a:cubicBezTo>
+                      <a:pt x="1995" y="585"/>
+                      <a:pt x="1573" y="25"/>
+                      <a:pt x="1134" y="25"/>
+                    </a:cubicBezTo>
+                    <a:cubicBezTo>
+                      <a:pt x="1113" y="25"/>
+                      <a:pt x="1093" y="26"/>
+                      <a:pt x="1072" y="28"/>
+                    </a:cubicBezTo>
+                    <a:cubicBezTo>
+                      <a:pt x="1061" y="24"/>
+                      <a:pt x="1055" y="15"/>
+                      <a:pt x="1043" y="11"/>
+                    </a:cubicBezTo>
+                    <a:cubicBezTo>
+                      <a:pt x="1003" y="4"/>
+                      <a:pt x="963" y="1"/>
+                      <a:pt x="924" y="1"/>
+                    </a:cubicBezTo>
+                    <a:close/>
+                  </a:path>
+                </a:pathLst>
+              </a:custGeom>
+              <a:solidFill>
+                <a:srgbClr val="000000"/>
+              </a:solidFill>
+              <a:ln>
+                <a:noFill/>
+              </a:ln>
+            </p:spPr>
+            <p:txBody>
+              <a:bodyPr spcFirstLastPara="1" wrap="square" lIns="146280" tIns="146280" rIns="146280" bIns="146280" anchor="ctr" anchorCtr="0">
+                <a:noAutofit/>
+              </a:bodyPr>
+              <a:lstStyle/>
+              <a:p>
+                <a:endParaRPr sz="2880"/>
+              </a:p>
+            </p:txBody>
+          </p:sp>
+          <p:sp>
+            <p:nvSpPr>
+              <p:cNvPr id="515" name="Google Shape;515;p23"/>
+              <p:cNvSpPr/>
+              <p:nvPr/>
+            </p:nvSpPr>
+            <p:spPr>
+              <a:xfrm>
+                <a:off x="7021633" y="4067482"/>
+                <a:ext cx="85842" cy="78231"/>
+              </a:xfrm>
+              <a:custGeom>
+                <a:avLst/>
+                <a:gdLst/>
+                <a:ahLst/>
+                <a:cxnLst/>
+                <a:rect l="l" t="t" r="r" b="b"/>
+                <a:pathLst>
+                  <a:path w="2594" h="2364" extrusionOk="0">
+                    <a:moveTo>
+                      <a:pt x="1571" y="478"/>
+                    </a:moveTo>
+                    <a:cubicBezTo>
+                      <a:pt x="1827" y="639"/>
+                      <a:pt x="2011" y="901"/>
+                      <a:pt x="2017" y="1219"/>
+                    </a:cubicBezTo>
+                    <a:cubicBezTo>
+                      <a:pt x="2024" y="1592"/>
+                      <a:pt x="1737" y="1832"/>
+                      <a:pt x="1385" y="1832"/>
+                    </a:cubicBezTo>
+                    <a:cubicBezTo>
+                      <a:pt x="1369" y="1832"/>
+                      <a:pt x="1353" y="1832"/>
+                      <a:pt x="1337" y="1831"/>
+                    </a:cubicBezTo>
+                    <a:cubicBezTo>
+                      <a:pt x="976" y="1809"/>
+                      <a:pt x="610" y="1550"/>
+                      <a:pt x="685" y="1147"/>
+                    </a:cubicBezTo>
+                    <a:cubicBezTo>
+                      <a:pt x="764" y="729"/>
+                      <a:pt x="1181" y="518"/>
+                      <a:pt x="1571" y="478"/>
+                    </a:cubicBezTo>
+                    <a:close/>
+                    <a:moveTo>
+                      <a:pt x="1469" y="0"/>
+                    </a:moveTo>
+                    <a:cubicBezTo>
+                      <a:pt x="1461" y="0"/>
+                      <a:pt x="1453" y="0"/>
+                      <a:pt x="1446" y="0"/>
+                    </a:cubicBezTo>
+                    <a:cubicBezTo>
+                      <a:pt x="1444" y="0"/>
+                      <a:pt x="1443" y="0"/>
+                      <a:pt x="1441" y="0"/>
+                    </a:cubicBezTo>
+                    <a:cubicBezTo>
+                      <a:pt x="1380" y="0"/>
+                      <a:pt x="1324" y="31"/>
+                      <a:pt x="1290" y="82"/>
+                    </a:cubicBezTo>
+                    <a:cubicBezTo>
+                      <a:pt x="1278" y="81"/>
+                      <a:pt x="1267" y="81"/>
+                      <a:pt x="1255" y="81"/>
+                    </a:cubicBezTo>
+                    <a:cubicBezTo>
+                      <a:pt x="772" y="81"/>
+                      <a:pt x="293" y="519"/>
+                      <a:pt x="170" y="1007"/>
+                    </a:cubicBezTo>
+                    <a:cubicBezTo>
+                      <a:pt x="0" y="1688"/>
+                      <a:pt x="544" y="2262"/>
+                      <a:pt x="1193" y="2351"/>
+                    </a:cubicBezTo>
+                    <a:cubicBezTo>
+                      <a:pt x="1253" y="2360"/>
+                      <a:pt x="1313" y="2364"/>
+                      <a:pt x="1373" y="2364"/>
+                    </a:cubicBezTo>
+                    <a:cubicBezTo>
+                      <a:pt x="1951" y="2364"/>
+                      <a:pt x="2472" y="1979"/>
+                      <a:pt x="2533" y="1367"/>
+                    </a:cubicBezTo>
+                    <a:cubicBezTo>
+                      <a:pt x="2594" y="744"/>
+                      <a:pt x="2148" y="0"/>
+                      <a:pt x="1469" y="0"/>
+                    </a:cubicBezTo>
+                    <a:close/>
+                  </a:path>
+                </a:pathLst>
+              </a:custGeom>
+              <a:solidFill>
+                <a:srgbClr val="000000"/>
+              </a:solidFill>
+              <a:ln>
+                <a:noFill/>
+              </a:ln>
+            </p:spPr>
+            <p:txBody>
+              <a:bodyPr spcFirstLastPara="1" wrap="square" lIns="146280" tIns="146280" rIns="146280" bIns="146280" anchor="ctr" anchorCtr="0">
+                <a:noAutofit/>
+              </a:bodyPr>
+              <a:lstStyle/>
+              <a:p>
+                <a:endParaRPr sz="2880"/>
+              </a:p>
+            </p:txBody>
+          </p:sp>
+          <p:sp>
+            <p:nvSpPr>
+              <p:cNvPr id="516" name="Google Shape;516;p23"/>
+              <p:cNvSpPr/>
+              <p:nvPr/>
+            </p:nvSpPr>
+            <p:spPr>
+              <a:xfrm>
+                <a:off x="6945686" y="3887194"/>
+                <a:ext cx="132767" cy="126149"/>
+              </a:xfrm>
+              <a:custGeom>
+                <a:avLst/>
+                <a:gdLst/>
+                <a:ahLst/>
+                <a:cxnLst/>
+                <a:rect l="l" t="t" r="r" b="b"/>
+                <a:pathLst>
+                  <a:path w="4012" h="3812" extrusionOk="0">
+                    <a:moveTo>
+                      <a:pt x="2176" y="547"/>
+                    </a:moveTo>
+                    <a:cubicBezTo>
+                      <a:pt x="2764" y="658"/>
+                      <a:pt x="3265" y="1073"/>
+                      <a:pt x="3333" y="1736"/>
+                    </a:cubicBezTo>
+                    <a:cubicBezTo>
+                      <a:pt x="3409" y="2471"/>
+                      <a:pt x="2931" y="3168"/>
+                      <a:pt x="2189" y="3277"/>
+                    </a:cubicBezTo>
+                    <a:cubicBezTo>
+                      <a:pt x="2115" y="3287"/>
+                      <a:pt x="2041" y="3293"/>
+                      <a:pt x="1969" y="3293"/>
+                    </a:cubicBezTo>
+                    <a:cubicBezTo>
+                      <a:pt x="1316" y="3293"/>
+                      <a:pt x="728" y="2871"/>
+                      <a:pt x="589" y="2203"/>
+                    </a:cubicBezTo>
+                    <a:cubicBezTo>
+                      <a:pt x="434" y="1448"/>
+                      <a:pt x="945" y="551"/>
+                      <a:pt x="1729" y="551"/>
+                    </a:cubicBezTo>
+                    <a:cubicBezTo>
+                      <a:pt x="1827" y="551"/>
+                      <a:pt x="1928" y="565"/>
+                      <a:pt x="2033" y="595"/>
+                    </a:cubicBezTo>
+                    <a:cubicBezTo>
+                      <a:pt x="2046" y="599"/>
+                      <a:pt x="2059" y="601"/>
+                      <a:pt x="2072" y="601"/>
+                    </a:cubicBezTo>
+                    <a:cubicBezTo>
+                      <a:pt x="2112" y="601"/>
+                      <a:pt x="2151" y="582"/>
+                      <a:pt x="2176" y="547"/>
+                    </a:cubicBezTo>
+                    <a:close/>
+                    <a:moveTo>
+                      <a:pt x="1956" y="0"/>
+                    </a:moveTo>
+                    <a:cubicBezTo>
+                      <a:pt x="1773" y="0"/>
+                      <a:pt x="1587" y="27"/>
+                      <a:pt x="1405" y="83"/>
+                    </a:cubicBezTo>
+                    <a:cubicBezTo>
+                      <a:pt x="1349" y="98"/>
+                      <a:pt x="1301" y="134"/>
+                      <a:pt x="1270" y="183"/>
+                    </a:cubicBezTo>
+                    <a:cubicBezTo>
+                      <a:pt x="627" y="359"/>
+                      <a:pt x="116" y="1132"/>
+                      <a:pt x="73" y="1800"/>
+                    </a:cubicBezTo>
+                    <a:cubicBezTo>
+                      <a:pt x="1" y="2923"/>
+                      <a:pt x="883" y="3811"/>
+                      <a:pt x="1988" y="3811"/>
+                    </a:cubicBezTo>
+                    <a:cubicBezTo>
+                      <a:pt x="2014" y="3811"/>
+                      <a:pt x="2041" y="3811"/>
+                      <a:pt x="2068" y="3810"/>
+                    </a:cubicBezTo>
+                    <a:cubicBezTo>
+                      <a:pt x="3214" y="3765"/>
+                      <a:pt x="4012" y="2695"/>
+                      <a:pt x="3843" y="1581"/>
+                    </a:cubicBezTo>
+                    <a:cubicBezTo>
+                      <a:pt x="3702" y="644"/>
+                      <a:pt x="2856" y="0"/>
+                      <a:pt x="1956" y="0"/>
+                    </a:cubicBezTo>
+                    <a:close/>
+                  </a:path>
+                </a:pathLst>
+              </a:custGeom>
+              <a:solidFill>
+                <a:srgbClr val="000000"/>
+              </a:solidFill>
+              <a:ln>
+                <a:noFill/>
+              </a:ln>
+            </p:spPr>
+            <p:txBody>
+              <a:bodyPr spcFirstLastPara="1" wrap="square" lIns="146280" tIns="146280" rIns="146280" bIns="146280" anchor="ctr" anchorCtr="0">
+                <a:noAutofit/>
+              </a:bodyPr>
+              <a:lstStyle/>
+              <a:p>
+                <a:endParaRPr sz="2880"/>
+              </a:p>
+            </p:txBody>
+          </p:sp>
+        </p:grpSp>
+        <p:grpSp>
+          <p:nvGrpSpPr>
+            <p:cNvPr id="517" name="Google Shape;517;p23"/>
+            <p:cNvGrpSpPr/>
+            <p:nvPr/>
+          </p:nvGrpSpPr>
+          <p:grpSpPr>
+            <a:xfrm>
+              <a:off x="6648515" y="5156391"/>
+              <a:ext cx="174596" cy="44774"/>
+              <a:chOff x="6648515" y="5156391"/>
+              <a:chExt cx="174596" cy="44774"/>
+            </a:xfrm>
+          </p:grpSpPr>
+          <p:sp>
+            <p:nvSpPr>
+              <p:cNvPr id="518" name="Google Shape;518;p23"/>
+              <p:cNvSpPr/>
+              <p:nvPr/>
+            </p:nvSpPr>
+            <p:spPr>
+              <a:xfrm>
+                <a:off x="6648515" y="5156556"/>
+                <a:ext cx="117875" cy="44609"/>
+              </a:xfrm>
+              <a:custGeom>
+                <a:avLst/>
+                <a:gdLst/>
+                <a:ahLst/>
+                <a:cxnLst/>
+                <a:rect l="l" t="t" r="r" b="b"/>
+                <a:pathLst>
+                  <a:path w="3562" h="1348" extrusionOk="0">
+                    <a:moveTo>
+                      <a:pt x="178" y="1"/>
+                    </a:moveTo>
+                    <a:cubicBezTo>
+                      <a:pt x="70" y="1"/>
+                      <a:pt x="1" y="168"/>
+                      <a:pt x="114" y="245"/>
+                    </a:cubicBezTo>
+                    <a:cubicBezTo>
+                      <a:pt x="1087" y="909"/>
+                      <a:pt x="2176" y="1275"/>
+                      <a:pt x="3351" y="1347"/>
+                    </a:cubicBezTo>
+                    <a:cubicBezTo>
+                      <a:pt x="3354" y="1348"/>
+                      <a:pt x="3358" y="1348"/>
+                      <a:pt x="3362" y="1348"/>
+                    </a:cubicBezTo>
+                    <a:cubicBezTo>
+                      <a:pt x="3562" y="1348"/>
+                      <a:pt x="3560" y="1024"/>
+                      <a:pt x="3349" y="1015"/>
+                    </a:cubicBezTo>
+                    <a:cubicBezTo>
+                      <a:pt x="2223" y="971"/>
+                      <a:pt x="1190" y="637"/>
+                      <a:pt x="246" y="23"/>
+                    </a:cubicBezTo>
+                    <a:cubicBezTo>
+                      <a:pt x="223" y="7"/>
+                      <a:pt x="200" y="1"/>
+                      <a:pt x="178" y="1"/>
+                    </a:cubicBezTo>
+                    <a:close/>
+                  </a:path>
+                </a:pathLst>
+              </a:custGeom>
+              <a:solidFill>
+                <a:srgbClr val="000000"/>
+              </a:solidFill>
+              <a:ln>
+                <a:noFill/>
+              </a:ln>
+            </p:spPr>
+            <p:txBody>
+              <a:bodyPr spcFirstLastPara="1" wrap="square" lIns="146280" tIns="146280" rIns="146280" bIns="146280" anchor="ctr" anchorCtr="0">
+                <a:noAutofit/>
+              </a:bodyPr>
+              <a:lstStyle/>
+              <a:p>
+                <a:endParaRPr sz="2880"/>
+              </a:p>
+            </p:txBody>
+          </p:sp>
+          <p:sp>
+            <p:nvSpPr>
+              <p:cNvPr id="519" name="Google Shape;519;p23"/>
+              <p:cNvSpPr/>
+              <p:nvPr/>
+            </p:nvSpPr>
+            <p:spPr>
+              <a:xfrm>
+                <a:off x="6713178" y="5156391"/>
+                <a:ext cx="109933" cy="37262"/>
+              </a:xfrm>
+              <a:custGeom>
+                <a:avLst/>
+                <a:gdLst/>
+                <a:ahLst/>
+                <a:cxnLst/>
+                <a:rect l="l" t="t" r="r" b="b"/>
+                <a:pathLst>
+                  <a:path w="3322" h="1126" extrusionOk="0">
+                    <a:moveTo>
+                      <a:pt x="173" y="1"/>
+                    </a:moveTo>
+                    <a:cubicBezTo>
+                      <a:pt x="43" y="1"/>
+                      <a:pt x="0" y="207"/>
+                      <a:pt x="142" y="250"/>
+                    </a:cubicBezTo>
+                    <a:cubicBezTo>
+                      <a:pt x="1113" y="541"/>
+                      <a:pt x="2087" y="821"/>
+                      <a:pt x="3055" y="1118"/>
+                    </a:cubicBezTo>
+                    <a:cubicBezTo>
+                      <a:pt x="3073" y="1123"/>
+                      <a:pt x="3089" y="1126"/>
+                      <a:pt x="3104" y="1126"/>
+                    </a:cubicBezTo>
+                    <a:cubicBezTo>
+                      <a:pt x="3264" y="1126"/>
+                      <a:pt x="3321" y="859"/>
+                      <a:pt x="3140" y="810"/>
+                    </a:cubicBezTo>
+                    <a:cubicBezTo>
+                      <a:pt x="2161" y="550"/>
+                      <a:pt x="1187" y="273"/>
+                      <a:pt x="210" y="6"/>
+                    </a:cubicBezTo>
+                    <a:cubicBezTo>
+                      <a:pt x="197" y="3"/>
+                      <a:pt x="185" y="1"/>
+                      <a:pt x="173" y="1"/>
+                    </a:cubicBezTo>
+                    <a:close/>
+                  </a:path>
+                </a:pathLst>
+              </a:custGeom>
+              <a:solidFill>
+                <a:srgbClr val="000000"/>
+              </a:solidFill>
+              <a:ln>
+                <a:noFill/>
+              </a:ln>
+            </p:spPr>
+            <p:txBody>
+              <a:bodyPr spcFirstLastPara="1" wrap="square" lIns="146280" tIns="146280" rIns="146280" bIns="146280" anchor="ctr" anchorCtr="0">
+                <a:noAutofit/>
+              </a:bodyPr>
+              <a:lstStyle/>
+              <a:p>
+                <a:endParaRPr sz="2880"/>
+              </a:p>
+            </p:txBody>
+          </p:sp>
+        </p:grpSp>
+      </p:grpSp>
+      <p:grpSp>
+        <p:nvGrpSpPr>
+          <p:cNvPr id="578" name="Google Shape;578;p23"/>
+          <p:cNvGrpSpPr/>
+          <p:nvPr/>
+        </p:nvGrpSpPr>
+        <p:grpSpPr>
+          <a:xfrm>
+            <a:off x="5418612" y="8448606"/>
+            <a:ext cx="1235701" cy="796390"/>
+            <a:chOff x="4816519" y="4288164"/>
+            <a:chExt cx="772313" cy="497744"/>
+          </a:xfrm>
+        </p:grpSpPr>
+        <p:sp>
+          <p:nvSpPr>
+            <p:cNvPr id="579" name="Google Shape;579;p23"/>
+            <p:cNvSpPr/>
+            <p:nvPr/>
+          </p:nvSpPr>
+          <p:spPr>
+            <a:xfrm>
+              <a:off x="4925186" y="4301061"/>
+              <a:ext cx="627897" cy="471965"/>
+            </a:xfrm>
+            <a:custGeom>
+              <a:avLst/>
+              <a:gdLst/>
+              <a:ahLst/>
+              <a:cxnLst/>
+              <a:rect l="l" t="t" r="r" b="b"/>
+              <a:pathLst>
+                <a:path w="18974" h="14262" extrusionOk="0">
+                  <a:moveTo>
+                    <a:pt x="2988" y="1"/>
+                  </a:moveTo>
+                  <a:cubicBezTo>
+                    <a:pt x="2525" y="1"/>
+                    <a:pt x="2056" y="123"/>
+                    <a:pt x="1593" y="416"/>
+                  </a:cubicBezTo>
+                  <a:cubicBezTo>
+                    <a:pt x="1" y="1425"/>
+                    <a:pt x="39" y="3716"/>
+                    <a:pt x="350" y="5361"/>
+                  </a:cubicBezTo>
+                  <a:cubicBezTo>
+                    <a:pt x="797" y="7721"/>
+                    <a:pt x="2174" y="9760"/>
+                    <a:pt x="3820" y="11461"/>
+                  </a:cubicBezTo>
+                  <a:cubicBezTo>
+                    <a:pt x="5052" y="12735"/>
+                    <a:pt x="6440" y="14261"/>
+                    <a:pt x="8322" y="14261"/>
+                  </a:cubicBezTo>
+                  <a:cubicBezTo>
+                    <a:pt x="8371" y="14261"/>
+                    <a:pt x="8421" y="14260"/>
+                    <a:pt x="8470" y="14258"/>
+                  </a:cubicBezTo>
+                  <a:cubicBezTo>
+                    <a:pt x="12386" y="14096"/>
+                    <a:pt x="16661" y="11734"/>
+                    <a:pt x="18086" y="7966"/>
+                  </a:cubicBezTo>
+                  <a:cubicBezTo>
+                    <a:pt x="18657" y="6462"/>
+                    <a:pt x="18974" y="4192"/>
+                    <a:pt x="17952" y="2803"/>
+                  </a:cubicBezTo>
+                  <a:cubicBezTo>
+                    <a:pt x="17453" y="2124"/>
+                    <a:pt x="16710" y="1879"/>
+                    <a:pt x="15917" y="1879"/>
+                  </a:cubicBezTo>
+                  <a:cubicBezTo>
+                    <a:pt x="15596" y="1879"/>
+                    <a:pt x="15266" y="1919"/>
+                    <a:pt x="14941" y="1987"/>
+                  </a:cubicBezTo>
+                  <a:cubicBezTo>
+                    <a:pt x="14900" y="1970"/>
+                    <a:pt x="14860" y="1956"/>
+                    <a:pt x="14817" y="1944"/>
+                  </a:cubicBezTo>
+                  <a:cubicBezTo>
+                    <a:pt x="14573" y="1878"/>
+                    <a:pt x="14346" y="1848"/>
+                    <a:pt x="14131" y="1848"/>
+                  </a:cubicBezTo>
+                  <a:cubicBezTo>
+                    <a:pt x="13095" y="1848"/>
+                    <a:pt x="12355" y="2550"/>
+                    <a:pt x="11556" y="3329"/>
+                  </a:cubicBezTo>
+                  <a:cubicBezTo>
+                    <a:pt x="10541" y="4317"/>
+                    <a:pt x="9538" y="5315"/>
+                    <a:pt x="8535" y="6314"/>
+                  </a:cubicBezTo>
+                  <a:cubicBezTo>
+                    <a:pt x="8423" y="4413"/>
+                    <a:pt x="7620" y="2785"/>
+                    <a:pt x="6213" y="1454"/>
+                  </a:cubicBezTo>
+                  <a:cubicBezTo>
+                    <a:pt x="6087" y="1333"/>
+                    <a:pt x="5935" y="1244"/>
+                    <a:pt x="5767" y="1194"/>
+                  </a:cubicBezTo>
+                  <a:cubicBezTo>
+                    <a:pt x="4945" y="560"/>
+                    <a:pt x="3980" y="1"/>
+                    <a:pt x="2988" y="1"/>
+                  </a:cubicBezTo>
+                  <a:close/>
+                </a:path>
+              </a:pathLst>
+            </a:custGeom>
+            <a:solidFill>
+              <a:srgbClr val="FEB8B3"/>
+            </a:solidFill>
+            <a:ln>
+              <a:noFill/>
+            </a:ln>
+          </p:spPr>
+          <p:txBody>
+            <a:bodyPr spcFirstLastPara="1" wrap="square" lIns="146280" tIns="146280" rIns="146280" bIns="146280" anchor="ctr" anchorCtr="0">
+              <a:noAutofit/>
+            </a:bodyPr>
+            <a:lstStyle/>
+            <a:p>
+              <a:endParaRPr sz="2880"/>
+            </a:p>
+          </p:txBody>
+        </p:sp>
+        <p:sp>
+          <p:nvSpPr>
+            <p:cNvPr id="580" name="Google Shape;580;p23"/>
+            <p:cNvSpPr/>
+            <p:nvPr/>
+          </p:nvSpPr>
+          <p:spPr>
+            <a:xfrm>
+              <a:off x="4816519" y="4288164"/>
+              <a:ext cx="772313" cy="497744"/>
+            </a:xfrm>
+            <a:custGeom>
+              <a:avLst/>
+              <a:gdLst/>
+              <a:ahLst/>
+              <a:cxnLst/>
+              <a:rect l="l" t="t" r="r" b="b"/>
+              <a:pathLst>
+                <a:path w="23338" h="15041" extrusionOk="0">
+                  <a:moveTo>
+                    <a:pt x="7095" y="721"/>
+                  </a:moveTo>
+                  <a:cubicBezTo>
+                    <a:pt x="7622" y="721"/>
+                    <a:pt x="8178" y="845"/>
+                    <a:pt x="8741" y="1117"/>
+                  </a:cubicBezTo>
+                  <a:cubicBezTo>
+                    <a:pt x="10751" y="2088"/>
+                    <a:pt x="11547" y="4287"/>
+                    <a:pt x="11823" y="6364"/>
+                  </a:cubicBezTo>
+                  <a:cubicBezTo>
+                    <a:pt x="11672" y="6627"/>
+                    <a:pt x="11920" y="6868"/>
+                    <a:pt x="12174" y="6868"/>
+                  </a:cubicBezTo>
+                  <a:cubicBezTo>
+                    <a:pt x="12290" y="6868"/>
+                    <a:pt x="12407" y="6819"/>
+                    <a:pt x="12489" y="6699"/>
+                  </a:cubicBezTo>
+                  <a:cubicBezTo>
+                    <a:pt x="13875" y="4691"/>
+                    <a:pt x="15594" y="2216"/>
+                    <a:pt x="18283" y="2043"/>
+                  </a:cubicBezTo>
+                  <a:cubicBezTo>
+                    <a:pt x="18379" y="2037"/>
+                    <a:pt x="18473" y="2034"/>
+                    <a:pt x="18566" y="2034"/>
+                  </a:cubicBezTo>
+                  <a:cubicBezTo>
+                    <a:pt x="21416" y="2034"/>
+                    <a:pt x="22590" y="4930"/>
+                    <a:pt x="21547" y="7369"/>
+                  </a:cubicBezTo>
+                  <a:cubicBezTo>
+                    <a:pt x="19845" y="11346"/>
+                    <a:pt x="14967" y="13248"/>
+                    <a:pt x="11085" y="14216"/>
+                  </a:cubicBezTo>
+                  <a:cubicBezTo>
+                    <a:pt x="11079" y="14216"/>
+                    <a:pt x="11075" y="14221"/>
+                    <a:pt x="11071" y="14222"/>
+                  </a:cubicBezTo>
+                  <a:cubicBezTo>
+                    <a:pt x="8029" y="12032"/>
+                    <a:pt x="3303" y="8519"/>
+                    <a:pt x="3592" y="4333"/>
+                  </a:cubicBezTo>
+                  <a:cubicBezTo>
+                    <a:pt x="3735" y="2272"/>
+                    <a:pt x="5232" y="721"/>
+                    <a:pt x="7095" y="721"/>
+                  </a:cubicBezTo>
+                  <a:close/>
+                  <a:moveTo>
+                    <a:pt x="6988" y="1"/>
+                  </a:moveTo>
+                  <a:cubicBezTo>
+                    <a:pt x="5758" y="1"/>
+                    <a:pt x="4566" y="507"/>
+                    <a:pt x="3767" y="1587"/>
+                  </a:cubicBezTo>
+                  <a:cubicBezTo>
+                    <a:pt x="1" y="6676"/>
+                    <a:pt x="7237" y="12429"/>
+                    <a:pt x="10797" y="14970"/>
+                  </a:cubicBezTo>
+                  <a:cubicBezTo>
+                    <a:pt x="10866" y="15019"/>
+                    <a:pt x="10933" y="15041"/>
+                    <a:pt x="10996" y="15041"/>
+                  </a:cubicBezTo>
+                  <a:cubicBezTo>
+                    <a:pt x="11172" y="15041"/>
+                    <a:pt x="11310" y="14876"/>
+                    <a:pt x="11337" y="14691"/>
+                  </a:cubicBezTo>
+                  <a:cubicBezTo>
+                    <a:pt x="15885" y="14101"/>
+                    <a:pt x="23337" y="10392"/>
+                    <a:pt x="22676" y="4904"/>
+                  </a:cubicBezTo>
+                  <a:cubicBezTo>
+                    <a:pt x="22413" y="2733"/>
+                    <a:pt x="20731" y="1287"/>
+                    <a:pt x="18602" y="1287"/>
+                  </a:cubicBezTo>
+                  <a:cubicBezTo>
+                    <a:pt x="18492" y="1287"/>
+                    <a:pt x="18382" y="1291"/>
+                    <a:pt x="18271" y="1299"/>
+                  </a:cubicBezTo>
+                  <a:cubicBezTo>
+                    <a:pt x="15565" y="1484"/>
+                    <a:pt x="13768" y="3605"/>
+                    <a:pt x="12293" y="5682"/>
+                  </a:cubicBezTo>
+                  <a:cubicBezTo>
+                    <a:pt x="12066" y="3642"/>
+                    <a:pt x="11183" y="1634"/>
+                    <a:pt x="9306" y="607"/>
+                  </a:cubicBezTo>
+                  <a:cubicBezTo>
+                    <a:pt x="8581" y="209"/>
+                    <a:pt x="7777" y="1"/>
+                    <a:pt x="6988" y="1"/>
+                  </a:cubicBezTo>
+                  <a:close/>
+                </a:path>
+              </a:pathLst>
+            </a:custGeom>
+            <a:solidFill>
+              <a:srgbClr val="000000"/>
+            </a:solidFill>
+            <a:ln>
+              <a:noFill/>
+            </a:ln>
+          </p:spPr>
+          <p:txBody>
+            <a:bodyPr spcFirstLastPara="1" wrap="square" lIns="146280" tIns="146280" rIns="146280" bIns="146280" anchor="ctr" anchorCtr="0">
+              <a:noAutofit/>
+            </a:bodyPr>
+            <a:lstStyle/>
+            <a:p>
+              <a:endParaRPr sz="2880"/>
+            </a:p>
+          </p:txBody>
+        </p:sp>
+      </p:grpSp>
+      <p:sp>
+        <p:nvSpPr>
+          <p:cNvPr id="263" name="TextBox 262">
+            <a:extLst>
+              <a:ext uri="{FF2B5EF4-FFF2-40B4-BE49-F238E27FC236}">
+                <a16:creationId xmlns:a16="http://schemas.microsoft.com/office/drawing/2014/main" id="{7798AAA8-EF57-0565-A20D-52A734D28F65}"/>
+              </a:ext>
+            </a:extLst>
+          </p:cNvPr>
+          <p:cNvSpPr txBox="1"/>
+          <p:nvPr/>
+        </p:nvSpPr>
+        <p:spPr>
+          <a:xfrm>
+            <a:off x="2671281" y="441548"/>
+            <a:ext cx="9277412" cy="880241"/>
           </a:xfrm>
           <a:prstGeom prst="rect">
             <a:avLst/>
           </a:prstGeom>
           <a:noFill/>
-          <a:ln/>
         </p:spPr>
         <p:txBody>
-          <a:bodyPr wrap="square" rtlCol="0" anchor="t"/>
+          <a:bodyPr wrap="none" rtlCol="0">
+            <a:spAutoFit/>
+          </a:bodyPr>
           <a:lstStyle/>
           <a:p>
-            <a:pPr indent="0" marL="0">
+            <a:pPr algn="ctr"/>
+            <a:r>
+              <a:rPr lang="ru-RU" sz="2560" dirty="0">
+                <a:latin typeface="Times New Roman" panose="02020603050405020304" pitchFamily="18" charset="0"/>
+                <a:cs typeface="Times New Roman" panose="02020603050405020304" pitchFamily="18" charset="0"/>
+              </a:rPr>
+              <a:t>МИНИСТЕРСТВО ОБРАЗОВАНИЯ РЕСПУБЛИКИ БЕЛАРУСЬ</a:t>
+            </a:r>
+          </a:p>
+          <a:p>
+            <a:pPr algn="ctr"/>
+            <a:r>
+              <a:rPr lang="ru-RU" sz="2560" dirty="0">
+                <a:latin typeface="Times New Roman" panose="02020603050405020304" pitchFamily="18" charset="0"/>
+                <a:cs typeface="Times New Roman" panose="02020603050405020304" pitchFamily="18" charset="0"/>
+              </a:rPr>
+              <a:t> </a:t>
+            </a:r>
+          </a:p>
+        </p:txBody>
+      </p:sp>
+      <p:sp>
+        <p:nvSpPr>
+          <p:cNvPr id="264" name="Rectangle 4">
+            <a:extLst>
+              <a:ext uri="{FF2B5EF4-FFF2-40B4-BE49-F238E27FC236}">
+                <a16:creationId xmlns:a16="http://schemas.microsoft.com/office/drawing/2014/main" id="{2E35791D-B517-4B40-103A-4F697EAC39F7}"/>
+              </a:ext>
+            </a:extLst>
+          </p:cNvPr>
+          <p:cNvSpPr/>
+          <p:nvPr/>
+        </p:nvSpPr>
+        <p:spPr>
+          <a:xfrm>
+            <a:off x="1977699" y="2466305"/>
+            <a:ext cx="10838846" cy="1274195"/>
+          </a:xfrm>
+          <a:prstGeom prst="rect">
+            <a:avLst/>
+          </a:prstGeom>
+        </p:spPr>
+        <p:txBody>
+          <a:bodyPr wrap="square">
+            <a:spAutoFit/>
+          </a:bodyPr>
+          <a:lstStyle/>
+          <a:p>
+            <a:pPr algn="ctr"/>
+            <a:r>
+              <a:rPr lang="ru-RU" sz="2560" dirty="0">
+                <a:latin typeface="Times New Roman" panose="02020603050405020304" pitchFamily="18" charset="0"/>
+                <a:cs typeface="Times New Roman" panose="02020603050405020304" pitchFamily="18" charset="0"/>
+              </a:rPr>
+              <a:t>Учреждение образования</a:t>
+            </a:r>
+          </a:p>
+          <a:p>
+            <a:pPr algn="ctr"/>
+            <a:r>
+              <a:rPr lang="ru-RU" sz="2560" dirty="0">
+                <a:latin typeface="Times New Roman" panose="02020603050405020304" pitchFamily="18" charset="0"/>
+                <a:cs typeface="Times New Roman" panose="02020603050405020304" pitchFamily="18" charset="0"/>
+              </a:rPr>
+              <a:t>«Гомельский государственный технический университет </a:t>
+            </a:r>
+          </a:p>
+          <a:p>
+            <a:pPr algn="ctr"/>
+            <a:r>
+              <a:rPr lang="ru-RU" sz="2560" dirty="0">
+                <a:latin typeface="Times New Roman" panose="02020603050405020304" pitchFamily="18" charset="0"/>
+                <a:cs typeface="Times New Roman" panose="02020603050405020304" pitchFamily="18" charset="0"/>
+              </a:rPr>
+              <a:t>имени П.О. Сухого»</a:t>
+            </a:r>
+          </a:p>
+        </p:txBody>
+      </p:sp>
+      <p:sp>
+        <p:nvSpPr>
+          <p:cNvPr id="265" name="Rectangle 3">
+            <a:extLst>
+              <a:ext uri="{FF2B5EF4-FFF2-40B4-BE49-F238E27FC236}">
+                <a16:creationId xmlns:a16="http://schemas.microsoft.com/office/drawing/2014/main" id="{51F03924-651E-0762-D188-70A3B7F83FA4}"/>
+              </a:ext>
+            </a:extLst>
+          </p:cNvPr>
+          <p:cNvSpPr/>
+          <p:nvPr/>
+        </p:nvSpPr>
+        <p:spPr>
+          <a:xfrm>
+            <a:off x="1312102" y="1036647"/>
+            <a:ext cx="11976584" cy="1579920"/>
+          </a:xfrm>
+          <a:prstGeom prst="rect">
+            <a:avLst/>
+          </a:prstGeom>
+        </p:spPr>
+        <p:txBody>
+          <a:bodyPr wrap="square">
+            <a:spAutoFit/>
+          </a:bodyPr>
+          <a:lstStyle/>
+          <a:p>
+            <a:pPr indent="720344" algn="ctr">
               <a:lnSpc>
-                <a:spcPts val="7545"/>
+                <a:spcPts val="2880"/>
               </a:lnSpc>
-              <a:buNone/>
             </a:pPr>
             <a:r>
-              <a:rPr lang="en-US" sz="6036" b="1" spc="-181" kern="0" dirty="0">
-                <a:solidFill>
-                  <a:srgbClr val="000000"/>
-                </a:solidFill>
-                <a:latin typeface="Inter" pitchFamily="34" charset="0"/>
-                <a:ea typeface="Inter" pitchFamily="34" charset="-122"/>
-                <a:cs typeface="Inter" pitchFamily="34" charset="-120"/>
+              <a:rPr lang="ru-RU" sz="2560" dirty="0">
+                <a:latin typeface="Times New Roman" panose="02020603050405020304" pitchFamily="18" charset="0"/>
+                <a:ea typeface="Times New Roman" panose="02020603050405020304" pitchFamily="18" charset="0"/>
+                <a:cs typeface="Times New Roman" panose="02020603050405020304" pitchFamily="18" charset="0"/>
               </a:rPr>
-              <a:t>Разработка программных компонентов для игры фермерского симулятора</a:t>
+              <a:t>Факультет автоматизированных и информационных систем </a:t>
             </a:r>
-            <a:endParaRPr lang="en-US" sz="6036" dirty="0"/>
+            <a:endParaRPr lang="en-US" sz="2560" dirty="0">
+              <a:latin typeface="Times New Roman" panose="02020603050405020304" pitchFamily="18" charset="0"/>
+              <a:ea typeface="Times New Roman" panose="02020603050405020304" pitchFamily="18" charset="0"/>
+              <a:cs typeface="Times New Roman" panose="02020603050405020304" pitchFamily="18" charset="0"/>
+            </a:endParaRPr>
+          </a:p>
+          <a:p>
+            <a:pPr indent="720344" algn="ctr">
+              <a:lnSpc>
+                <a:spcPts val="2880"/>
+              </a:lnSpc>
+            </a:pPr>
+            <a:r>
+              <a:rPr lang="ru-RU" sz="2560" dirty="0">
+                <a:latin typeface="Times New Roman" panose="02020603050405020304" pitchFamily="18" charset="0"/>
+                <a:ea typeface="Times New Roman" panose="02020603050405020304" pitchFamily="18" charset="0"/>
+                <a:cs typeface="Times New Roman" panose="02020603050405020304" pitchFamily="18" charset="0"/>
+              </a:rPr>
+              <a:t>Кафедра «Информационные технологии» </a:t>
+            </a:r>
+            <a:endParaRPr lang="en-US" sz="2560" dirty="0">
+              <a:latin typeface="Times New Roman" panose="02020603050405020304" pitchFamily="18" charset="0"/>
+              <a:ea typeface="Times New Roman" panose="02020603050405020304" pitchFamily="18" charset="0"/>
+              <a:cs typeface="Times New Roman" panose="02020603050405020304" pitchFamily="18" charset="0"/>
+            </a:endParaRPr>
+          </a:p>
+          <a:p>
+            <a:pPr indent="720344" algn="ctr">
+              <a:lnSpc>
+                <a:spcPts val="2880"/>
+              </a:lnSpc>
+            </a:pPr>
+            <a:r>
+              <a:rPr lang="ru-RU" sz="2560" dirty="0">
+                <a:latin typeface="Times New Roman" panose="02020603050405020304" pitchFamily="18" charset="0"/>
+                <a:ea typeface="Times New Roman" panose="02020603050405020304" pitchFamily="18" charset="0"/>
+                <a:cs typeface="Times New Roman" panose="02020603050405020304" pitchFamily="18" charset="0"/>
+              </a:rPr>
+              <a:t>Специальность 1-40 05 01 «Информационные системы и технологии </a:t>
+            </a:r>
+            <a:endParaRPr lang="en-US" sz="2560" dirty="0">
+              <a:latin typeface="Times New Roman" panose="02020603050405020304" pitchFamily="18" charset="0"/>
+              <a:ea typeface="Times New Roman" panose="02020603050405020304" pitchFamily="18" charset="0"/>
+              <a:cs typeface="Times New Roman" panose="02020603050405020304" pitchFamily="18" charset="0"/>
+            </a:endParaRPr>
+          </a:p>
+          <a:p>
+            <a:pPr indent="720344" algn="ctr">
+              <a:lnSpc>
+                <a:spcPts val="2880"/>
+              </a:lnSpc>
+            </a:pPr>
+            <a:r>
+              <a:rPr lang="ru-RU" sz="2560" dirty="0">
+                <a:latin typeface="Times New Roman" panose="02020603050405020304" pitchFamily="18" charset="0"/>
+                <a:ea typeface="Times New Roman" panose="02020603050405020304" pitchFamily="18" charset="0"/>
+                <a:cs typeface="Times New Roman" panose="02020603050405020304" pitchFamily="18" charset="0"/>
+              </a:rPr>
+              <a:t>(по направлениям)»</a:t>
+            </a:r>
+            <a:endParaRPr lang="en-US" sz="2560" dirty="0">
+              <a:latin typeface="Times New Roman" panose="02020603050405020304" pitchFamily="18" charset="0"/>
+              <a:ea typeface="Times New Roman" panose="02020603050405020304" pitchFamily="18" charset="0"/>
+              <a:cs typeface="Times New Roman" panose="02020603050405020304" pitchFamily="18" charset="0"/>
+            </a:endParaRPr>
           </a:p>
         </p:txBody>
       </p:sp>
       <p:sp>
         <p:nvSpPr>
-          <p:cNvPr id="6" name="Text 3"/>
-          <p:cNvSpPr/>
-          <p:nvPr/>
-        </p:nvSpPr>
-        <p:spPr>
-          <a:xfrm>
-            <a:off x="6319599" y="5966103"/>
-            <a:ext cx="7477601" cy="1421606"/>
+          <p:cNvPr id="266" name="TextBox 265">
+            <a:extLst>
+              <a:ext uri="{FF2B5EF4-FFF2-40B4-BE49-F238E27FC236}">
+                <a16:creationId xmlns:a16="http://schemas.microsoft.com/office/drawing/2014/main" id="{70079255-F433-E4DC-D90B-6FAC774E1AFB}"/>
+              </a:ext>
+            </a:extLst>
+          </p:cNvPr>
+          <p:cNvSpPr txBox="1"/>
+          <p:nvPr/>
+        </p:nvSpPr>
+        <p:spPr>
+          <a:xfrm>
+            <a:off x="5345440" y="3787468"/>
+            <a:ext cx="4077142" cy="486287"/>
           </a:xfrm>
           <a:prstGeom prst="rect">
             <a:avLst/>
           </a:prstGeom>
           <a:noFill/>
-          <a:ln/>
         </p:spPr>
         <p:txBody>
-          <a:bodyPr wrap="square" rtlCol="0" anchor="t"/>
+          <a:bodyPr wrap="none" rtlCol="0">
+            <a:spAutoFit/>
+          </a:bodyPr>
           <a:lstStyle/>
           <a:p>
-            <a:pPr indent="0" marL="0">
+            <a:pPr algn="ctr"/>
+            <a:r>
+              <a:rPr lang="ru-RU" sz="2560" b="1" dirty="0">
+                <a:latin typeface="Times New Roman" panose="02020603050405020304" pitchFamily="18" charset="0"/>
+                <a:cs typeface="Times New Roman" panose="02020603050405020304" pitchFamily="18" charset="0"/>
+              </a:rPr>
+              <a:t>Преддипломная практика</a:t>
+            </a:r>
+          </a:p>
+        </p:txBody>
+      </p:sp>
+      <p:sp>
+        <p:nvSpPr>
+          <p:cNvPr id="267" name="Google Shape;128;p13">
+            <a:extLst>
+              <a:ext uri="{FF2B5EF4-FFF2-40B4-BE49-F238E27FC236}">
+                <a16:creationId xmlns:a16="http://schemas.microsoft.com/office/drawing/2014/main" id="{D0552874-E6D4-C72C-EBAF-04B089CB4A12}"/>
+              </a:ext>
+            </a:extLst>
+          </p:cNvPr>
+          <p:cNvSpPr txBox="1">
+            <a:spLocks/>
+          </p:cNvSpPr>
+          <p:nvPr/>
+        </p:nvSpPr>
+        <p:spPr>
+          <a:xfrm>
+            <a:off x="968001" y="3689374"/>
+            <a:ext cx="12664782" cy="2542682"/>
+          </a:xfrm>
+          <a:prstGeom prst="rect">
+            <a:avLst/>
+          </a:prstGeom>
+          <a:noFill/>
+          <a:ln>
+            <a:noFill/>
+          </a:ln>
+        </p:spPr>
+        <p:txBody>
+          <a:bodyPr spcFirstLastPara="1" wrap="square" lIns="146280" tIns="146280" rIns="146280" bIns="146280" anchor="ctr" anchorCtr="0">
+            <a:noAutofit/>
+          </a:bodyPr>
+          <a:lstStyle>
+            <a:defPPr marR="0" lvl="0" algn="l" rtl="0">
               <a:lnSpc>
-                <a:spcPts val="2799"/>
+                <a:spcPct val="100000"/>
               </a:lnSpc>
+              <a:spcBef>
+                <a:spcPts val="0"/>
+              </a:spcBef>
+              <a:spcAft>
+                <a:spcPts val="0"/>
+              </a:spcAft>
+            </a:defPPr>
+            <a:lvl1pPr marR="0" lvl="0" algn="ctr" rtl="0">
+              <a:lnSpc>
+                <a:spcPct val="100000"/>
+              </a:lnSpc>
+              <a:spcBef>
+                <a:spcPts val="0"/>
+              </a:spcBef>
+              <a:spcAft>
+                <a:spcPts val="0"/>
+              </a:spcAft>
+              <a:buClr>
+                <a:srgbClr val="000000"/>
+              </a:buClr>
+              <a:buSzPts val="3600"/>
+              <a:buFont typeface="Permanent Marker"/>
               <a:buNone/>
+              <a:defRPr sz="3600" b="0" i="0" u="none" strike="noStrike" cap="none">
+                <a:solidFill>
+                  <a:srgbClr val="000000"/>
+                </a:solidFill>
+                <a:latin typeface="Permanent Marker"/>
+                <a:ea typeface="Permanent Marker"/>
+                <a:cs typeface="Permanent Marker"/>
+                <a:sym typeface="Permanent Marker"/>
+              </a:defRPr>
+            </a:lvl1pPr>
+            <a:lvl2pPr marR="0" lvl="1" algn="ctr" rtl="0">
+              <a:lnSpc>
+                <a:spcPct val="100000"/>
+              </a:lnSpc>
+              <a:spcBef>
+                <a:spcPts val="0"/>
+              </a:spcBef>
+              <a:spcAft>
+                <a:spcPts val="0"/>
+              </a:spcAft>
+              <a:buClr>
+                <a:srgbClr val="000000"/>
+              </a:buClr>
+              <a:buSzPts val="5200"/>
+              <a:buFont typeface="Permanent Marker"/>
+              <a:buNone/>
+              <a:defRPr sz="5200" b="0" i="0" u="none" strike="noStrike" cap="none">
+                <a:solidFill>
+                  <a:srgbClr val="000000"/>
+                </a:solidFill>
+                <a:latin typeface="Permanent Marker"/>
+                <a:ea typeface="Permanent Marker"/>
+                <a:cs typeface="Permanent Marker"/>
+                <a:sym typeface="Permanent Marker"/>
+              </a:defRPr>
+            </a:lvl2pPr>
+            <a:lvl3pPr marR="0" lvl="2" algn="ctr" rtl="0">
+              <a:lnSpc>
+                <a:spcPct val="100000"/>
+              </a:lnSpc>
+              <a:spcBef>
+                <a:spcPts val="0"/>
+              </a:spcBef>
+              <a:spcAft>
+                <a:spcPts val="0"/>
+              </a:spcAft>
+              <a:buClr>
+                <a:srgbClr val="000000"/>
+              </a:buClr>
+              <a:buSzPts val="5200"/>
+              <a:buFont typeface="Permanent Marker"/>
+              <a:buNone/>
+              <a:defRPr sz="5200" b="0" i="0" u="none" strike="noStrike" cap="none">
+                <a:solidFill>
+                  <a:srgbClr val="000000"/>
+                </a:solidFill>
+                <a:latin typeface="Permanent Marker"/>
+                <a:ea typeface="Permanent Marker"/>
+                <a:cs typeface="Permanent Marker"/>
+                <a:sym typeface="Permanent Marker"/>
+              </a:defRPr>
+            </a:lvl3pPr>
+            <a:lvl4pPr marR="0" lvl="3" algn="ctr" rtl="0">
+              <a:lnSpc>
+                <a:spcPct val="100000"/>
+              </a:lnSpc>
+              <a:spcBef>
+                <a:spcPts val="0"/>
+              </a:spcBef>
+              <a:spcAft>
+                <a:spcPts val="0"/>
+              </a:spcAft>
+              <a:buClr>
+                <a:srgbClr val="000000"/>
+              </a:buClr>
+              <a:buSzPts val="5200"/>
+              <a:buFont typeface="Permanent Marker"/>
+              <a:buNone/>
+              <a:defRPr sz="5200" b="0" i="0" u="none" strike="noStrike" cap="none">
+                <a:solidFill>
+                  <a:srgbClr val="000000"/>
+                </a:solidFill>
+                <a:latin typeface="Permanent Marker"/>
+                <a:ea typeface="Permanent Marker"/>
+                <a:cs typeface="Permanent Marker"/>
+                <a:sym typeface="Permanent Marker"/>
+              </a:defRPr>
+            </a:lvl4pPr>
+            <a:lvl5pPr marR="0" lvl="4" algn="ctr" rtl="0">
+              <a:lnSpc>
+                <a:spcPct val="100000"/>
+              </a:lnSpc>
+              <a:spcBef>
+                <a:spcPts val="0"/>
+              </a:spcBef>
+              <a:spcAft>
+                <a:spcPts val="0"/>
+              </a:spcAft>
+              <a:buClr>
+                <a:srgbClr val="000000"/>
+              </a:buClr>
+              <a:buSzPts val="5200"/>
+              <a:buFont typeface="Permanent Marker"/>
+              <a:buNone/>
+              <a:defRPr sz="5200" b="0" i="0" u="none" strike="noStrike" cap="none">
+                <a:solidFill>
+                  <a:srgbClr val="000000"/>
+                </a:solidFill>
+                <a:latin typeface="Permanent Marker"/>
+                <a:ea typeface="Permanent Marker"/>
+                <a:cs typeface="Permanent Marker"/>
+                <a:sym typeface="Permanent Marker"/>
+              </a:defRPr>
+            </a:lvl5pPr>
+            <a:lvl6pPr marR="0" lvl="5" algn="ctr" rtl="0">
+              <a:lnSpc>
+                <a:spcPct val="100000"/>
+              </a:lnSpc>
+              <a:spcBef>
+                <a:spcPts val="0"/>
+              </a:spcBef>
+              <a:spcAft>
+                <a:spcPts val="0"/>
+              </a:spcAft>
+              <a:buClr>
+                <a:srgbClr val="000000"/>
+              </a:buClr>
+              <a:buSzPts val="5200"/>
+              <a:buFont typeface="Permanent Marker"/>
+              <a:buNone/>
+              <a:defRPr sz="5200" b="0" i="0" u="none" strike="noStrike" cap="none">
+                <a:solidFill>
+                  <a:srgbClr val="000000"/>
+                </a:solidFill>
+                <a:latin typeface="Permanent Marker"/>
+                <a:ea typeface="Permanent Marker"/>
+                <a:cs typeface="Permanent Marker"/>
+                <a:sym typeface="Permanent Marker"/>
+              </a:defRPr>
+            </a:lvl6pPr>
+            <a:lvl7pPr marR="0" lvl="6" algn="ctr" rtl="0">
+              <a:lnSpc>
+                <a:spcPct val="100000"/>
+              </a:lnSpc>
+              <a:spcBef>
+                <a:spcPts val="0"/>
+              </a:spcBef>
+              <a:spcAft>
+                <a:spcPts val="0"/>
+              </a:spcAft>
+              <a:buClr>
+                <a:srgbClr val="000000"/>
+              </a:buClr>
+              <a:buSzPts val="5200"/>
+              <a:buFont typeface="Permanent Marker"/>
+              <a:buNone/>
+              <a:defRPr sz="5200" b="0" i="0" u="none" strike="noStrike" cap="none">
+                <a:solidFill>
+                  <a:srgbClr val="000000"/>
+                </a:solidFill>
+                <a:latin typeface="Permanent Marker"/>
+                <a:ea typeface="Permanent Marker"/>
+                <a:cs typeface="Permanent Marker"/>
+                <a:sym typeface="Permanent Marker"/>
+              </a:defRPr>
+            </a:lvl7pPr>
+            <a:lvl8pPr marR="0" lvl="7" algn="ctr" rtl="0">
+              <a:lnSpc>
+                <a:spcPct val="100000"/>
+              </a:lnSpc>
+              <a:spcBef>
+                <a:spcPts val="0"/>
+              </a:spcBef>
+              <a:spcAft>
+                <a:spcPts val="0"/>
+              </a:spcAft>
+              <a:buClr>
+                <a:srgbClr val="000000"/>
+              </a:buClr>
+              <a:buSzPts val="5200"/>
+              <a:buFont typeface="Permanent Marker"/>
+              <a:buNone/>
+              <a:defRPr sz="5200" b="0" i="0" u="none" strike="noStrike" cap="none">
+                <a:solidFill>
+                  <a:srgbClr val="000000"/>
+                </a:solidFill>
+                <a:latin typeface="Permanent Marker"/>
+                <a:ea typeface="Permanent Marker"/>
+                <a:cs typeface="Permanent Marker"/>
+                <a:sym typeface="Permanent Marker"/>
+              </a:defRPr>
+            </a:lvl8pPr>
+            <a:lvl9pPr marR="0" lvl="8" algn="ctr" rtl="0">
+              <a:lnSpc>
+                <a:spcPct val="100000"/>
+              </a:lnSpc>
+              <a:spcBef>
+                <a:spcPts val="0"/>
+              </a:spcBef>
+              <a:spcAft>
+                <a:spcPts val="0"/>
+              </a:spcAft>
+              <a:buClr>
+                <a:srgbClr val="000000"/>
+              </a:buClr>
+              <a:buSzPts val="5200"/>
+              <a:buFont typeface="Permanent Marker"/>
+              <a:buNone/>
+              <a:defRPr sz="5200" b="0" i="0" u="none" strike="noStrike" cap="none">
+                <a:solidFill>
+                  <a:srgbClr val="000000"/>
+                </a:solidFill>
+                <a:latin typeface="Permanent Marker"/>
+                <a:ea typeface="Permanent Marker"/>
+                <a:cs typeface="Permanent Marker"/>
+                <a:sym typeface="Permanent Marker"/>
+              </a:defRPr>
+            </a:lvl9pPr>
+          </a:lstStyle>
+          <a:p>
+            <a:r>
+              <a:rPr lang="ru-RU" sz="2880" b="1" dirty="0">
+                <a:solidFill>
+                  <a:schemeClr val="tx1"/>
+                </a:solidFill>
+                <a:latin typeface="Times New Roman" panose="02020603050405020304" pitchFamily="18" charset="0"/>
+                <a:cs typeface="Times New Roman" panose="02020603050405020304" pitchFamily="18" charset="0"/>
+              </a:rPr>
+              <a:t>«Разработать архитектуру и программные компоненты для игр в жанре фермерского симулятора»</a:t>
+            </a:r>
+            <a:endParaRPr lang="ru-RU" sz="2880" b="1" dirty="0">
+              <a:solidFill>
+                <a:schemeClr val="tx1"/>
+              </a:solidFill>
+              <a:latin typeface="Times New Roman" panose="02020603050405020304" pitchFamily="18" charset="0"/>
+              <a:ea typeface="Times New Roman"/>
+              <a:cs typeface="Times New Roman" panose="02020603050405020304" pitchFamily="18" charset="0"/>
+              <a:sym typeface="Times New Roman"/>
+            </a:endParaRPr>
+          </a:p>
+        </p:txBody>
+      </p:sp>
+      <p:sp>
+        <p:nvSpPr>
+          <p:cNvPr id="268" name="Google Shape;128;p13">
+            <a:extLst>
+              <a:ext uri="{FF2B5EF4-FFF2-40B4-BE49-F238E27FC236}">
+                <a16:creationId xmlns:a16="http://schemas.microsoft.com/office/drawing/2014/main" id="{9FA66B98-7792-D3E2-DAC9-687045E13211}"/>
+              </a:ext>
+            </a:extLst>
+          </p:cNvPr>
+          <p:cNvSpPr txBox="1">
+            <a:spLocks/>
+          </p:cNvSpPr>
+          <p:nvPr/>
+        </p:nvSpPr>
+        <p:spPr>
+          <a:xfrm>
+            <a:off x="10087854" y="6299372"/>
+            <a:ext cx="4262874" cy="1563819"/>
+          </a:xfrm>
+          <a:prstGeom prst="rect">
+            <a:avLst/>
+          </a:prstGeom>
+        </p:spPr>
+        <p:txBody>
+          <a:bodyPr spcFirstLastPara="1" vert="horz" wrap="square" lIns="146280" tIns="146280" rIns="146280" bIns="146280" rtlCol="0" anchor="ctr" anchorCtr="0">
+            <a:noAutofit/>
+          </a:bodyPr>
+          <a:lstStyle>
+            <a:lvl1pPr algn="l" defTabSz="685800" rtl="0" eaLnBrk="1" latinLnBrk="0" hangingPunct="1">
+              <a:lnSpc>
+                <a:spcPct val="85000"/>
+              </a:lnSpc>
+              <a:spcBef>
+                <a:spcPct val="0"/>
+              </a:spcBef>
+              <a:buNone/>
+              <a:defRPr sz="6000" kern="1200" spc="-38" baseline="0">
+                <a:solidFill>
+                  <a:schemeClr val="tx1">
+                    <a:lumMod val="85000"/>
+                    <a:lumOff val="15000"/>
+                  </a:schemeClr>
+                </a:solidFill>
+                <a:latin typeface="+mj-lt"/>
+                <a:ea typeface="+mj-ea"/>
+                <a:cs typeface="+mj-cs"/>
+              </a:defRPr>
+            </a:lvl1pPr>
+          </a:lstStyle>
+          <a:p>
+            <a:pPr>
+              <a:spcBef>
+                <a:spcPts val="0"/>
+              </a:spcBef>
             </a:pPr>
             <a:r>
-              <a:rPr lang="en-US" sz="1750" spc="-35" kern="0" dirty="0">
+              <a:rPr lang="ru-RU" sz="2560" dirty="0">
                 <a:solidFill>
-                  <a:srgbClr val="272525"/>
+                  <a:schemeClr val="tx1"/>
                 </a:solidFill>
-                <a:latin typeface="Inter" pitchFamily="34" charset="0"/>
-                <a:ea typeface="Inter" pitchFamily="34" charset="-122"/>
-                <a:cs typeface="Inter" pitchFamily="34" charset="-120"/>
+                <a:latin typeface="Times New Roman" panose="02020603050405020304" pitchFamily="18" charset="0"/>
+                <a:cs typeface="Times New Roman" panose="02020603050405020304" pitchFamily="18" charset="0"/>
               </a:rPr>
-              <a:t>Данная преддипломная практика направлена на разработку архитектуры и программных компонентов для игры в жанре фермерского симулятора. Цель проекта - реализация программных компонентов.</a:t>
+              <a:t>Разработал ст. гр. ИТИ-41 </a:t>
             </a:r>
-            <a:endParaRPr lang="en-US" sz="1750" dirty="0"/>
+          </a:p>
+          <a:p>
+            <a:pPr>
+              <a:spcBef>
+                <a:spcPts val="0"/>
+              </a:spcBef>
+            </a:pPr>
+            <a:r>
+              <a:rPr lang="ru-RU" sz="2560" dirty="0">
+                <a:solidFill>
+                  <a:schemeClr val="tx1"/>
+                </a:solidFill>
+                <a:latin typeface="Times New Roman" panose="02020603050405020304" pitchFamily="18" charset="0"/>
+                <a:cs typeface="Times New Roman" panose="02020603050405020304" pitchFamily="18" charset="0"/>
+              </a:rPr>
+              <a:t>Дубовцов И.Д.</a:t>
+            </a:r>
+          </a:p>
+          <a:p>
+            <a:pPr>
+              <a:spcBef>
+                <a:spcPts val="0"/>
+              </a:spcBef>
+            </a:pPr>
+            <a:r>
+              <a:rPr lang="ru-RU" sz="2560" dirty="0">
+                <a:solidFill>
+                  <a:schemeClr val="tx1"/>
+                </a:solidFill>
+                <a:latin typeface="Times New Roman" panose="02020603050405020304" pitchFamily="18" charset="0"/>
+                <a:cs typeface="Times New Roman" panose="02020603050405020304" pitchFamily="18" charset="0"/>
+              </a:rPr>
+              <a:t>Руководитель работы </a:t>
+            </a:r>
+          </a:p>
+          <a:p>
+            <a:pPr>
+              <a:spcBef>
+                <a:spcPts val="0"/>
+              </a:spcBef>
+            </a:pPr>
+            <a:r>
+              <a:rPr lang="ru-RU" sz="2560" dirty="0">
+                <a:solidFill>
+                  <a:schemeClr val="tx1"/>
+                </a:solidFill>
+                <a:latin typeface="Times New Roman" panose="02020603050405020304" pitchFamily="18" charset="0"/>
+                <a:cs typeface="Times New Roman" panose="02020603050405020304" pitchFamily="18" charset="0"/>
+              </a:rPr>
+              <a:t>Кравченко О.А.</a:t>
+            </a:r>
           </a:p>
         </p:txBody>
       </p:sp>
       <p:pic>
         <p:nvPicPr>
-          <p:cNvPr id="7" name="Image 1" descr="preencoded.png">
-            <a:hlinkClick r:id="rId3" tooltip=""/>
+          <p:cNvPr id="280" name="Рисунок 7">
+            <a:extLst>
+              <a:ext uri="{FF2B5EF4-FFF2-40B4-BE49-F238E27FC236}">
+                <a16:creationId xmlns:a16="http://schemas.microsoft.com/office/drawing/2014/main" id="{8F280F42-9A22-093F-6447-5DD3213866DC}"/>
+              </a:ext>
+            </a:extLst>
           </p:cNvPr>
           <p:cNvPicPr>
             <a:picLocks noChangeAspect="1"/>
           </p:cNvPicPr>
           <p:nvPr/>
         </p:nvPicPr>
-        <p:blipFill>
-          <a:blip r:embed="rId2"/>
-          <a:stretch>
-            <a:fillRect/>
-          </a:stretch>
+        <p:blipFill rotWithShape="1">
+          <a:blip r:embed="rId3" cstate="print">
+            <a:duotone>
+              <a:schemeClr val="accent5">
+                <a:shade val="45000"/>
+                <a:satMod val="135000"/>
+              </a:schemeClr>
+              <a:prstClr val="white"/>
+            </a:duotone>
+            <a:extLst>
+              <a:ext uri="{28A0092B-C50C-407E-A947-70E740481C1C}">
+                <a14:useLocalDpi xmlns:a14="http://schemas.microsoft.com/office/drawing/2010/main" val="0"/>
+              </a:ext>
+            </a:extLst>
+          </a:blip>
+          <a:srcRect b="16254"/>
+          <a:stretch/>
         </p:blipFill>
         <p:spPr>
           <a:xfrm>
-            <a:off x="12242153" y="7589520"/>
-            <a:ext cx="2296807" cy="548640"/>
+            <a:off x="-45582" y="7020442"/>
+            <a:ext cx="1519522" cy="1209158"/>
           </a:xfrm>
           <a:prstGeom prst="rect">
             <a:avLst/>
           </a:prstGeom>
+          <a:noFill/>
         </p:spPr>
       </p:pic>
     </p:spTree>
+    <p:extLst>
+      <p:ext uri="{BB962C8B-B14F-4D97-AF65-F5344CB8AC3E}">
+        <p14:creationId xmlns:p14="http://schemas.microsoft.com/office/powerpoint/2010/main" val="256368020"/>
+      </p:ext>
+    </p:extLst>
   </p:cSld>
   <p:clrMapOvr>
     <a:masterClrMapping/>
@@ -1751,14 +6489,14 @@
           <a:bodyPr wrap="none" rtlCol="0" anchor="t"/>
           <a:lstStyle/>
           <a:p>
-            <a:pPr indent="0" marL="0">
+            <a:pPr marL="0" indent="0">
               <a:lnSpc>
                 <a:spcPts val="5468"/>
               </a:lnSpc>
               <a:buNone/>
             </a:pPr>
             <a:r>
-              <a:rPr lang="en-US" sz="4374" b="1" spc="-131" kern="0" dirty="0">
+              <a:rPr lang="en-US" sz="4374" b="1" kern="0" spc="-131" dirty="0">
                 <a:solidFill>
                   <a:srgbClr val="000000"/>
                 </a:solidFill>
@@ -1820,14 +6558,14 @@
           <a:bodyPr wrap="none" rtlCol="0" anchor="t"/>
           <a:lstStyle/>
           <a:p>
-            <a:pPr indent="0" marL="0">
+            <a:pPr marL="0" indent="0">
               <a:lnSpc>
                 <a:spcPts val="2734"/>
               </a:lnSpc>
               <a:buNone/>
             </a:pPr>
             <a:r>
-              <a:rPr lang="en-US" sz="2187" b="1" spc="-66" kern="0" dirty="0">
+              <a:rPr lang="en-US" sz="2187" b="1" kern="0" spc="-66" dirty="0">
                 <a:solidFill>
                   <a:srgbClr val="272525"/>
                 </a:solidFill>
@@ -1862,14 +6600,14 @@
           <a:bodyPr wrap="square" rtlCol="0" anchor="t"/>
           <a:lstStyle/>
           <a:p>
-            <a:pPr indent="0" marL="0">
+            <a:pPr marL="0" indent="0">
               <a:lnSpc>
                 <a:spcPts val="2799"/>
               </a:lnSpc>
               <a:buNone/>
             </a:pPr>
             <a:r>
-              <a:rPr lang="en-US" sz="1750" spc="-35" kern="0" dirty="0">
+              <a:rPr lang="en-US" sz="1750" kern="0" spc="-35" dirty="0">
                 <a:solidFill>
                   <a:srgbClr val="272525"/>
                 </a:solidFill>
@@ -1931,14 +6669,14 @@
           <a:bodyPr wrap="none" rtlCol="0" anchor="t"/>
           <a:lstStyle/>
           <a:p>
-            <a:pPr indent="0" marL="0">
+            <a:pPr marL="0" indent="0">
               <a:lnSpc>
                 <a:spcPts val="2734"/>
               </a:lnSpc>
               <a:buNone/>
             </a:pPr>
             <a:r>
-              <a:rPr lang="en-US" sz="2187" b="1" spc="-66" kern="0" dirty="0">
+              <a:rPr lang="en-US" sz="2187" b="1" kern="0" spc="-66" dirty="0">
                 <a:solidFill>
                   <a:srgbClr val="272525"/>
                 </a:solidFill>
@@ -1973,14 +6711,14 @@
           <a:bodyPr wrap="square" rtlCol="0" anchor="t"/>
           <a:lstStyle/>
           <a:p>
-            <a:pPr indent="0" marL="0">
+            <a:pPr marL="0" indent="0">
               <a:lnSpc>
                 <a:spcPts val="2799"/>
               </a:lnSpc>
               <a:buNone/>
             </a:pPr>
             <a:r>
-              <a:rPr lang="en-US" sz="1750" spc="-35" kern="0" dirty="0">
+              <a:rPr lang="en-US" sz="1750" kern="0" spc="-35" dirty="0">
                 <a:solidFill>
                   <a:srgbClr val="272525"/>
                 </a:solidFill>
@@ -2042,14 +6780,14 @@
           <a:bodyPr wrap="none" rtlCol="0" anchor="t"/>
           <a:lstStyle/>
           <a:p>
-            <a:pPr indent="0" marL="0">
+            <a:pPr marL="0" indent="0">
               <a:lnSpc>
                 <a:spcPts val="2734"/>
               </a:lnSpc>
               <a:buNone/>
             </a:pPr>
             <a:r>
-              <a:rPr lang="en-US" sz="2187" b="1" spc="-66" kern="0" dirty="0">
+              <a:rPr lang="en-US" sz="2187" b="1" kern="0" spc="-66" dirty="0">
                 <a:solidFill>
                   <a:srgbClr val="272525"/>
                 </a:solidFill>
@@ -2084,14 +6822,14 @@
           <a:bodyPr wrap="square" rtlCol="0" anchor="t"/>
           <a:lstStyle/>
           <a:p>
-            <a:pPr indent="0" marL="0">
+            <a:pPr marL="0" indent="0">
               <a:lnSpc>
                 <a:spcPts val="2799"/>
               </a:lnSpc>
               <a:buNone/>
             </a:pPr>
             <a:r>
-              <a:rPr lang="en-US" sz="1750" spc="-35" kern="0" dirty="0">
+              <a:rPr lang="en-US" sz="1750" kern="0" spc="-35" dirty="0">
                 <a:solidFill>
                   <a:srgbClr val="272525"/>
                 </a:solidFill>
@@ -2153,14 +6891,14 @@
           <a:bodyPr wrap="none" rtlCol="0" anchor="t"/>
           <a:lstStyle/>
           <a:p>
-            <a:pPr indent="0" marL="0">
+            <a:pPr marL="0" indent="0">
               <a:lnSpc>
                 <a:spcPts val="2734"/>
               </a:lnSpc>
               <a:buNone/>
             </a:pPr>
             <a:r>
-              <a:rPr lang="en-US" sz="2187" b="1" spc="-66" kern="0" dirty="0">
+              <a:rPr lang="en-US" sz="2187" b="1" kern="0" spc="-66" dirty="0">
                 <a:solidFill>
                   <a:srgbClr val="272525"/>
                 </a:solidFill>
@@ -2195,14 +6933,14 @@
           <a:bodyPr wrap="square" rtlCol="0" anchor="t"/>
           <a:lstStyle/>
           <a:p>
-            <a:pPr indent="0" marL="0">
+            <a:pPr marL="0" indent="0">
               <a:lnSpc>
                 <a:spcPts val="2799"/>
               </a:lnSpc>
               <a:buNone/>
             </a:pPr>
             <a:r>
-              <a:rPr lang="en-US" sz="1750" spc="-35" kern="0" dirty="0">
+              <a:rPr lang="en-US" sz="1750" kern="0" spc="-35" dirty="0">
                 <a:solidFill>
                   <a:srgbClr val="272525"/>
                 </a:solidFill>
@@ -2216,32 +6954,6 @@
           </a:p>
         </p:txBody>
       </p:sp>
-      <p:pic>
-        <p:nvPicPr>
-          <p:cNvPr id="17" name="Image 0" descr="preencoded.png">
-            <a:hlinkClick r:id="rId2" tooltip=""/>
-          </p:cNvPr>
-          <p:cNvPicPr>
-            <a:picLocks noChangeAspect="1"/>
-          </p:cNvPicPr>
-          <p:nvPr/>
-        </p:nvPicPr>
-        <p:blipFill>
-          <a:blip r:embed="rId1"/>
-          <a:stretch>
-            <a:fillRect/>
-          </a:stretch>
-        </p:blipFill>
-        <p:spPr>
-          <a:xfrm>
-            <a:off x="12242153" y="7589520"/>
-            <a:ext cx="2296807" cy="548640"/>
-          </a:xfrm>
-          <a:prstGeom prst="rect">
-            <a:avLst/>
-          </a:prstGeom>
-        </p:spPr>
-      </p:pic>
     </p:spTree>
   </p:cSld>
   <p:clrMapOvr>
@@ -2328,14 +7040,14 @@
           <a:bodyPr wrap="none" rtlCol="0" anchor="t"/>
           <a:lstStyle/>
           <a:p>
-            <a:pPr indent="0" marL="0">
+            <a:pPr marL="0" indent="0">
               <a:lnSpc>
                 <a:spcPts val="5468"/>
               </a:lnSpc>
               <a:buNone/>
             </a:pPr>
             <a:r>
-              <a:rPr lang="en-US" sz="4374" b="1" spc="-131" kern="0" dirty="0">
+              <a:rPr lang="en-US" sz="4374" b="1" kern="0" spc="-131" dirty="0">
                 <a:solidFill>
                   <a:srgbClr val="000000"/>
                 </a:solidFill>
@@ -2370,14 +7082,14 @@
           <a:bodyPr wrap="none" rtlCol="0" anchor="t"/>
           <a:lstStyle/>
           <a:p>
-            <a:pPr indent="0" marL="0">
+            <a:pPr marL="0" indent="0">
               <a:lnSpc>
                 <a:spcPts val="2734"/>
               </a:lnSpc>
               <a:buNone/>
             </a:pPr>
             <a:r>
-              <a:rPr lang="en-US" sz="2187" b="1" spc="-66" kern="0" dirty="0">
+              <a:rPr lang="en-US" sz="2187" b="1" kern="0" spc="-66" dirty="0">
                 <a:solidFill>
                   <a:srgbClr val="000000"/>
                 </a:solidFill>
@@ -2412,14 +7124,14 @@
           <a:bodyPr wrap="square" rtlCol="0" anchor="t"/>
           <a:lstStyle/>
           <a:p>
-            <a:pPr indent="0" marL="0">
+            <a:pPr marL="0" indent="0">
               <a:lnSpc>
                 <a:spcPts val="2799"/>
               </a:lnSpc>
               <a:buNone/>
             </a:pPr>
             <a:r>
-              <a:rPr lang="en-US" sz="1750" spc="-35" kern="0" dirty="0">
+              <a:rPr lang="en-US" sz="1750" kern="0" spc="-35" dirty="0">
                 <a:solidFill>
                   <a:srgbClr val="272525"/>
                 </a:solidFill>
@@ -2454,14 +7166,14 @@
           <a:bodyPr wrap="none" rtlCol="0" anchor="t"/>
           <a:lstStyle/>
           <a:p>
-            <a:pPr indent="0" marL="0">
+            <a:pPr marL="0" indent="0">
               <a:lnSpc>
                 <a:spcPts val="2734"/>
               </a:lnSpc>
               <a:buNone/>
             </a:pPr>
             <a:r>
-              <a:rPr lang="en-US" sz="2187" b="1" spc="-66" kern="0" dirty="0">
+              <a:rPr lang="en-US" sz="2187" b="1" kern="0" spc="-66" dirty="0">
                 <a:solidFill>
                   <a:srgbClr val="000000"/>
                 </a:solidFill>
@@ -2496,14 +7208,14 @@
           <a:bodyPr wrap="square" rtlCol="0" anchor="t"/>
           <a:lstStyle/>
           <a:p>
-            <a:pPr indent="0" marL="0">
+            <a:pPr marL="0" indent="0">
               <a:lnSpc>
                 <a:spcPts val="2799"/>
               </a:lnSpc>
               <a:buNone/>
             </a:pPr>
             <a:r>
-              <a:rPr lang="en-US" sz="1750" spc="-35" kern="0" dirty="0">
+              <a:rPr lang="en-US" sz="1750" kern="0" spc="-35" dirty="0">
                 <a:solidFill>
                   <a:srgbClr val="272525"/>
                 </a:solidFill>
@@ -2538,14 +7250,14 @@
           <a:bodyPr wrap="none" rtlCol="0" anchor="t"/>
           <a:lstStyle/>
           <a:p>
-            <a:pPr indent="0" marL="0">
+            <a:pPr marL="0" indent="0">
               <a:lnSpc>
                 <a:spcPts val="2734"/>
               </a:lnSpc>
               <a:buNone/>
             </a:pPr>
             <a:r>
-              <a:rPr lang="en-US" sz="2187" b="1" spc="-66" kern="0" dirty="0">
+              <a:rPr lang="en-US" sz="2187" b="1" kern="0" spc="-66" dirty="0">
                 <a:solidFill>
                   <a:srgbClr val="000000"/>
                 </a:solidFill>
@@ -2580,14 +7292,14 @@
           <a:bodyPr wrap="square" rtlCol="0" anchor="t"/>
           <a:lstStyle/>
           <a:p>
-            <a:pPr indent="0" marL="0">
+            <a:pPr marL="0" indent="0">
               <a:lnSpc>
                 <a:spcPts val="2799"/>
               </a:lnSpc>
               <a:buNone/>
             </a:pPr>
             <a:r>
-              <a:rPr lang="en-US" sz="1750" spc="-35" kern="0" dirty="0">
+              <a:rPr lang="en-US" sz="1750" kern="0" spc="-35" dirty="0">
                 <a:solidFill>
                   <a:srgbClr val="272525"/>
                 </a:solidFill>
@@ -2601,32 +7313,6 @@
           </a:p>
         </p:txBody>
       </p:sp>
-      <p:pic>
-        <p:nvPicPr>
-          <p:cNvPr id="11" name="Image 0" descr="preencoded.png">
-            <a:hlinkClick r:id="rId2" tooltip=""/>
-          </p:cNvPr>
-          <p:cNvPicPr>
-            <a:picLocks noChangeAspect="1"/>
-          </p:cNvPicPr>
-          <p:nvPr/>
-        </p:nvPicPr>
-        <p:blipFill>
-          <a:blip r:embed="rId1"/>
-          <a:stretch>
-            <a:fillRect/>
-          </a:stretch>
-        </p:blipFill>
-        <p:spPr>
-          <a:xfrm>
-            <a:off x="12242153" y="7589520"/>
-            <a:ext cx="2296807" cy="548640"/>
-          </a:xfrm>
-          <a:prstGeom prst="rect">
-            <a:avLst/>
-          </a:prstGeom>
-        </p:spPr>
-      </p:pic>
     </p:spTree>
   </p:cSld>
   <p:clrMapOvr>
@@ -2694,14 +7380,14 @@
       </p:sp>
       <p:pic>
         <p:nvPicPr>
-          <p:cNvPr id="4" name="Image 0" descr="preencoded.png">    </p:cNvPr>
+          <p:cNvPr id="4" name="Image 0" descr="preencoded.png"/>
           <p:cNvPicPr>
             <a:picLocks noChangeAspect="1"/>
           </p:cNvPicPr>
           <p:nvPr/>
         </p:nvPicPr>
         <p:blipFill>
-          <a:blip r:embed="rId1"/>
+          <a:blip r:embed="rId3"/>
           <a:stretch>
             <a:fillRect/>
           </a:stretch>
@@ -2737,14 +7423,14 @@
           <a:bodyPr wrap="none" rtlCol="0" anchor="t"/>
           <a:lstStyle/>
           <a:p>
-            <a:pPr indent="0" marL="0">
+            <a:pPr marL="0" indent="0">
               <a:lnSpc>
                 <a:spcPts val="5468"/>
               </a:lnSpc>
               <a:buNone/>
             </a:pPr>
             <a:r>
-              <a:rPr lang="en-US" sz="4374" b="1" spc="-131" kern="0" dirty="0">
+              <a:rPr lang="en-US" sz="4374" b="1" kern="0" spc="-131" dirty="0">
                 <a:solidFill>
                   <a:srgbClr val="000000"/>
                 </a:solidFill>
@@ -2850,14 +7536,14 @@
           <a:bodyPr wrap="none" rtlCol="0" anchor="t"/>
           <a:lstStyle/>
           <a:p>
-            <a:pPr algn="ctr" indent="0" marL="0">
+            <a:pPr marL="0" indent="0" algn="ctr">
               <a:lnSpc>
                 <a:spcPts val="3281"/>
               </a:lnSpc>
               <a:buNone/>
             </a:pPr>
             <a:r>
-              <a:rPr lang="en-US" sz="2624" b="1" spc="-79" kern="0" dirty="0">
+              <a:rPr lang="en-US" sz="2624" b="1" kern="0" spc="-79" dirty="0">
                 <a:solidFill>
                   <a:srgbClr val="272525"/>
                 </a:solidFill>
@@ -2892,14 +7578,14 @@
           <a:bodyPr wrap="none" rtlCol="0" anchor="t"/>
           <a:lstStyle/>
           <a:p>
-            <a:pPr algn="l" indent="0" marL="0">
+            <a:pPr marL="0" indent="0" algn="l">
               <a:lnSpc>
                 <a:spcPts val="2734"/>
               </a:lnSpc>
               <a:buNone/>
             </a:pPr>
             <a:r>
-              <a:rPr lang="en-US" sz="2187" b="1" spc="-66" kern="0" dirty="0">
+              <a:rPr lang="en-US" sz="2187" b="1" kern="0" spc="-66" dirty="0">
                 <a:solidFill>
                   <a:srgbClr val="272525"/>
                 </a:solidFill>
@@ -2934,14 +7620,14 @@
           <a:bodyPr wrap="square" rtlCol="0" anchor="t"/>
           <a:lstStyle/>
           <a:p>
-            <a:pPr algn="l" indent="0" marL="0">
+            <a:pPr marL="0" indent="0" algn="l">
               <a:lnSpc>
                 <a:spcPts val="2799"/>
               </a:lnSpc>
               <a:buNone/>
             </a:pPr>
             <a:r>
-              <a:rPr lang="en-US" sz="1750" spc="-35" kern="0" dirty="0">
+              <a:rPr lang="en-US" sz="1750" kern="0" spc="-35" dirty="0">
                 <a:solidFill>
                   <a:srgbClr val="272525"/>
                 </a:solidFill>
@@ -3025,14 +7711,14 @@
           <a:bodyPr wrap="none" rtlCol="0" anchor="t"/>
           <a:lstStyle/>
           <a:p>
-            <a:pPr algn="ctr" indent="0" marL="0">
+            <a:pPr marL="0" indent="0" algn="ctr">
               <a:lnSpc>
                 <a:spcPts val="3281"/>
               </a:lnSpc>
               <a:buNone/>
             </a:pPr>
             <a:r>
-              <a:rPr lang="en-US" sz="2624" b="1" spc="-79" kern="0" dirty="0">
+              <a:rPr lang="en-US" sz="2624" b="1" kern="0" spc="-79" dirty="0">
                 <a:solidFill>
                   <a:srgbClr val="272525"/>
                 </a:solidFill>
@@ -3067,14 +7753,14 @@
           <a:bodyPr wrap="none" rtlCol="0" anchor="t"/>
           <a:lstStyle/>
           <a:p>
-            <a:pPr algn="l" indent="0" marL="0">
+            <a:pPr marL="0" indent="0" algn="l">
               <a:lnSpc>
                 <a:spcPts val="2734"/>
               </a:lnSpc>
               <a:buNone/>
             </a:pPr>
             <a:r>
-              <a:rPr lang="en-US" sz="2187" b="1" spc="-66" kern="0" dirty="0">
+              <a:rPr lang="en-US" sz="2187" b="1" kern="0" spc="-66" dirty="0">
                 <a:solidFill>
                   <a:srgbClr val="272525"/>
                 </a:solidFill>
@@ -3109,14 +7795,14 @@
           <a:bodyPr wrap="square" rtlCol="0" anchor="t"/>
           <a:lstStyle/>
           <a:p>
-            <a:pPr algn="l" indent="0" marL="0">
+            <a:pPr marL="0" indent="0" algn="l">
               <a:lnSpc>
                 <a:spcPts val="2799"/>
               </a:lnSpc>
               <a:buNone/>
             </a:pPr>
             <a:r>
-              <a:rPr lang="en-US" sz="1750" spc="-35" kern="0" dirty="0">
+              <a:rPr lang="en-US" sz="1750" kern="0" spc="-35" dirty="0">
                 <a:solidFill>
                   <a:srgbClr val="272525"/>
                 </a:solidFill>
@@ -3200,14 +7886,14 @@
           <a:bodyPr wrap="none" rtlCol="0" anchor="t"/>
           <a:lstStyle/>
           <a:p>
-            <a:pPr algn="ctr" indent="0" marL="0">
+            <a:pPr marL="0" indent="0" algn="ctr">
               <a:lnSpc>
                 <a:spcPts val="3281"/>
               </a:lnSpc>
               <a:buNone/>
             </a:pPr>
             <a:r>
-              <a:rPr lang="en-US" sz="2624" b="1" spc="-79" kern="0" dirty="0">
+              <a:rPr lang="en-US" sz="2624" b="1" kern="0" spc="-79" dirty="0">
                 <a:solidFill>
                   <a:srgbClr val="272525"/>
                 </a:solidFill>
@@ -3242,14 +7928,14 @@
           <a:bodyPr wrap="none" rtlCol="0" anchor="t"/>
           <a:lstStyle/>
           <a:p>
-            <a:pPr algn="l" indent="0" marL="0">
+            <a:pPr marL="0" indent="0" algn="l">
               <a:lnSpc>
                 <a:spcPts val="2734"/>
               </a:lnSpc>
               <a:buNone/>
             </a:pPr>
             <a:r>
-              <a:rPr lang="en-US" sz="2187" b="1" spc="-66" kern="0" dirty="0">
+              <a:rPr lang="en-US" sz="2187" b="1" kern="0" spc="-66" dirty="0">
                 <a:solidFill>
                   <a:srgbClr val="272525"/>
                 </a:solidFill>
@@ -3284,14 +7970,14 @@
           <a:bodyPr wrap="square" rtlCol="0" anchor="t"/>
           <a:lstStyle/>
           <a:p>
-            <a:pPr algn="l" indent="0" marL="0">
+            <a:pPr marL="0" indent="0" algn="l">
               <a:lnSpc>
                 <a:spcPts val="2799"/>
               </a:lnSpc>
               <a:buNone/>
             </a:pPr>
             <a:r>
-              <a:rPr lang="en-US" sz="1750" spc="-35" kern="0" dirty="0">
+              <a:rPr lang="en-US" sz="1750" kern="0" spc="-35" dirty="0">
                 <a:solidFill>
                   <a:srgbClr val="272525"/>
                 </a:solidFill>
@@ -3305,32 +7991,6 @@
           </a:p>
         </p:txBody>
       </p:sp>
-      <p:pic>
-        <p:nvPicPr>
-          <p:cNvPr id="22" name="Image 1" descr="preencoded.png">
-            <a:hlinkClick r:id="rId3" tooltip=""/>
-          </p:cNvPr>
-          <p:cNvPicPr>
-            <a:picLocks noChangeAspect="1"/>
-          </p:cNvPicPr>
-          <p:nvPr/>
-        </p:nvPicPr>
-        <p:blipFill>
-          <a:blip r:embed="rId2"/>
-          <a:stretch>
-            <a:fillRect/>
-          </a:stretch>
-        </p:blipFill>
-        <p:spPr>
-          <a:xfrm>
-            <a:off x="12242153" y="7589520"/>
-            <a:ext cx="2296807" cy="548640"/>
-          </a:xfrm>
-          <a:prstGeom prst="rect">
-            <a:avLst/>
-          </a:prstGeom>
-        </p:spPr>
-      </p:pic>
     </p:spTree>
   </p:cSld>
   <p:clrMapOvr>
@@ -3417,14 +8077,14 @@
           <a:bodyPr wrap="none" rtlCol="0" anchor="t"/>
           <a:lstStyle/>
           <a:p>
-            <a:pPr indent="0" marL="0">
+            <a:pPr marL="0" indent="0">
               <a:lnSpc>
                 <a:spcPts val="5468"/>
               </a:lnSpc>
               <a:buNone/>
             </a:pPr>
             <a:r>
-              <a:rPr lang="en-US" sz="4374" b="1" spc="-131" kern="0" dirty="0">
+              <a:rPr lang="en-US" sz="4374" b="1" kern="0" spc="-131" dirty="0">
                 <a:solidFill>
                   <a:srgbClr val="000000"/>
                 </a:solidFill>
@@ -3440,14 +8100,14 @@
       </p:sp>
       <p:pic>
         <p:nvPicPr>
-          <p:cNvPr id="5" name="Image 0" descr="preencoded.png">    </p:cNvPr>
+          <p:cNvPr id="5" name="Image 0" descr="preencoded.png"/>
           <p:cNvPicPr>
             <a:picLocks noChangeAspect="1"/>
           </p:cNvPicPr>
           <p:nvPr/>
         </p:nvPicPr>
         <p:blipFill>
-          <a:blip r:embed="rId1"/>
+          <a:blip r:embed="rId3"/>
           <a:stretch>
             <a:fillRect/>
           </a:stretch>
@@ -3483,14 +8143,14 @@
           <a:bodyPr wrap="none" rtlCol="0" anchor="t"/>
           <a:lstStyle/>
           <a:p>
-            <a:pPr algn="l" indent="0" marL="0">
+            <a:pPr marL="0" indent="0" algn="l">
               <a:lnSpc>
                 <a:spcPts val="2734"/>
               </a:lnSpc>
               <a:buNone/>
             </a:pPr>
             <a:r>
-              <a:rPr lang="en-US" sz="2187" b="1" spc="-66" kern="0" dirty="0">
+              <a:rPr lang="en-US" sz="2187" b="1" kern="0" spc="-66" dirty="0">
                 <a:solidFill>
                   <a:srgbClr val="272525"/>
                 </a:solidFill>
@@ -3525,14 +8185,14 @@
           <a:bodyPr wrap="square" rtlCol="0" anchor="t"/>
           <a:lstStyle/>
           <a:p>
-            <a:pPr algn="l" indent="0" marL="0">
+            <a:pPr marL="0" indent="0" algn="l">
               <a:lnSpc>
                 <a:spcPts val="2799"/>
               </a:lnSpc>
               <a:buNone/>
             </a:pPr>
             <a:r>
-              <a:rPr lang="en-US" sz="1750" spc="-35" kern="0" dirty="0">
+              <a:rPr lang="en-US" sz="1750" kern="0" spc="-35" dirty="0">
                 <a:solidFill>
                   <a:srgbClr val="272525"/>
                 </a:solidFill>
@@ -3548,14 +8208,14 @@
       </p:sp>
       <p:pic>
         <p:nvPicPr>
-          <p:cNvPr id="8" name="Image 1" descr="preencoded.png">    </p:cNvPr>
+          <p:cNvPr id="8" name="Image 1" descr="preencoded.png"/>
           <p:cNvPicPr>
             <a:picLocks noChangeAspect="1"/>
           </p:cNvPicPr>
           <p:nvPr/>
         </p:nvPicPr>
         <p:blipFill>
-          <a:blip r:embed="rId2"/>
+          <a:blip r:embed="rId4"/>
           <a:stretch>
             <a:fillRect/>
           </a:stretch>
@@ -3591,14 +8251,14 @@
           <a:bodyPr wrap="none" rtlCol="0" anchor="t"/>
           <a:lstStyle/>
           <a:p>
-            <a:pPr algn="l" indent="0" marL="0">
+            <a:pPr marL="0" indent="0" algn="l">
               <a:lnSpc>
                 <a:spcPts val="2734"/>
               </a:lnSpc>
               <a:buNone/>
             </a:pPr>
             <a:r>
-              <a:rPr lang="en-US" sz="2187" b="1" spc="-66" kern="0" dirty="0">
+              <a:rPr lang="en-US" sz="2187" b="1" kern="0" spc="-66" dirty="0">
                 <a:solidFill>
                   <a:srgbClr val="272525"/>
                 </a:solidFill>
@@ -3633,14 +8293,14 @@
           <a:bodyPr wrap="square" rtlCol="0" anchor="t"/>
           <a:lstStyle/>
           <a:p>
-            <a:pPr algn="l" indent="0" marL="0">
+            <a:pPr marL="0" indent="0" algn="l">
               <a:lnSpc>
                 <a:spcPts val="2799"/>
               </a:lnSpc>
               <a:buNone/>
             </a:pPr>
             <a:r>
-              <a:rPr lang="en-US" sz="1750" spc="-35" kern="0" dirty="0">
+              <a:rPr lang="en-US" sz="1750" kern="0" spc="-35" dirty="0">
                 <a:solidFill>
                   <a:srgbClr val="272525"/>
                 </a:solidFill>
@@ -3654,32 +8314,6 @@
           </a:p>
         </p:txBody>
       </p:sp>
-      <p:pic>
-        <p:nvPicPr>
-          <p:cNvPr id="11" name="Image 2" descr="preencoded.png">
-            <a:hlinkClick r:id="rId4" tooltip=""/>
-          </p:cNvPr>
-          <p:cNvPicPr>
-            <a:picLocks noChangeAspect="1"/>
-          </p:cNvPicPr>
-          <p:nvPr/>
-        </p:nvPicPr>
-        <p:blipFill>
-          <a:blip r:embed="rId3"/>
-          <a:stretch>
-            <a:fillRect/>
-          </a:stretch>
-        </p:blipFill>
-        <p:spPr>
-          <a:xfrm>
-            <a:off x="12242153" y="7589520"/>
-            <a:ext cx="2296807" cy="548640"/>
-          </a:xfrm>
-          <a:prstGeom prst="rect">
-            <a:avLst/>
-          </a:prstGeom>
-        </p:spPr>
-      </p:pic>
     </p:spTree>
   </p:cSld>
   <p:clrMapOvr>
@@ -3733,7 +8367,7 @@
         </p:nvSpPr>
         <p:spPr>
           <a:xfrm>
-            <a:off x="0" y="0"/>
+            <a:off x="-111085" y="-74831"/>
             <a:ext cx="14630400" cy="8229600"/>
           </a:xfrm>
           <a:prstGeom prst="rect">
@@ -3766,14 +8400,14 @@
           <a:bodyPr wrap="none" rtlCol="0" anchor="t"/>
           <a:lstStyle/>
           <a:p>
-            <a:pPr indent="0" marL="0">
+            <a:pPr marL="0" indent="0">
               <a:lnSpc>
                 <a:spcPts val="5468"/>
               </a:lnSpc>
               <a:buNone/>
             </a:pPr>
             <a:r>
-              <a:rPr lang="en-US" sz="4374" b="1" spc="-131" kern="0" dirty="0">
+              <a:rPr lang="en-US" sz="4374" b="1" kern="0" spc="-131" dirty="0">
                 <a:solidFill>
                   <a:srgbClr val="000000"/>
                 </a:solidFill>
@@ -3835,14 +8469,14 @@
           <a:bodyPr wrap="none" rtlCol="0" anchor="t"/>
           <a:lstStyle/>
           <a:p>
-            <a:pPr algn="ctr" indent="0" marL="0">
+            <a:pPr marL="0" indent="0" algn="ctr">
               <a:lnSpc>
                 <a:spcPts val="3281"/>
               </a:lnSpc>
               <a:buNone/>
             </a:pPr>
             <a:r>
-              <a:rPr lang="en-US" sz="2624" b="1" spc="-79" kern="0" dirty="0">
+              <a:rPr lang="en-US" sz="2624" b="1" kern="0" spc="-79" dirty="0">
                 <a:solidFill>
                   <a:srgbClr val="272525"/>
                 </a:solidFill>
@@ -3877,14 +8511,14 @@
           <a:bodyPr wrap="none" rtlCol="0" anchor="t"/>
           <a:lstStyle/>
           <a:p>
-            <a:pPr indent="0" marL="0">
+            <a:pPr marL="0" indent="0">
               <a:lnSpc>
                 <a:spcPts val="2734"/>
               </a:lnSpc>
               <a:buNone/>
             </a:pPr>
             <a:r>
-              <a:rPr lang="en-US" sz="2187" b="1" spc="-66" kern="0" dirty="0">
+              <a:rPr lang="en-US" sz="2187" b="1" kern="0" spc="-66" dirty="0">
                 <a:solidFill>
                   <a:srgbClr val="272525"/>
                 </a:solidFill>
@@ -3919,14 +8553,14 @@
           <a:bodyPr wrap="square" rtlCol="0" anchor="t"/>
           <a:lstStyle/>
           <a:p>
-            <a:pPr indent="0" marL="0">
+            <a:pPr marL="0" indent="0">
               <a:lnSpc>
                 <a:spcPts val="2799"/>
               </a:lnSpc>
               <a:buNone/>
             </a:pPr>
             <a:r>
-              <a:rPr lang="en-US" sz="1750" spc="-35" kern="0" dirty="0">
+              <a:rPr lang="en-US" sz="1750" kern="0" spc="-35" dirty="0">
                 <a:solidFill>
                   <a:srgbClr val="272525"/>
                 </a:solidFill>
@@ -3988,14 +8622,14 @@
           <a:bodyPr wrap="none" rtlCol="0" anchor="t"/>
           <a:lstStyle/>
           <a:p>
-            <a:pPr algn="ctr" indent="0" marL="0">
+            <a:pPr marL="0" indent="0" algn="ctr">
               <a:lnSpc>
                 <a:spcPts val="3281"/>
               </a:lnSpc>
               <a:buNone/>
             </a:pPr>
             <a:r>
-              <a:rPr lang="en-US" sz="2624" b="1" spc="-79" kern="0" dirty="0">
+              <a:rPr lang="en-US" sz="2624" b="1" kern="0" spc="-79" dirty="0">
                 <a:solidFill>
                   <a:srgbClr val="272525"/>
                 </a:solidFill>
@@ -4030,14 +8664,14 @@
           <a:bodyPr wrap="none" rtlCol="0" anchor="t"/>
           <a:lstStyle/>
           <a:p>
-            <a:pPr indent="0" marL="0">
+            <a:pPr marL="0" indent="0">
               <a:lnSpc>
                 <a:spcPts val="2734"/>
               </a:lnSpc>
               <a:buNone/>
             </a:pPr>
             <a:r>
-              <a:rPr lang="en-US" sz="2187" b="1" spc="-66" kern="0" dirty="0">
+              <a:rPr lang="en-US" sz="2187" b="1" kern="0" spc="-66" dirty="0">
                 <a:solidFill>
                   <a:srgbClr val="272525"/>
                 </a:solidFill>
@@ -4072,14 +8706,14 @@
           <a:bodyPr wrap="square" rtlCol="0" anchor="t"/>
           <a:lstStyle/>
           <a:p>
-            <a:pPr indent="0" marL="0">
+            <a:pPr marL="0" indent="0">
               <a:lnSpc>
                 <a:spcPts val="2799"/>
               </a:lnSpc>
               <a:buNone/>
             </a:pPr>
             <a:r>
-              <a:rPr lang="en-US" sz="1750" spc="-35" kern="0" dirty="0">
+              <a:rPr lang="en-US" sz="1750" kern="0" spc="-35" dirty="0">
                 <a:solidFill>
                   <a:srgbClr val="272525"/>
                 </a:solidFill>
@@ -4141,14 +8775,14 @@
           <a:bodyPr wrap="none" rtlCol="0" anchor="t"/>
           <a:lstStyle/>
           <a:p>
-            <a:pPr algn="ctr" indent="0" marL="0">
+            <a:pPr marL="0" indent="0" algn="ctr">
               <a:lnSpc>
                 <a:spcPts val="3281"/>
               </a:lnSpc>
               <a:buNone/>
             </a:pPr>
             <a:r>
-              <a:rPr lang="en-US" sz="2624" b="1" spc="-79" kern="0" dirty="0">
+              <a:rPr lang="en-US" sz="2624" b="1" kern="0" spc="-79" dirty="0">
                 <a:solidFill>
                   <a:srgbClr val="272525"/>
                 </a:solidFill>
@@ -4183,14 +8817,14 @@
           <a:bodyPr wrap="none" rtlCol="0" anchor="t"/>
           <a:lstStyle/>
           <a:p>
-            <a:pPr indent="0" marL="0">
+            <a:pPr marL="0" indent="0">
               <a:lnSpc>
                 <a:spcPts val="2734"/>
               </a:lnSpc>
               <a:buNone/>
             </a:pPr>
             <a:r>
-              <a:rPr lang="en-US" sz="2187" b="1" spc="-66" kern="0" dirty="0">
+              <a:rPr lang="en-US" sz="2187" b="1" kern="0" spc="-66" dirty="0">
                 <a:solidFill>
                   <a:srgbClr val="272525"/>
                 </a:solidFill>
@@ -4225,14 +8859,14 @@
           <a:bodyPr wrap="square" rtlCol="0" anchor="t"/>
           <a:lstStyle/>
           <a:p>
-            <a:pPr indent="0" marL="0">
+            <a:pPr marL="0" indent="0">
               <a:lnSpc>
                 <a:spcPts val="2799"/>
               </a:lnSpc>
               <a:buNone/>
             </a:pPr>
             <a:r>
-              <a:rPr lang="en-US" sz="1750" spc="-35" kern="0" dirty="0">
+              <a:rPr lang="en-US" sz="1750" kern="0" spc="-35" dirty="0">
                 <a:solidFill>
                   <a:srgbClr val="272525"/>
                 </a:solidFill>
@@ -4294,14 +8928,14 @@
           <a:bodyPr wrap="none" rtlCol="0" anchor="t"/>
           <a:lstStyle/>
           <a:p>
-            <a:pPr algn="ctr" indent="0" marL="0">
+            <a:pPr marL="0" indent="0" algn="ctr">
               <a:lnSpc>
                 <a:spcPts val="3281"/>
               </a:lnSpc>
               <a:buNone/>
             </a:pPr>
             <a:r>
-              <a:rPr lang="en-US" sz="2624" b="1" spc="-79" kern="0" dirty="0">
+              <a:rPr lang="en-US" sz="2624" b="1" kern="0" spc="-79" dirty="0">
                 <a:solidFill>
                   <a:srgbClr val="272525"/>
                 </a:solidFill>
@@ -4336,14 +8970,14 @@
           <a:bodyPr wrap="square" rtlCol="0" anchor="t"/>
           <a:lstStyle/>
           <a:p>
-            <a:pPr indent="0" marL="0">
+            <a:pPr marL="0" indent="0">
               <a:lnSpc>
                 <a:spcPts val="2734"/>
               </a:lnSpc>
               <a:buNone/>
             </a:pPr>
             <a:r>
-              <a:rPr lang="en-US" sz="2187" b="1" spc="-66" kern="0" dirty="0">
+              <a:rPr lang="en-US" sz="2187" b="1" kern="0" spc="-66" dirty="0">
                 <a:solidFill>
                   <a:srgbClr val="272525"/>
                 </a:solidFill>
@@ -4365,7 +8999,7 @@
         </p:nvSpPr>
         <p:spPr>
           <a:xfrm>
-            <a:off x="8148399" y="5872758"/>
+            <a:off x="8148399" y="5525572"/>
             <a:ext cx="4444008" cy="710803"/>
           </a:xfrm>
           <a:prstGeom prst="rect">
@@ -4378,14 +9012,14 @@
           <a:bodyPr wrap="square" rtlCol="0" anchor="t"/>
           <a:lstStyle/>
           <a:p>
-            <a:pPr indent="0" marL="0">
+            <a:pPr marL="0" indent="0">
               <a:lnSpc>
                 <a:spcPts val="2799"/>
               </a:lnSpc>
               <a:buNone/>
             </a:pPr>
             <a:r>
-              <a:rPr lang="en-US" sz="1750" spc="-35" kern="0" dirty="0">
+              <a:rPr lang="en-US" sz="1750" kern="0" spc="-35" dirty="0">
                 <a:solidFill>
                   <a:srgbClr val="272525"/>
                 </a:solidFill>
@@ -4399,32 +9033,6 @@
           </a:p>
         </p:txBody>
       </p:sp>
-      <p:pic>
-        <p:nvPicPr>
-          <p:cNvPr id="21" name="Image 0" descr="preencoded.png">
-            <a:hlinkClick r:id="rId2" tooltip=""/>
-          </p:cNvPr>
-          <p:cNvPicPr>
-            <a:picLocks noChangeAspect="1"/>
-          </p:cNvPicPr>
-          <p:nvPr/>
-        </p:nvPicPr>
-        <p:blipFill>
-          <a:blip r:embed="rId1"/>
-          <a:stretch>
-            <a:fillRect/>
-          </a:stretch>
-        </p:blipFill>
-        <p:spPr>
-          <a:xfrm>
-            <a:off x="12242153" y="7589520"/>
-            <a:ext cx="2296807" cy="548640"/>
-          </a:xfrm>
-          <a:prstGeom prst="rect">
-            <a:avLst/>
-          </a:prstGeom>
-        </p:spPr>
-      </p:pic>
     </p:spTree>
   </p:cSld>
   <p:clrMapOvr>
@@ -4511,14 +9119,14 @@
           <a:bodyPr wrap="none" rtlCol="0" anchor="t"/>
           <a:lstStyle/>
           <a:p>
-            <a:pPr indent="0" marL="0">
+            <a:pPr marL="0" indent="0">
               <a:lnSpc>
                 <a:spcPts val="5468"/>
               </a:lnSpc>
               <a:buNone/>
             </a:pPr>
             <a:r>
-              <a:rPr lang="en-US" sz="4374" b="1" spc="-131" kern="0" dirty="0">
+              <a:rPr lang="en-US" sz="4374" b="1" kern="0" spc="-131" dirty="0">
                 <a:solidFill>
                   <a:srgbClr val="000000"/>
                 </a:solidFill>
@@ -4580,14 +9188,14 @@
           <a:bodyPr wrap="none" rtlCol="0" anchor="t"/>
           <a:lstStyle/>
           <a:p>
-            <a:pPr indent="0" marL="0">
+            <a:pPr marL="0" indent="0">
               <a:lnSpc>
                 <a:spcPts val="2734"/>
               </a:lnSpc>
               <a:buNone/>
             </a:pPr>
             <a:r>
-              <a:rPr lang="en-US" sz="2187" b="1" spc="-66" kern="0" dirty="0">
+              <a:rPr lang="en-US" sz="2187" b="1" kern="0" spc="-66" dirty="0">
                 <a:solidFill>
                   <a:srgbClr val="272525"/>
                 </a:solidFill>
@@ -4622,14 +9230,14 @@
           <a:bodyPr wrap="square" rtlCol="0" anchor="t"/>
           <a:lstStyle/>
           <a:p>
-            <a:pPr indent="0" marL="0">
+            <a:pPr marL="0" indent="0">
               <a:lnSpc>
                 <a:spcPts val="2799"/>
               </a:lnSpc>
               <a:buNone/>
             </a:pPr>
             <a:r>
-              <a:rPr lang="en-US" sz="1750" spc="-35" kern="0" dirty="0">
+              <a:rPr lang="en-US" sz="1750" kern="0" spc="-35" dirty="0">
                 <a:solidFill>
                   <a:srgbClr val="272525"/>
                 </a:solidFill>
@@ -4691,14 +9299,14 @@
           <a:bodyPr wrap="none" rtlCol="0" anchor="t"/>
           <a:lstStyle/>
           <a:p>
-            <a:pPr indent="0" marL="0">
+            <a:pPr marL="0" indent="0">
               <a:lnSpc>
                 <a:spcPts val="2734"/>
               </a:lnSpc>
               <a:buNone/>
             </a:pPr>
             <a:r>
-              <a:rPr lang="en-US" sz="2187" b="1" spc="-66" kern="0" dirty="0">
+              <a:rPr lang="en-US" sz="2187" b="1" kern="0" spc="-66" dirty="0">
                 <a:solidFill>
                   <a:srgbClr val="272525"/>
                 </a:solidFill>
@@ -4733,14 +9341,14 @@
           <a:bodyPr wrap="square" rtlCol="0" anchor="t"/>
           <a:lstStyle/>
           <a:p>
-            <a:pPr indent="0" marL="0">
+            <a:pPr marL="0" indent="0">
               <a:lnSpc>
                 <a:spcPts val="2799"/>
               </a:lnSpc>
               <a:buNone/>
             </a:pPr>
             <a:r>
-              <a:rPr lang="en-US" sz="1750" spc="-35" kern="0" dirty="0">
+              <a:rPr lang="en-US" sz="1750" kern="0" spc="-35" dirty="0">
                 <a:solidFill>
                   <a:srgbClr val="272525"/>
                 </a:solidFill>
@@ -4802,14 +9410,14 @@
           <a:bodyPr wrap="none" rtlCol="0" anchor="t"/>
           <a:lstStyle/>
           <a:p>
-            <a:pPr indent="0" marL="0">
+            <a:pPr marL="0" indent="0">
               <a:lnSpc>
                 <a:spcPts val="2734"/>
               </a:lnSpc>
               <a:buNone/>
             </a:pPr>
             <a:r>
-              <a:rPr lang="en-US" sz="2187" b="1" spc="-66" kern="0" dirty="0">
+              <a:rPr lang="en-US" sz="2187" b="1" kern="0" spc="-66" dirty="0">
                 <a:solidFill>
                   <a:srgbClr val="272525"/>
                 </a:solidFill>
@@ -4844,14 +9452,14 @@
           <a:bodyPr wrap="square" rtlCol="0" anchor="t"/>
           <a:lstStyle/>
           <a:p>
-            <a:pPr indent="0" marL="0">
+            <a:pPr marL="0" indent="0">
               <a:lnSpc>
                 <a:spcPts val="2799"/>
               </a:lnSpc>
               <a:buNone/>
             </a:pPr>
             <a:r>
-              <a:rPr lang="en-US" sz="1750" spc="-35" kern="0" dirty="0">
+              <a:rPr lang="en-US" sz="1750" kern="0" spc="-35" dirty="0">
                 <a:solidFill>
                   <a:srgbClr val="272525"/>
                 </a:solidFill>
@@ -4865,32 +9473,6 @@
           </a:p>
         </p:txBody>
       </p:sp>
-      <p:pic>
-        <p:nvPicPr>
-          <p:cNvPr id="14" name="Image 0" descr="preencoded.png">
-            <a:hlinkClick r:id="rId2" tooltip=""/>
-          </p:cNvPr>
-          <p:cNvPicPr>
-            <a:picLocks noChangeAspect="1"/>
-          </p:cNvPicPr>
-          <p:nvPr/>
-        </p:nvPicPr>
-        <p:blipFill>
-          <a:blip r:embed="rId1"/>
-          <a:stretch>
-            <a:fillRect/>
-          </a:stretch>
-        </p:blipFill>
-        <p:spPr>
-          <a:xfrm>
-            <a:off x="12242153" y="7589520"/>
-            <a:ext cx="2296807" cy="548640"/>
-          </a:xfrm>
-          <a:prstGeom prst="rect">
-            <a:avLst/>
-          </a:prstGeom>
-        </p:spPr>
-      </p:pic>
     </p:spTree>
   </p:cSld>
   <p:clrMapOvr>
@@ -4977,14 +9559,14 @@
           <a:bodyPr wrap="none" rtlCol="0" anchor="t"/>
           <a:lstStyle/>
           <a:p>
-            <a:pPr indent="0" marL="0">
+            <a:pPr marL="0" indent="0">
               <a:lnSpc>
                 <a:spcPts val="5468"/>
               </a:lnSpc>
               <a:buNone/>
             </a:pPr>
             <a:r>
-              <a:rPr lang="en-US" sz="4374" b="1" spc="-131" kern="0" dirty="0">
+              <a:rPr lang="en-US" sz="4374" b="1" kern="0" spc="-131" dirty="0">
                 <a:solidFill>
                   <a:srgbClr val="000000"/>
                 </a:solidFill>
@@ -5000,14 +9582,14 @@
       </p:sp>
       <p:pic>
         <p:nvPicPr>
-          <p:cNvPr id="5" name="Image 0" descr="preencoded.png">    </p:cNvPr>
+          <p:cNvPr id="5" name="Image 0" descr="preencoded.png"/>
           <p:cNvPicPr>
             <a:picLocks noChangeAspect="1"/>
           </p:cNvPicPr>
           <p:nvPr/>
         </p:nvPicPr>
         <p:blipFill>
-          <a:blip r:embed="rId1"/>
+          <a:blip r:embed="rId3"/>
           <a:stretch>
             <a:fillRect/>
           </a:stretch>
@@ -5043,14 +9625,14 @@
           <a:bodyPr wrap="none" rtlCol="0" anchor="t"/>
           <a:lstStyle/>
           <a:p>
-            <a:pPr algn="l" indent="0" marL="0">
+            <a:pPr marL="0" indent="0" algn="l">
               <a:lnSpc>
                 <a:spcPts val="2734"/>
               </a:lnSpc>
               <a:buNone/>
             </a:pPr>
             <a:r>
-              <a:rPr lang="en-US" sz="2187" b="1" spc="-66" kern="0" dirty="0">
+              <a:rPr lang="en-US" sz="2187" b="1" kern="0" spc="-66" dirty="0">
                 <a:solidFill>
                   <a:srgbClr val="272525"/>
                 </a:solidFill>
@@ -5072,7 +9654,7 @@
         </p:nvSpPr>
         <p:spPr>
           <a:xfrm>
-            <a:off x="2260163" y="4891088"/>
+            <a:off x="2260163" y="5427523"/>
             <a:ext cx="3073718" cy="710803"/>
           </a:xfrm>
           <a:prstGeom prst="rect">
@@ -5085,14 +9667,14 @@
           <a:bodyPr wrap="square" rtlCol="0" anchor="t"/>
           <a:lstStyle/>
           <a:p>
-            <a:pPr algn="l" indent="0" marL="0">
+            <a:pPr marL="0" indent="0" algn="l">
               <a:lnSpc>
                 <a:spcPts val="2799"/>
               </a:lnSpc>
               <a:buNone/>
             </a:pPr>
             <a:r>
-              <a:rPr lang="en-US" sz="1750" spc="-35" kern="0" dirty="0">
+              <a:rPr lang="en-US" sz="1750" kern="0" spc="-35" dirty="0">
                 <a:solidFill>
                   <a:srgbClr val="272525"/>
                 </a:solidFill>
@@ -5108,14 +9690,14 @@
       </p:sp>
       <p:pic>
         <p:nvPicPr>
-          <p:cNvPr id="8" name="Image 1" descr="preencoded.png">    </p:cNvPr>
+          <p:cNvPr id="8" name="Image 1" descr="preencoded.png"/>
           <p:cNvPicPr>
             <a:picLocks noChangeAspect="1"/>
           </p:cNvPicPr>
           <p:nvPr/>
         </p:nvPicPr>
         <p:blipFill>
-          <a:blip r:embed="rId2"/>
+          <a:blip r:embed="rId4"/>
           <a:stretch>
             <a:fillRect/>
           </a:stretch>
@@ -5151,14 +9733,14 @@
           <a:bodyPr wrap="none" rtlCol="0" anchor="t"/>
           <a:lstStyle/>
           <a:p>
-            <a:pPr algn="l" indent="0" marL="0">
+            <a:pPr marL="0" indent="0" algn="l">
               <a:lnSpc>
                 <a:spcPts val="2734"/>
               </a:lnSpc>
               <a:buNone/>
             </a:pPr>
             <a:r>
-              <a:rPr lang="en-US" sz="2187" b="1" spc="-66" kern="0" dirty="0">
+              <a:rPr lang="en-US" sz="2187" b="1" kern="0" spc="-66" dirty="0">
                 <a:solidFill>
                   <a:srgbClr val="272525"/>
                 </a:solidFill>
@@ -5180,7 +9762,7 @@
         </p:nvSpPr>
         <p:spPr>
           <a:xfrm>
-            <a:off x="5778222" y="4891088"/>
+            <a:off x="5778222" y="5292399"/>
             <a:ext cx="3073837" cy="1066205"/>
           </a:xfrm>
           <a:prstGeom prst="rect">
@@ -5193,14 +9775,14 @@
           <a:bodyPr wrap="square" rtlCol="0" anchor="t"/>
           <a:lstStyle/>
           <a:p>
-            <a:pPr algn="l" indent="0" marL="0">
+            <a:pPr marL="0" indent="0" algn="l">
               <a:lnSpc>
                 <a:spcPts val="2799"/>
               </a:lnSpc>
               <a:buNone/>
             </a:pPr>
             <a:r>
-              <a:rPr lang="en-US" sz="1750" spc="-35" kern="0" dirty="0">
+              <a:rPr lang="en-US" sz="1750" kern="0" spc="-35" dirty="0">
                 <a:solidFill>
                   <a:srgbClr val="272525"/>
                 </a:solidFill>
@@ -5216,14 +9798,14 @@
       </p:sp>
       <p:pic>
         <p:nvPicPr>
-          <p:cNvPr id="11" name="Image 2" descr="preencoded.png">    </p:cNvPr>
+          <p:cNvPr id="11" name="Image 2" descr="preencoded.png"/>
           <p:cNvPicPr>
             <a:picLocks noChangeAspect="1"/>
           </p:cNvPicPr>
           <p:nvPr/>
         </p:nvPicPr>
         <p:blipFill>
-          <a:blip r:embed="rId3"/>
+          <a:blip r:embed="rId5"/>
           <a:stretch>
             <a:fillRect/>
           </a:stretch>
@@ -5259,14 +9841,14 @@
           <a:bodyPr wrap="square" rtlCol="0" anchor="t"/>
           <a:lstStyle/>
           <a:p>
-            <a:pPr algn="l" indent="0" marL="0">
+            <a:pPr marL="0" indent="0" algn="l">
               <a:lnSpc>
                 <a:spcPts val="2734"/>
               </a:lnSpc>
               <a:buNone/>
             </a:pPr>
             <a:r>
-              <a:rPr lang="en-US" sz="2187" b="1" spc="-66" kern="0" dirty="0">
+              <a:rPr lang="en-US" sz="2187" b="1" kern="0" spc="-66" dirty="0">
                 <a:solidFill>
                   <a:srgbClr val="272525"/>
                 </a:solidFill>
@@ -5301,14 +9883,14 @@
           <a:bodyPr wrap="square" rtlCol="0" anchor="t"/>
           <a:lstStyle/>
           <a:p>
-            <a:pPr algn="l" indent="0" marL="0">
+            <a:pPr marL="0" indent="0" algn="l">
               <a:lnSpc>
                 <a:spcPts val="2799"/>
               </a:lnSpc>
               <a:buNone/>
             </a:pPr>
             <a:r>
-              <a:rPr lang="en-US" sz="1750" spc="-35" kern="0" dirty="0">
+              <a:rPr lang="en-US" sz="1750" kern="0" spc="-35" dirty="0">
                 <a:solidFill>
                   <a:srgbClr val="272525"/>
                 </a:solidFill>
@@ -5322,32 +9904,6 @@
           </a:p>
         </p:txBody>
       </p:sp>
-      <p:pic>
-        <p:nvPicPr>
-          <p:cNvPr id="14" name="Image 3" descr="preencoded.png">
-            <a:hlinkClick r:id="rId5" tooltip=""/>
-          </p:cNvPr>
-          <p:cNvPicPr>
-            <a:picLocks noChangeAspect="1"/>
-          </p:cNvPicPr>
-          <p:nvPr/>
-        </p:nvPicPr>
-        <p:blipFill>
-          <a:blip r:embed="rId4"/>
-          <a:stretch>
-            <a:fillRect/>
-          </a:stretch>
-        </p:blipFill>
-        <p:spPr>
-          <a:xfrm>
-            <a:off x="12242153" y="7589520"/>
-            <a:ext cx="2296807" cy="548640"/>
-          </a:xfrm>
-          <a:prstGeom prst="rect">
-            <a:avLst/>
-          </a:prstGeom>
-        </p:spPr>
-      </p:pic>
     </p:spTree>
   </p:cSld>
   <p:clrMapOvr>
@@ -5649,4 +10205,299 @@
     </a:ext>
   </a:extLst>
 </a:theme>
+</file>
+
+<file path=ppt/theme/theme2.xml><?xml version="1.0" encoding="utf-8"?>
+<a:theme xmlns:a="http://schemas.openxmlformats.org/drawingml/2006/main" name="Тема Office">
+  <a:themeElements>
+    <a:clrScheme name="Стандартная">
+      <a:dk1>
+        <a:sysClr val="windowText" lastClr="000000"/>
+      </a:dk1>
+      <a:lt1>
+        <a:sysClr val="window" lastClr="FFFFFF"/>
+      </a:lt1>
+      <a:dk2>
+        <a:srgbClr val="44546A"/>
+      </a:dk2>
+      <a:lt2>
+        <a:srgbClr val="E7E6E6"/>
+      </a:lt2>
+      <a:accent1>
+        <a:srgbClr val="4472C4"/>
+      </a:accent1>
+      <a:accent2>
+        <a:srgbClr val="ED7D31"/>
+      </a:accent2>
+      <a:accent3>
+        <a:srgbClr val="A5A5A5"/>
+      </a:accent3>
+      <a:accent4>
+        <a:srgbClr val="FFC000"/>
+      </a:accent4>
+      <a:accent5>
+        <a:srgbClr val="5B9BD5"/>
+      </a:accent5>
+      <a:accent6>
+        <a:srgbClr val="70AD47"/>
+      </a:accent6>
+      <a:hlink>
+        <a:srgbClr val="0563C1"/>
+      </a:hlink>
+      <a:folHlink>
+        <a:srgbClr val="954F72"/>
+      </a:folHlink>
+    </a:clrScheme>
+    <a:fontScheme name="Стандартная">
+      <a:majorFont>
+        <a:latin typeface="Calibri Light" panose="020F0302020204030204"/>
+        <a:ea typeface=""/>
+        <a:cs typeface=""/>
+        <a:font script="Jpan" typeface="游ゴシック Light"/>
+        <a:font script="Hang" typeface="맑은 고딕"/>
+        <a:font script="Hans" typeface="等线 Light"/>
+        <a:font script="Hant" typeface="新細明體"/>
+        <a:font script="Arab" typeface="Times New Roman"/>
+        <a:font script="Hebr" typeface="Times New Roman"/>
+        <a:font script="Thai" typeface="Angsana New"/>
+        <a:font script="Ethi" typeface="Nyala"/>
+        <a:font script="Beng" typeface="Vrinda"/>
+        <a:font script="Gujr" typeface="Shruti"/>
+        <a:font script="Khmr" typeface="MoolBoran"/>
+        <a:font script="Knda" typeface="Tunga"/>
+        <a:font script="Guru" typeface="Raavi"/>
+        <a:font script="Cans" typeface="Euphemia"/>
+        <a:font script="Cher" typeface="Plantagenet Cherokee"/>
+        <a:font script="Yiii" typeface="Microsoft Yi Baiti"/>
+        <a:font script="Tibt" typeface="Microsoft Himalaya"/>
+        <a:font script="Thaa" typeface="MV Boli"/>
+        <a:font script="Deva" typeface="Mangal"/>
+        <a:font script="Telu" typeface="Gautami"/>
+        <a:font script="Taml" typeface="Latha"/>
+        <a:font script="Syrc" typeface="Estrangelo Edessa"/>
+        <a:font script="Orya" typeface="Kalinga"/>
+        <a:font script="Mlym" typeface="Kartika"/>
+        <a:font script="Laoo" typeface="DokChampa"/>
+        <a:font script="Sinh" typeface="Iskoola Pota"/>
+        <a:font script="Mong" typeface="Mongolian Baiti"/>
+        <a:font script="Viet" typeface="Times New Roman"/>
+        <a:font script="Uigh" typeface="Microsoft Uighur"/>
+        <a:font script="Geor" typeface="Sylfaen"/>
+        <a:font script="Armn" typeface="Arial"/>
+        <a:font script="Bugi" typeface="Leelawadee UI"/>
+        <a:font script="Bopo" typeface="Microsoft JhengHei"/>
+        <a:font script="Java" typeface="Javanese Text"/>
+        <a:font script="Lisu" typeface="Segoe UI"/>
+        <a:font script="Mymr" typeface="Myanmar Text"/>
+        <a:font script="Nkoo" typeface="Ebrima"/>
+        <a:font script="Olck" typeface="Nirmala UI"/>
+        <a:font script="Osma" typeface="Ebrima"/>
+        <a:font script="Phag" typeface="Phagspa"/>
+        <a:font script="Syrn" typeface="Estrangelo Edessa"/>
+        <a:font script="Syrj" typeface="Estrangelo Edessa"/>
+        <a:font script="Syre" typeface="Estrangelo Edessa"/>
+        <a:font script="Sora" typeface="Nirmala UI"/>
+        <a:font script="Tale" typeface="Microsoft Tai Le"/>
+        <a:font script="Talu" typeface="Microsoft New Tai Lue"/>
+        <a:font script="Tfng" typeface="Ebrima"/>
+      </a:majorFont>
+      <a:minorFont>
+        <a:latin typeface="Calibri" panose="020F0502020204030204"/>
+        <a:ea typeface=""/>
+        <a:cs typeface=""/>
+        <a:font script="Jpan" typeface="游ゴシック"/>
+        <a:font script="Hang" typeface="맑은 고딕"/>
+        <a:font script="Hans" typeface="等线"/>
+        <a:font script="Hant" typeface="新細明體"/>
+        <a:font script="Arab" typeface="Arial"/>
+        <a:font script="Hebr" typeface="Arial"/>
+        <a:font script="Thai" typeface="Cordia New"/>
+        <a:font script="Ethi" typeface="Nyala"/>
+        <a:font script="Beng" typeface="Vrinda"/>
+        <a:font script="Gujr" typeface="Shruti"/>
+        <a:font script="Khmr" typeface="DaunPenh"/>
+        <a:font script="Knda" typeface="Tunga"/>
+        <a:font script="Guru" typeface="Raavi"/>
+        <a:font script="Cans" typeface="Euphemia"/>
+        <a:font script="Cher" typeface="Plantagenet Cherokee"/>
+        <a:font script="Yiii" typeface="Microsoft Yi Baiti"/>
+        <a:font script="Tibt" typeface="Microsoft Himalaya"/>
+        <a:font script="Thaa" typeface="MV Boli"/>
+        <a:font script="Deva" typeface="Mangal"/>
+        <a:font script="Telu" typeface="Gautami"/>
+        <a:font script="Taml" typeface="Latha"/>
+        <a:font script="Syrc" typeface="Estrangelo Edessa"/>
+        <a:font script="Orya" typeface="Kalinga"/>
+        <a:font script="Mlym" typeface="Kartika"/>
+        <a:font script="Laoo" typeface="DokChampa"/>
+        <a:font script="Sinh" typeface="Iskoola Pota"/>
+        <a:font script="Mong" typeface="Mongolian Baiti"/>
+        <a:font script="Viet" typeface="Arial"/>
+        <a:font script="Uigh" typeface="Microsoft Uighur"/>
+        <a:font script="Geor" typeface="Sylfaen"/>
+        <a:font script="Armn" typeface="Arial"/>
+        <a:font script="Bugi" typeface="Leelawadee UI"/>
+        <a:font script="Bopo" typeface="Microsoft JhengHei"/>
+        <a:font script="Java" typeface="Javanese Text"/>
+        <a:font script="Lisu" typeface="Segoe UI"/>
+        <a:font script="Mymr" typeface="Myanmar Text"/>
+        <a:font script="Nkoo" typeface="Ebrima"/>
+        <a:font script="Olck" typeface="Nirmala UI"/>
+        <a:font script="Osma" typeface="Ebrima"/>
+        <a:font script="Phag" typeface="Phagspa"/>
+        <a:font script="Syrn" typeface="Estrangelo Edessa"/>
+        <a:font script="Syrj" typeface="Estrangelo Edessa"/>
+        <a:font script="Syre" typeface="Estrangelo Edessa"/>
+        <a:font script="Sora" typeface="Nirmala UI"/>
+        <a:font script="Tale" typeface="Microsoft Tai Le"/>
+        <a:font script="Talu" typeface="Microsoft New Tai Lue"/>
+        <a:font script="Tfng" typeface="Ebrima"/>
+      </a:minorFont>
+    </a:fontScheme>
+    <a:fmtScheme name="Стандартная">
+      <a:fillStyleLst>
+        <a:solidFill>
+          <a:schemeClr val="phClr"/>
+        </a:solidFill>
+        <a:gradFill rotWithShape="1">
+          <a:gsLst>
+            <a:gs pos="0">
+              <a:schemeClr val="phClr">
+                <a:lumMod val="110000"/>
+                <a:satMod val="105000"/>
+                <a:tint val="67000"/>
+              </a:schemeClr>
+            </a:gs>
+            <a:gs pos="50000">
+              <a:schemeClr val="phClr">
+                <a:lumMod val="105000"/>
+                <a:satMod val="103000"/>
+                <a:tint val="73000"/>
+              </a:schemeClr>
+            </a:gs>
+            <a:gs pos="100000">
+              <a:schemeClr val="phClr">
+                <a:lumMod val="105000"/>
+                <a:satMod val="109000"/>
+                <a:tint val="81000"/>
+              </a:schemeClr>
+            </a:gs>
+          </a:gsLst>
+          <a:lin ang="5400000" scaled="0"/>
+        </a:gradFill>
+        <a:gradFill rotWithShape="1">
+          <a:gsLst>
+            <a:gs pos="0">
+              <a:schemeClr val="phClr">
+                <a:satMod val="103000"/>
+                <a:lumMod val="102000"/>
+                <a:tint val="94000"/>
+              </a:schemeClr>
+            </a:gs>
+            <a:gs pos="50000">
+              <a:schemeClr val="phClr">
+                <a:satMod val="110000"/>
+                <a:lumMod val="100000"/>
+                <a:shade val="100000"/>
+              </a:schemeClr>
+            </a:gs>
+            <a:gs pos="100000">
+              <a:schemeClr val="phClr">
+                <a:lumMod val="99000"/>
+                <a:satMod val="120000"/>
+                <a:shade val="78000"/>
+              </a:schemeClr>
+            </a:gs>
+          </a:gsLst>
+          <a:lin ang="5400000" scaled="0"/>
+        </a:gradFill>
+      </a:fillStyleLst>
+      <a:lnStyleLst>
+        <a:ln w="6350" cap="flat" cmpd="sng" algn="ctr">
+          <a:solidFill>
+            <a:schemeClr val="phClr"/>
+          </a:solidFill>
+          <a:prstDash val="solid"/>
+          <a:miter lim="800000"/>
+        </a:ln>
+        <a:ln w="12700" cap="flat" cmpd="sng" algn="ctr">
+          <a:solidFill>
+            <a:schemeClr val="phClr"/>
+          </a:solidFill>
+          <a:prstDash val="solid"/>
+          <a:miter lim="800000"/>
+        </a:ln>
+        <a:ln w="19050" cap="flat" cmpd="sng" algn="ctr">
+          <a:solidFill>
+            <a:schemeClr val="phClr"/>
+          </a:solidFill>
+          <a:prstDash val="solid"/>
+          <a:miter lim="800000"/>
+        </a:ln>
+      </a:lnStyleLst>
+      <a:effectStyleLst>
+        <a:effectStyle>
+          <a:effectLst/>
+        </a:effectStyle>
+        <a:effectStyle>
+          <a:effectLst/>
+        </a:effectStyle>
+        <a:effectStyle>
+          <a:effectLst>
+            <a:outerShdw blurRad="57150" dist="19050" dir="5400000" algn="ctr" rotWithShape="0">
+              <a:srgbClr val="000000">
+                <a:alpha val="63000"/>
+              </a:srgbClr>
+            </a:outerShdw>
+          </a:effectLst>
+        </a:effectStyle>
+      </a:effectStyleLst>
+      <a:bgFillStyleLst>
+        <a:solidFill>
+          <a:schemeClr val="phClr"/>
+        </a:solidFill>
+        <a:solidFill>
+          <a:schemeClr val="phClr">
+            <a:tint val="95000"/>
+            <a:satMod val="170000"/>
+          </a:schemeClr>
+        </a:solidFill>
+        <a:gradFill rotWithShape="1">
+          <a:gsLst>
+            <a:gs pos="0">
+              <a:schemeClr val="phClr">
+                <a:tint val="93000"/>
+                <a:satMod val="150000"/>
+                <a:shade val="98000"/>
+                <a:lumMod val="102000"/>
+              </a:schemeClr>
+            </a:gs>
+            <a:gs pos="50000">
+              <a:schemeClr val="phClr">
+                <a:tint val="98000"/>
+                <a:satMod val="130000"/>
+                <a:shade val="90000"/>
+                <a:lumMod val="103000"/>
+              </a:schemeClr>
+            </a:gs>
+            <a:gs pos="100000">
+              <a:schemeClr val="phClr">
+                <a:shade val="63000"/>
+                <a:satMod val="120000"/>
+              </a:schemeClr>
+            </a:gs>
+          </a:gsLst>
+          <a:lin ang="5400000" scaled="0"/>
+        </a:gradFill>
+      </a:bgFillStyleLst>
+    </a:fmtScheme>
+  </a:themeElements>
+  <a:objectDefaults/>
+  <a:extraClrSchemeLst/>
+  <a:extLst>
+    <a:ext uri="{05A4C25C-085E-4340-85A3-A5531E510DB2}">
+      <thm15:themeFamily xmlns:thm15="http://schemas.microsoft.com/office/thememl/2012/main" name="Office Theme" id="{62F939B6-93AF-4DB8-9C6B-D6C7DFDC589F}" vid="{4A3C46E8-61CC-4603-A589-7422A47A8E4A}"/>
+    </a:ext>
+  </a:extLst>
+</a:theme>
 </file>